--- a/3D Gaussian Splatting via Masking Dynamic Objects.pptx
+++ b/3D Gaussian Splatting via Masking Dynamic Objects.pptx
@@ -221,7 +221,7 @@
           <a:p>
             <a:fld id="{8ABEC776-E625-468F-82D5-EE59A9E1DE49}" type="datetimeFigureOut">
               <a:rPr lang="en-US" smtClean="0"/>
-              <a:t>12/11/2025</a:t>
+              <a:t>12/14/2025</a:t>
             </a:fld>
             <a:endParaRPr lang="en-US"/>
           </a:p>
@@ -758,7 +758,7 @@
           <a:p>
             <a:fld id="{5BCAD085-E8A6-8845-BD4E-CB4CCA059FC4}" type="datetimeFigureOut">
               <a:rPr lang="en-US" smtClean="0"/>
-              <a:t>12/11/2025</a:t>
+              <a:t>12/14/2025</a:t>
             </a:fld>
             <a:endParaRPr lang="en-US"/>
           </a:p>
@@ -1033,7 +1033,7 @@
           <a:p>
             <a:fld id="{5BCAD085-E8A6-8845-BD4E-CB4CCA059FC4}" type="datetimeFigureOut">
               <a:rPr lang="en-US" smtClean="0"/>
-              <a:t>12/11/2025</a:t>
+              <a:t>12/14/2025</a:t>
             </a:fld>
             <a:endParaRPr lang="en-US"/>
           </a:p>
@@ -1227,7 +1227,7 @@
           <a:p>
             <a:fld id="{5BCAD085-E8A6-8845-BD4E-CB4CCA059FC4}" type="datetimeFigureOut">
               <a:rPr lang="en-US" smtClean="0"/>
-              <a:t>12/11/2025</a:t>
+              <a:t>12/14/2025</a:t>
             </a:fld>
             <a:endParaRPr lang="en-US"/>
           </a:p>
@@ -1500,7 +1500,7 @@
           <a:p>
             <a:fld id="{5BCAD085-E8A6-8845-BD4E-CB4CCA059FC4}" type="datetimeFigureOut">
               <a:rPr lang="en-US" smtClean="0"/>
-              <a:t>12/11/2025</a:t>
+              <a:t>12/14/2025</a:t>
             </a:fld>
             <a:endParaRPr lang="en-US"/>
           </a:p>
@@ -1841,7 +1841,7 @@
           <a:p>
             <a:fld id="{5BCAD085-E8A6-8845-BD4E-CB4CCA059FC4}" type="datetimeFigureOut">
               <a:rPr lang="en-US" smtClean="0"/>
-              <a:t>12/11/2025</a:t>
+              <a:t>12/14/2025</a:t>
             </a:fld>
             <a:endParaRPr lang="en-US"/>
           </a:p>
@@ -2464,7 +2464,7 @@
           <a:p>
             <a:fld id="{5BCAD085-E8A6-8845-BD4E-CB4CCA059FC4}" type="datetimeFigureOut">
               <a:rPr lang="en-US" smtClean="0"/>
-              <a:t>12/11/2025</a:t>
+              <a:t>12/14/2025</a:t>
             </a:fld>
             <a:endParaRPr lang="en-US"/>
           </a:p>
@@ -3324,7 +3324,7 @@
           <a:p>
             <a:fld id="{5BCAD085-E8A6-8845-BD4E-CB4CCA059FC4}" type="datetimeFigureOut">
               <a:rPr lang="en-US" smtClean="0"/>
-              <a:t>12/11/2025</a:t>
+              <a:t>12/14/2025</a:t>
             </a:fld>
             <a:endParaRPr lang="en-US"/>
           </a:p>
@@ -3494,7 +3494,7 @@
           <a:p>
             <a:fld id="{5BCAD085-E8A6-8845-BD4E-CB4CCA059FC4}" type="datetimeFigureOut">
               <a:rPr lang="en-US" smtClean="0"/>
-              <a:t>12/11/2025</a:t>
+              <a:t>12/14/2025</a:t>
             </a:fld>
             <a:endParaRPr lang="en-US"/>
           </a:p>
@@ -3674,7 +3674,7 @@
           <a:p>
             <a:fld id="{5BCAD085-E8A6-8845-BD4E-CB4CCA059FC4}" type="datetimeFigureOut">
               <a:rPr lang="en-US" smtClean="0"/>
-              <a:t>12/11/2025</a:t>
+              <a:t>12/14/2025</a:t>
             </a:fld>
             <a:endParaRPr lang="en-US"/>
           </a:p>
@@ -3844,7 +3844,7 @@
           <a:p>
             <a:fld id="{5BCAD085-E8A6-8845-BD4E-CB4CCA059FC4}" type="datetimeFigureOut">
               <a:rPr lang="en-US" smtClean="0"/>
-              <a:t>12/11/2025</a:t>
+              <a:t>12/14/2025</a:t>
             </a:fld>
             <a:endParaRPr lang="en-US"/>
           </a:p>
@@ -4091,7 +4091,7 @@
           <a:p>
             <a:fld id="{5BCAD085-E8A6-8845-BD4E-CB4CCA059FC4}" type="datetimeFigureOut">
               <a:rPr lang="en-US" smtClean="0"/>
-              <a:t>12/11/2025</a:t>
+              <a:t>12/14/2025</a:t>
             </a:fld>
             <a:endParaRPr lang="en-US"/>
           </a:p>
@@ -4383,7 +4383,7 @@
           <a:p>
             <a:fld id="{5BCAD085-E8A6-8845-BD4E-CB4CCA059FC4}" type="datetimeFigureOut">
               <a:rPr lang="en-US" smtClean="0"/>
-              <a:t>12/11/2025</a:t>
+              <a:t>12/14/2025</a:t>
             </a:fld>
             <a:endParaRPr lang="en-US"/>
           </a:p>
@@ -4827,7 +4827,7 @@
           <a:p>
             <a:fld id="{5BCAD085-E8A6-8845-BD4E-CB4CCA059FC4}" type="datetimeFigureOut">
               <a:rPr lang="en-US" smtClean="0"/>
-              <a:t>12/11/2025</a:t>
+              <a:t>12/14/2025</a:t>
             </a:fld>
             <a:endParaRPr lang="en-US"/>
           </a:p>
@@ -4945,7 +4945,7 @@
           <a:p>
             <a:fld id="{5BCAD085-E8A6-8845-BD4E-CB4CCA059FC4}" type="datetimeFigureOut">
               <a:rPr lang="en-US" smtClean="0"/>
-              <a:t>12/11/2025</a:t>
+              <a:t>12/14/2025</a:t>
             </a:fld>
             <a:endParaRPr lang="en-US"/>
           </a:p>
@@ -5040,7 +5040,7 @@
           <a:p>
             <a:fld id="{5BCAD085-E8A6-8845-BD4E-CB4CCA059FC4}" type="datetimeFigureOut">
               <a:rPr lang="en-US" smtClean="0"/>
-              <a:t>12/11/2025</a:t>
+              <a:t>12/14/2025</a:t>
             </a:fld>
             <a:endParaRPr lang="en-US"/>
           </a:p>
@@ -5319,7 +5319,7 @@
           <a:p>
             <a:fld id="{5BCAD085-E8A6-8845-BD4E-CB4CCA059FC4}" type="datetimeFigureOut">
               <a:rPr lang="en-US" smtClean="0"/>
-              <a:t>12/11/2025</a:t>
+              <a:t>12/14/2025</a:t>
             </a:fld>
             <a:endParaRPr lang="en-US"/>
           </a:p>
@@ -5594,7 +5594,7 @@
           <a:p>
             <a:fld id="{5BCAD085-E8A6-8845-BD4E-CB4CCA059FC4}" type="datetimeFigureOut">
               <a:rPr lang="en-US" smtClean="0"/>
-              <a:t>12/11/2025</a:t>
+              <a:t>12/14/2025</a:t>
             </a:fld>
             <a:endParaRPr lang="en-US"/>
           </a:p>
@@ -6023,7 +6023,7 @@
           <a:p>
             <a:fld id="{5BCAD085-E8A6-8845-BD4E-CB4CCA059FC4}" type="datetimeFigureOut">
               <a:rPr lang="en-US" smtClean="0"/>
-              <a:t>12/11/2025</a:t>
+              <a:t>12/14/2025</a:t>
             </a:fld>
             <a:endParaRPr lang="en-US"/>
           </a:p>
@@ -7589,8 +7589,8 @@
         </p:blipFill>
         <p:spPr bwMode="auto">
           <a:xfrm>
-            <a:off x="920981" y="1269962"/>
-            <a:ext cx="4459619" cy="3993804"/>
+            <a:off x="920981" y="920025"/>
+            <a:ext cx="8423044" cy="4343741"/>
           </a:xfrm>
           <a:prstGeom prst="rect">
             <a:avLst/>
@@ -8072,7 +8072,7 @@
         <p:spPr>
           <a:xfrm>
             <a:off x="457200" y="1371600"/>
-            <a:ext cx="11687175" cy="1323439"/>
+            <a:ext cx="11687175" cy="1631216"/>
           </a:xfrm>
           <a:prstGeom prst="rect">
             <a:avLst/>
@@ -8091,14 +8091,14 @@
               <a:defRPr sz="2000" b="0"/>
             </a:pPr>
             <a:r>
-              <a:rPr sz="1600" dirty="0">
+              <a:rPr sz="2000" dirty="0">
                 <a:latin typeface="Times New Roman" panose="02020603050405020304" pitchFamily="18" charset="0"/>
                 <a:cs typeface="Times New Roman" panose="02020603050405020304" pitchFamily="18" charset="0"/>
               </a:rPr>
               <a:t>Gradient masking and ray filtering reduce dynamic object artifacts</a:t>
             </a:r>
             <a:r>
-              <a:rPr lang="en-US" sz="1600" dirty="0">
+              <a:rPr lang="en-US" sz="2000" dirty="0">
                 <a:latin typeface="Times New Roman" panose="02020603050405020304" pitchFamily="18" charset="0"/>
                 <a:cs typeface="Times New Roman" panose="02020603050405020304" pitchFamily="18" charset="0"/>
               </a:rPr>
@@ -8112,14 +8112,14 @@
               <a:defRPr sz="2000" b="0"/>
             </a:pPr>
             <a:r>
-              <a:rPr sz="1600" dirty="0">
+              <a:rPr sz="2000" dirty="0">
                 <a:latin typeface="Times New Roman" panose="02020603050405020304" pitchFamily="18" charset="0"/>
                 <a:cs typeface="Times New Roman" panose="02020603050405020304" pitchFamily="18" charset="0"/>
               </a:rPr>
               <a:t>Baseline achieves highest metrics </a:t>
             </a:r>
             <a:r>
-              <a:rPr lang="en-US" sz="1600" dirty="0">
+              <a:rPr lang="en-US" sz="2000" dirty="0">
                 <a:latin typeface="Times New Roman" panose="02020603050405020304" pitchFamily="18" charset="0"/>
                 <a:cs typeface="Times New Roman" panose="02020603050405020304" pitchFamily="18" charset="0"/>
               </a:rPr>
@@ -8133,14 +8133,14 @@
               <a:defRPr sz="2000" b="0"/>
             </a:pPr>
             <a:r>
-              <a:rPr sz="1600" dirty="0">
+              <a:rPr sz="2000" dirty="0">
                 <a:latin typeface="Times New Roman" panose="02020603050405020304" pitchFamily="18" charset="0"/>
                 <a:cs typeface="Times New Roman" panose="02020603050405020304" pitchFamily="18" charset="0"/>
               </a:rPr>
               <a:t>Gradient masking slightly better perceptually than ray filtering</a:t>
             </a:r>
             <a:r>
-              <a:rPr lang="en-US" sz="1600" dirty="0">
+              <a:rPr lang="en-US" sz="2000" dirty="0">
                 <a:latin typeface="Times New Roman" panose="02020603050405020304" pitchFamily="18" charset="0"/>
                 <a:cs typeface="Times New Roman" panose="02020603050405020304" pitchFamily="18" charset="0"/>
               </a:rPr>
@@ -8154,7 +8154,7 @@
               <a:defRPr sz="2000" b="0"/>
             </a:pPr>
             <a:r>
-              <a:rPr lang="en-US" sz="1600" dirty="0">
+              <a:rPr lang="en-US" sz="2000" dirty="0">
                 <a:latin typeface="Times New Roman" panose="02020603050405020304" pitchFamily="18" charset="0"/>
                 <a:cs typeface="Times New Roman" panose="02020603050405020304" pitchFamily="18" charset="0"/>
               </a:rPr>
@@ -8168,7 +8168,7 @@
               <a:defRPr sz="2000" b="0"/>
             </a:pPr>
             <a:r>
-              <a:rPr lang="en-US" sz="1600" dirty="0">
+              <a:rPr lang="en-US" sz="2000" dirty="0">
                 <a:latin typeface="Times New Roman" panose="02020603050405020304" pitchFamily="18" charset="0"/>
                 <a:cs typeface="Times New Roman" panose="02020603050405020304" pitchFamily="18" charset="0"/>
               </a:rPr>
@@ -8699,7 +8699,7 @@
             </a:r>
             <a:r>
               <a:rPr lang="en-US" sz="2400" dirty="0"/>
-              <a:t>the robustness of image reconstruction in 3D Gaussian Splatting (3DGS) by masking the dynamic objects, since they introduce noise, instability, and artifacts.</a:t>
+              <a:t>the robustness of image reconstruction in 3D Gaussian Splatting (3DGS) by masking (in 2D) the dynamic objects, since they introduce noise, instability, and artifacts.</a:t>
             </a:r>
           </a:p>
         </p:txBody>
@@ -11427,8 +11427,8 @@
         </p:nvSpPr>
         <p:spPr>
           <a:xfrm>
-            <a:off x="2457450" y="2031475"/>
-            <a:ext cx="8008628" cy="4062651"/>
+            <a:off x="857250" y="1673573"/>
+            <a:ext cx="9588190" cy="4832092"/>
           </a:xfrm>
           <a:prstGeom prst="rect">
             <a:avLst/>
@@ -11443,19 +11443,24 @@
           <a:p>
             <a:r>
               <a:rPr sz="2000" dirty="0"/>
-              <a:t>1. Gradient Masking</a:t>
-            </a:r>
-            <a:r>
-              <a:rPr lang="en-US" sz="2000" dirty="0"/>
+              <a:t>1. </a:t>
+            </a:r>
+            <a:r>
+              <a:rPr sz="2000" b="1" dirty="0"/>
+              <a:t>Gradient Masking</a:t>
+            </a:r>
+            <a:r>
+              <a:rPr lang="en-US" sz="2000" b="1" dirty="0"/>
               <a:t> (Loss Masking)</a:t>
             </a:r>
             <a:r>
+              <a:rPr sz="2000" b="1" dirty="0"/>
+              <a:t> </a:t>
+            </a:r>
+            <a:r>
               <a:rPr sz="2000" dirty="0"/>
-              <a:t> – Weight loss by (1-mask).</a:t>
-            </a:r>
-            <a:endParaRPr lang="en-US" sz="2000" dirty="0"/>
-          </a:p>
-          <a:p>
+              <a:t>– Weight loss by (1-mask).</a:t>
+            </a:r>
             <a:endParaRPr lang="en-US" sz="2000" dirty="0"/>
           </a:p>
           <a:p>
@@ -11465,21 +11470,8 @@
             </a:pPr>
             <a:r>
               <a:rPr lang="en-US" sz="2000" dirty="0"/>
-              <a:t>It down-weights masked pixels in loss</a:t>
-            </a:r>
-          </a:p>
-          <a:p>
-            <a:endParaRPr sz="2000" dirty="0"/>
-          </a:p>
-          <a:p>
-            <a:r>
-              <a:rPr sz="2000" dirty="0"/>
-              <a:t>2. Ray Filtering – Discard rays passing through dynamic regions.</a:t>
-            </a:r>
-            <a:endParaRPr lang="en-US" sz="2000" dirty="0"/>
-          </a:p>
-          <a:p>
-            <a:endParaRPr lang="en-US" sz="2000" dirty="0"/>
+              <a:t>It down-weights masked pixels in loss.</a:t>
+            </a:r>
           </a:p>
           <a:p>
             <a:pPr marL="285750" indent="-285750">
@@ -11487,8 +11479,8 @@
               <a:buChar char="•"/>
             </a:pPr>
             <a:r>
-              <a:rPr lang="en-US" sz="2000" dirty="0"/>
-              <a:t>Removes masked rays fully from training</a:t>
+              <a:rPr lang="en-US" dirty="0"/>
+              <a:t>Supervises only static pixels (dynamic regions ignored during optimization).</a:t>
             </a:r>
           </a:p>
           <a:p>
@@ -11496,16 +11488,91 @@
               <a:buFont typeface="Arial" panose="020B0604020202020204" pitchFamily="34" charset="0"/>
               <a:buChar char="•"/>
             </a:pPr>
+            <a:r>
+              <a:rPr lang="en-US" dirty="0"/>
+              <a:t>Simpler to implement.</a:t>
+            </a:r>
+            <a:endParaRPr sz="2000" dirty="0"/>
+          </a:p>
+          <a:p>
+            <a:r>
+              <a:rPr sz="2000" dirty="0"/>
+              <a:t>2</a:t>
+            </a:r>
+            <a:r>
+              <a:rPr sz="2000" b="1" dirty="0"/>
+              <a:t>. Ray Filtering </a:t>
+            </a:r>
+            <a:r>
+              <a:rPr sz="2000" dirty="0"/>
+              <a:t>– Discard rays passing through dynamic regions.</a:t>
+            </a:r>
             <a:endParaRPr lang="en-US" sz="2000" dirty="0"/>
           </a:p>
           <a:p>
+            <a:pPr marL="285750" indent="-285750">
+              <a:buFont typeface="Arial" panose="020B0604020202020204" pitchFamily="34" charset="0"/>
+              <a:buChar char="•"/>
+            </a:pPr>
             <a:r>
               <a:rPr lang="en-US" sz="2000" dirty="0"/>
-              <a:t>3. Baseline - trains 3D Gaussian Splatting normally. </a:t>
-            </a:r>
-          </a:p>
-          <a:p>
+              <a:t>Removes masked rays fully from training</a:t>
+            </a:r>
+          </a:p>
+          <a:p>
+            <a:pPr marL="285750" indent="-285750">
+              <a:buFont typeface="Arial" panose="020B0604020202020204" pitchFamily="34" charset="0"/>
+              <a:buChar char="•"/>
+            </a:pPr>
+            <a:r>
+              <a:rPr lang="en-US" sz="2000" dirty="0"/>
+              <a:t>Higher PSNR</a:t>
+            </a:r>
+          </a:p>
+          <a:p>
+            <a:pPr marL="285750" indent="-285750">
+              <a:buFont typeface="Arial" panose="020B0604020202020204" pitchFamily="34" charset="0"/>
+              <a:buChar char="•"/>
+            </a:pPr>
+            <a:r>
+              <a:rPr lang="en-US" sz="2000" dirty="0"/>
+              <a:t>Sharper geometry</a:t>
+            </a:r>
+          </a:p>
+          <a:p>
+            <a:pPr marL="285750" indent="-285750">
+              <a:buFont typeface="Arial" panose="020B0604020202020204" pitchFamily="34" charset="0"/>
+              <a:buChar char="•"/>
+            </a:pPr>
+            <a:r>
+              <a:rPr lang="en-US" sz="2000" dirty="0"/>
+              <a:t>Provides stronger guarantees</a:t>
+            </a:r>
+          </a:p>
+          <a:p>
+            <a:pPr marL="285750" indent="-285750">
+              <a:buFont typeface="Arial" panose="020B0604020202020204" pitchFamily="34" charset="0"/>
+              <a:buChar char="•"/>
+            </a:pPr>
+            <a:r>
+              <a:rPr lang="en-US" dirty="0"/>
+              <a:t>More complex implementation</a:t>
+            </a:r>
             <a:endParaRPr lang="en-US" sz="2000" dirty="0"/>
+          </a:p>
+          <a:p>
+            <a:r>
+              <a:rPr lang="en-US" sz="2000" dirty="0"/>
+              <a:t>3. </a:t>
+            </a:r>
+            <a:r>
+              <a:rPr lang="en-US" sz="2000" b="1" dirty="0"/>
+              <a:t>Baseline (unmasked) </a:t>
+            </a:r>
+            <a:r>
+              <a:rPr lang="en-US" sz="2000" dirty="0"/>
+              <a:t>- trains 3D Gaussian Splatting normally. </a:t>
+            </a:r>
           </a:p>
           <a:p>
             <a:pPr marL="342900" indent="-342900">
@@ -11516,6 +11583,27 @@
               <a:rPr lang="en-US" sz="2000" dirty="0"/>
               <a:t>uses all pixels from all training images without considering whether the scene parts are dynamic or static.</a:t>
             </a:r>
+          </a:p>
+          <a:p>
+            <a:pPr marL="342900" indent="-342900">
+              <a:buFont typeface="Arial" panose="020B0604020202020204" pitchFamily="34" charset="0"/>
+              <a:buChar char="•"/>
+            </a:pPr>
+            <a:r>
+              <a:rPr lang="en-US" dirty="0"/>
+              <a:t>No mask guidance</a:t>
+            </a:r>
+          </a:p>
+          <a:p>
+            <a:pPr marL="342900" indent="-342900">
+              <a:buFont typeface="Arial" panose="020B0604020202020204" pitchFamily="34" charset="0"/>
+              <a:buChar char="•"/>
+            </a:pPr>
+            <a:r>
+              <a:rPr lang="en-US" dirty="0"/>
+              <a:t>Expected to show ghosting and blur on static background</a:t>
+            </a:r>
+            <a:endParaRPr lang="en-US" sz="2000" dirty="0"/>
           </a:p>
           <a:p>
             <a:endParaRPr dirty="0"/>
@@ -11630,8 +11718,8 @@
         </p:nvSpPr>
         <p:spPr>
           <a:xfrm>
-            <a:off x="2628901" y="362606"/>
-            <a:ext cx="6286500" cy="584775"/>
+            <a:off x="2228850" y="362606"/>
+            <a:ext cx="6686551" cy="584775"/>
           </a:xfrm>
           <a:prstGeom prst="rect">
             <a:avLst/>
@@ -11652,7 +11740,7 @@
                 <a:latin typeface="Times New Roman" panose="02020603050405020304" pitchFamily="18" charset="0"/>
                 <a:cs typeface="Times New Roman" panose="02020603050405020304" pitchFamily="18" charset="0"/>
               </a:rPr>
-              <a:t>2.1: 2D MASKING IN 3DGS</a:t>
+              <a:t>2.1: 2D MASKING IN 3DGS – why?</a:t>
             </a:r>
             <a:endParaRPr sz="3200" dirty="0">
               <a:latin typeface="Times New Roman" panose="02020603050405020304" pitchFamily="18" charset="0"/>
@@ -11670,7 +11758,7 @@
         <p:spPr>
           <a:xfrm>
             <a:off x="457199" y="1371600"/>
-            <a:ext cx="11244263" cy="1200329"/>
+            <a:ext cx="11244263" cy="1815882"/>
           </a:xfrm>
           <a:prstGeom prst="rect">
             <a:avLst/>
@@ -11710,7 +11798,22 @@
               <a:rPr lang="en-US" sz="2400" dirty="0"/>
               <a:t>.</a:t>
             </a:r>
-            <a:endParaRPr sz="2400" dirty="0"/>
+          </a:p>
+          <a:p>
+            <a:pPr>
+              <a:defRPr sz="2000" b="0"/>
+            </a:pPr>
+            <a:r>
+              <a:rPr lang="en-US" sz="2000" b="1" dirty="0">
+                <a:latin typeface="Times New Roman" panose="02020603050405020304" pitchFamily="18" charset="0"/>
+                <a:cs typeface="Times New Roman" panose="02020603050405020304" pitchFamily="18" charset="0"/>
+              </a:rPr>
+              <a:t>Hypothesis: For 2D binary masks (1 = static, 0 = dynamic) integrated during training eliminates static artifact error while maintaining efficiency.</a:t>
+            </a:r>
+            <a:endParaRPr sz="2400" b="1" dirty="0">
+              <a:latin typeface="Times New Roman" panose="02020603050405020304" pitchFamily="18" charset="0"/>
+              <a:cs typeface="Times New Roman" panose="02020603050405020304" pitchFamily="18" charset="0"/>
+            </a:endParaRPr>
           </a:p>
         </p:txBody>
       </p:sp>
@@ -11779,8 +11882,8 @@
         </p:blipFill>
         <p:spPr bwMode="auto">
           <a:xfrm>
-            <a:off x="814388" y="2843213"/>
-            <a:ext cx="9086850" cy="3057525"/>
+            <a:off x="814388" y="3429000"/>
+            <a:ext cx="9086850" cy="2697062"/>
           </a:xfrm>
           <a:prstGeom prst="rect">
             <a:avLst/>

--- a/3D Gaussian Splatting via Masking Dynamic Objects.pptx
+++ b/3D Gaussian Splatting via Masking Dynamic Objects.pptx
@@ -18,9 +18,9 @@
     <p:sldId id="257" r:id="rId9"/>
     <p:sldId id="265" r:id="rId10"/>
     <p:sldId id="260" r:id="rId11"/>
-    <p:sldId id="261" r:id="rId12"/>
-    <p:sldId id="262" r:id="rId13"/>
-    <p:sldId id="269" r:id="rId14"/>
+    <p:sldId id="270" r:id="rId12"/>
+    <p:sldId id="261" r:id="rId13"/>
+    <p:sldId id="262" r:id="rId14"/>
     <p:sldId id="263" r:id="rId15"/>
   </p:sldIdLst>
   <p:sldSz cx="12188825" cy="6858000"/>
@@ -489,6 +489,1285 @@
 </file>
 
 <file path=ppt/notesSlides/notesSlide1.xml><?xml version="1.0" encoding="utf-8"?>
+<p:notes xmlns:a="http://schemas.openxmlformats.org/drawingml/2006/main" xmlns:r="http://schemas.openxmlformats.org/officeDocument/2006/relationships" xmlns:p="http://schemas.openxmlformats.org/presentationml/2006/main">
+  <p:cSld>
+    <p:spTree>
+      <p:nvGrpSpPr>
+        <p:cNvPr id="1" name=""/>
+        <p:cNvGrpSpPr/>
+        <p:nvPr/>
+      </p:nvGrpSpPr>
+      <p:grpSpPr>
+        <a:xfrm>
+          <a:off x="0" y="0"/>
+          <a:ext cx="0" cy="0"/>
+          <a:chOff x="0" y="0"/>
+          <a:chExt cx="0" cy="0"/>
+        </a:xfrm>
+      </p:grpSpPr>
+      <p:sp>
+        <p:nvSpPr>
+          <p:cNvPr id="2" name="Slide Image Placeholder 1"/>
+          <p:cNvSpPr>
+            <a:spLocks noGrp="1" noRot="1" noChangeAspect="1"/>
+          </p:cNvSpPr>
+          <p:nvPr>
+            <p:ph type="sldImg"/>
+          </p:nvPr>
+        </p:nvSpPr>
+        <p:spPr/>
+      </p:sp>
+      <mc:AlternateContent xmlns:mc="http://schemas.openxmlformats.org/markup-compatibility/2006" xmlns:a14="http://schemas.microsoft.com/office/drawing/2010/main">
+        <mc:Choice Requires="a14">
+          <p:sp>
+            <p:nvSpPr>
+              <p:cNvPr id="3" name="Notes Placeholder 2"/>
+              <p:cNvSpPr>
+                <a:spLocks noGrp="1"/>
+              </p:cNvSpPr>
+              <p:nvPr>
+                <p:ph type="body" idx="1"/>
+              </p:nvPr>
+            </p:nvSpPr>
+            <p:spPr/>
+            <p:txBody>
+              <a:bodyPr/>
+              <a:lstStyle/>
+              <a:p>
+                <a:r>
+                  <a:rPr lang="en-US" b="1" dirty="0"/>
+                  <a:t>PSNR</a:t>
+                </a:r>
+                <a:r>
+                  <a:rPr lang="en-US" dirty="0"/>
+                  <a:t>_DEF: </a:t>
+                </a:r>
+                <a:r>
+                  <a:rPr lang="en-US" sz="1200" dirty="0"/>
+                  <a:t>L = maximum possible pixel value of the image (e.g., 1.0 if normalized, 255 if 8-bit)</a:t>
+                </a:r>
+              </a:p>
+              <a:p>
+                <a:r>
+                  <a:rPr lang="en-US" sz="1200" b="1" dirty="0"/>
+                  <a:t>MSE</a:t>
+                </a:r>
+                <a:r>
+                  <a:rPr lang="en-US" sz="1200" dirty="0"/>
+                  <a:t>=BTW predicted and ground truth images:</a:t>
+                </a:r>
+              </a:p>
+              <a:p>
+                <a:endParaRPr lang="en-US" sz="1200" dirty="0"/>
+              </a:p>
+              <a:p>
+                <a:r>
+                  <a:rPr lang="en-US" b="1" dirty="0"/>
+                  <a:t>SSIM_DEF</a:t>
+                </a:r>
+                <a:r>
+                  <a:rPr lang="en-US" dirty="0"/>
+                  <a:t>: </a:t>
+                </a:r>
+                <a:r>
+                  <a:rPr lang="en-US" sz="1200" b="1" dirty="0"/>
+                  <a:t>x, y </a:t>
+                </a:r>
+                <a:r>
+                  <a:rPr lang="en-US" sz="1200" dirty="0"/>
+                  <a:t>= local patches of predicted and ground truth images</a:t>
+                </a:r>
+              </a:p>
+              <a:p>
+                <a:r>
+                  <a:rPr lang="en-US" sz="1200" b="1" dirty="0" err="1"/>
+                  <a:t>μx</a:t>
+                </a:r>
+                <a:r>
+                  <a:rPr lang="en-US" sz="1200" b="1" dirty="0"/>
+                  <a:t>​, </a:t>
+                </a:r>
+                <a:r>
+                  <a:rPr lang="en-US" sz="1200" b="1" dirty="0" err="1"/>
+                  <a:t>μy</a:t>
+                </a:r>
+                <a:r>
+                  <a:rPr lang="en-US" sz="1200" dirty="0"/>
+                  <a:t>​ = mean intensity of x and y</a:t>
+                </a:r>
+              </a:p>
+              <a:p>
+                <a:r>
+                  <a:rPr lang="en-US" sz="1200" b="1" dirty="0"/>
+                  <a:t>σx2​,σy2</a:t>
+                </a:r>
+                <a:r>
+                  <a:rPr lang="en-US" sz="1200" dirty="0"/>
+                  <a:t>​ = variance of x and y</a:t>
+                </a:r>
+              </a:p>
+              <a:p>
+                <a:r>
+                  <a:rPr lang="en-US" sz="1200" b="1" dirty="0" err="1"/>
+                  <a:t>σxy</a:t>
+                </a:r>
+                <a:r>
+                  <a:rPr lang="en-US" sz="1200" dirty="0"/>
+                  <a:t>​ = covariance between x and y</a:t>
+                </a:r>
+              </a:p>
+              <a:p>
+                <a:endParaRPr lang="en-US" sz="1200" dirty="0"/>
+              </a:p>
+              <a:p>
+                <a:r>
+                  <a:rPr lang="en-US" sz="1200" dirty="0"/>
+                  <a:t>Others= Stabilization constants</a:t>
+                </a:r>
+              </a:p>
+              <a:p>
+                <a:endParaRPr lang="en-US" sz="1200" dirty="0"/>
+              </a:p>
+              <a:p>
+                <a:r>
+                  <a:rPr lang="en-US" b="1" dirty="0"/>
+                  <a:t>LPIPS_DEF</a:t>
+                </a:r>
+                <a:r>
+                  <a:rPr lang="en-US" dirty="0"/>
+                  <a:t>: </a:t>
+                </a:r>
+                <a:r>
+                  <a:rPr lang="en-US" sz="1200" i="1" dirty="0"/>
+                  <a:t>x, y </a:t>
+                </a:r>
+                <a:r>
+                  <a:rPr lang="en-US" sz="1200" dirty="0"/>
+                  <a:t>= images</a:t>
+                </a:r>
+              </a:p>
+              <a:p>
+                <a:pPr/>
+                <a14:m>
+                  <m:oMathPara xmlns:m="http://schemas.openxmlformats.org/officeDocument/2006/math">
+                    <m:oMathParaPr>
+                      <m:jc m:val="centerGroup"/>
+                    </m:oMathParaPr>
+                    <m:oMath xmlns:m="http://schemas.openxmlformats.org/officeDocument/2006/math">
+                      <m:sSup>
+                        <m:sSupPr>
+                          <m:ctrlPr>
+                            <a:rPr lang="en-US" sz="1200" i="1">
+                              <a:latin typeface="Cambria Math" panose="02040503050406030204" pitchFamily="18" charset="0"/>
+                            </a:rPr>
+                          </m:ctrlPr>
+                        </m:sSupPr>
+                        <m:e>
+                          <m:acc>
+                            <m:accPr>
+                              <m:chr m:val="̂"/>
+                              <m:ctrlPr>
+                                <a:rPr lang="en-US" sz="1200" i="1">
+                                  <a:latin typeface="Cambria Math" panose="02040503050406030204" pitchFamily="18" charset="0"/>
+                                </a:rPr>
+                              </m:ctrlPr>
+                            </m:accPr>
+                            <m:e>
+                              <m:r>
+                                <a:rPr lang="en-US" sz="1200" i="1">
+                                  <a:latin typeface="Cambria Math" panose="02040503050406030204" pitchFamily="18" charset="0"/>
+                                </a:rPr>
+                                <m:t>𝑥</m:t>
+                              </m:r>
+                            </m:e>
+                          </m:acc>
+                        </m:e>
+                        <m:sup>
+                          <m:r>
+                            <a:rPr lang="en-US" sz="1200" i="1">
+                              <a:latin typeface="Cambria Math" panose="02040503050406030204" pitchFamily="18" charset="0"/>
+                            </a:rPr>
+                            <m:t>𝑙</m:t>
+                          </m:r>
+                        </m:sup>
+                      </m:sSup>
+                      <m:r>
+                        <a:rPr lang="en-US" sz="1200" i="1">
+                          <a:latin typeface="Cambria Math" panose="02040503050406030204" pitchFamily="18" charset="0"/>
+                        </a:rPr>
+                        <m:t>, </m:t>
+                      </m:r>
+                      <m:sSup>
+                        <m:sSupPr>
+                          <m:ctrlPr>
+                            <a:rPr lang="en-US" sz="1200" i="1">
+                              <a:latin typeface="Cambria Math" panose="02040503050406030204" pitchFamily="18" charset="0"/>
+                            </a:rPr>
+                          </m:ctrlPr>
+                        </m:sSupPr>
+                        <m:e>
+                          <m:acc>
+                            <m:accPr>
+                              <m:chr m:val="̂"/>
+                              <m:ctrlPr>
+                                <a:rPr lang="en-US" sz="1200" i="1">
+                                  <a:latin typeface="Cambria Math" panose="02040503050406030204" pitchFamily="18" charset="0"/>
+                                </a:rPr>
+                              </m:ctrlPr>
+                            </m:accPr>
+                            <m:e>
+                              <m:r>
+                                <a:rPr lang="en-US" sz="1200" i="1">
+                                  <a:latin typeface="Cambria Math" panose="02040503050406030204" pitchFamily="18" charset="0"/>
+                                </a:rPr>
+                                <m:t>𝑦</m:t>
+                              </m:r>
+                            </m:e>
+                          </m:acc>
+                        </m:e>
+                        <m:sup>
+                          <m:r>
+                            <a:rPr lang="en-US" sz="1200" i="1">
+                              <a:latin typeface="Cambria Math" panose="02040503050406030204" pitchFamily="18" charset="0"/>
+                            </a:rPr>
+                            <m:t>𝑙</m:t>
+                          </m:r>
+                        </m:sup>
+                      </m:sSup>
+                      <m:r>
+                        <a:rPr lang="en-US" sz="1200" b="0" i="1" smtClean="0">
+                          <a:latin typeface="Cambria Math" panose="02040503050406030204" pitchFamily="18" charset="0"/>
+                        </a:rPr>
+                        <m:t>:</m:t>
+                      </m:r>
+                      <m:r>
+                        <m:rPr>
+                          <m:sty m:val="p"/>
+                        </m:rPr>
+                        <a:rPr lang="en-US" sz="1200">
+                          <a:latin typeface="Cambria Math" panose="02040503050406030204" pitchFamily="18" charset="0"/>
+                        </a:rPr>
+                        <m:t>feature</m:t>
+                      </m:r>
+                      <m:r>
+                        <a:rPr lang="en-US" sz="1200">
+                          <a:latin typeface="Cambria Math" panose="02040503050406030204" pitchFamily="18" charset="0"/>
+                        </a:rPr>
+                        <m:t> </m:t>
+                      </m:r>
+                      <m:r>
+                        <m:rPr>
+                          <m:sty m:val="p"/>
+                        </m:rPr>
+                        <a:rPr lang="en-US" sz="1200">
+                          <a:latin typeface="Cambria Math" panose="02040503050406030204" pitchFamily="18" charset="0"/>
+                        </a:rPr>
+                        <m:t>activations</m:t>
+                      </m:r>
+                      <m:r>
+                        <a:rPr lang="en-US" sz="1200">
+                          <a:latin typeface="Cambria Math" panose="02040503050406030204" pitchFamily="18" charset="0"/>
+                        </a:rPr>
+                        <m:t> </m:t>
+                      </m:r>
+                      <m:r>
+                        <m:rPr>
+                          <m:sty m:val="p"/>
+                        </m:rPr>
+                        <a:rPr lang="en-US" sz="1200">
+                          <a:latin typeface="Cambria Math" panose="02040503050406030204" pitchFamily="18" charset="0"/>
+                        </a:rPr>
+                        <m:t>of</m:t>
+                      </m:r>
+                      <m:r>
+                        <a:rPr lang="en-US" sz="1200">
+                          <a:latin typeface="Cambria Math" panose="02040503050406030204" pitchFamily="18" charset="0"/>
+                        </a:rPr>
+                        <m:t> </m:t>
+                      </m:r>
+                      <m:r>
+                        <m:rPr>
+                          <m:sty m:val="p"/>
+                        </m:rPr>
+                        <a:rPr lang="en-US" sz="1200">
+                          <a:latin typeface="Cambria Math" panose="02040503050406030204" pitchFamily="18" charset="0"/>
+                        </a:rPr>
+                        <m:t>a</m:t>
+                      </m:r>
+                      <m:r>
+                        <a:rPr lang="en-US" sz="1200">
+                          <a:latin typeface="Cambria Math" panose="02040503050406030204" pitchFamily="18" charset="0"/>
+                        </a:rPr>
+                        <m:t> </m:t>
+                      </m:r>
+                      <m:r>
+                        <m:rPr>
+                          <m:sty m:val="p"/>
+                        </m:rPr>
+                        <a:rPr lang="en-US" sz="1200">
+                          <a:latin typeface="Cambria Math" panose="02040503050406030204" pitchFamily="18" charset="0"/>
+                        </a:rPr>
+                        <m:t>pretrained</m:t>
+                      </m:r>
+                      <m:r>
+                        <a:rPr lang="en-US" sz="1200">
+                          <a:latin typeface="Cambria Math" panose="02040503050406030204" pitchFamily="18" charset="0"/>
+                        </a:rPr>
+                        <m:t> </m:t>
+                      </m:r>
+                      <m:r>
+                        <m:rPr>
+                          <m:sty m:val="p"/>
+                        </m:rPr>
+                        <a:rPr lang="en-US" sz="1200">
+                          <a:latin typeface="Cambria Math" panose="02040503050406030204" pitchFamily="18" charset="0"/>
+                        </a:rPr>
+                        <m:t>network</m:t>
+                      </m:r>
+                      <m:r>
+                        <a:rPr lang="en-US" sz="1200">
+                          <a:latin typeface="Cambria Math" panose="02040503050406030204" pitchFamily="18" charset="0"/>
+                        </a:rPr>
+                        <m:t> (</m:t>
+                      </m:r>
+                      <m:r>
+                        <m:rPr>
+                          <m:sty m:val="p"/>
+                        </m:rPr>
+                        <a:rPr lang="en-US" sz="1200">
+                          <a:latin typeface="Cambria Math" panose="02040503050406030204" pitchFamily="18" charset="0"/>
+                        </a:rPr>
+                        <m:t>e</m:t>
+                      </m:r>
+                      <m:r>
+                        <a:rPr lang="en-US" sz="1200">
+                          <a:latin typeface="Cambria Math" panose="02040503050406030204" pitchFamily="18" charset="0"/>
+                        </a:rPr>
+                        <m:t>.</m:t>
+                      </m:r>
+                      <m:r>
+                        <m:rPr>
+                          <m:sty m:val="p"/>
+                        </m:rPr>
+                        <a:rPr lang="en-US" sz="1200">
+                          <a:latin typeface="Cambria Math" panose="02040503050406030204" pitchFamily="18" charset="0"/>
+                        </a:rPr>
+                        <m:t>g</m:t>
+                      </m:r>
+                      <m:r>
+                        <a:rPr lang="en-US" sz="1200">
+                          <a:latin typeface="Cambria Math" panose="02040503050406030204" pitchFamily="18" charset="0"/>
+                        </a:rPr>
+                        <m:t>., </m:t>
+                      </m:r>
+                      <m:r>
+                        <m:rPr>
+                          <m:sty m:val="p"/>
+                        </m:rPr>
+                        <a:rPr lang="en-US" sz="1200">
+                          <a:latin typeface="Cambria Math" panose="02040503050406030204" pitchFamily="18" charset="0"/>
+                        </a:rPr>
+                        <m:t>AlexNet</m:t>
+                      </m:r>
+                      <m:r>
+                        <a:rPr lang="en-US" sz="1200">
+                          <a:latin typeface="Cambria Math" panose="02040503050406030204" pitchFamily="18" charset="0"/>
+                        </a:rPr>
+                        <m:t>, </m:t>
+                      </m:r>
+                      <m:r>
+                        <m:rPr>
+                          <m:sty m:val="p"/>
+                        </m:rPr>
+                        <a:rPr lang="en-US" sz="1200">
+                          <a:latin typeface="Cambria Math" panose="02040503050406030204" pitchFamily="18" charset="0"/>
+                        </a:rPr>
+                        <m:t>VGG</m:t>
+                      </m:r>
+                      <m:r>
+                        <a:rPr lang="en-US" sz="1200">
+                          <a:latin typeface="Cambria Math" panose="02040503050406030204" pitchFamily="18" charset="0"/>
+                        </a:rPr>
+                        <m:t>) </m:t>
+                      </m:r>
+                      <m:r>
+                        <m:rPr>
+                          <m:sty m:val="p"/>
+                        </m:rPr>
+                        <a:rPr lang="en-US" sz="1200">
+                          <a:latin typeface="Cambria Math" panose="02040503050406030204" pitchFamily="18" charset="0"/>
+                        </a:rPr>
+                        <m:t>at</m:t>
+                      </m:r>
+                      <m:r>
+                        <a:rPr lang="en-US" sz="1200">
+                          <a:latin typeface="Cambria Math" panose="02040503050406030204" pitchFamily="18" charset="0"/>
+                        </a:rPr>
+                        <m:t> </m:t>
+                      </m:r>
+                      <m:r>
+                        <m:rPr>
+                          <m:sty m:val="p"/>
+                        </m:rPr>
+                        <a:rPr lang="en-US" sz="1200">
+                          <a:latin typeface="Cambria Math" panose="02040503050406030204" pitchFamily="18" charset="0"/>
+                        </a:rPr>
+                        <m:t>layer</m:t>
+                      </m:r>
+                      <m:r>
+                        <a:rPr lang="en-US" sz="1200" i="1">
+                          <a:latin typeface="Cambria Math" panose="02040503050406030204" pitchFamily="18" charset="0"/>
+                        </a:rPr>
+                        <m:t> </m:t>
+                      </m:r>
+                      <m:r>
+                        <a:rPr lang="en-US" sz="1200" i="1">
+                          <a:latin typeface="Cambria Math" panose="02040503050406030204" pitchFamily="18" charset="0"/>
+                        </a:rPr>
+                        <m:t>𝑙</m:t>
+                      </m:r>
+                    </m:oMath>
+                  </m:oMathPara>
+                </a14:m>
+                <a:endParaRPr lang="en-US" sz="1200" dirty="0"/>
+              </a:p>
+              <a:p>
+                <a:pPr/>
+                <a14:m>
+                  <m:oMathPara xmlns:m="http://schemas.openxmlformats.org/officeDocument/2006/math">
+                    <m:oMathParaPr>
+                      <m:jc m:val="centerGroup"/>
+                    </m:oMathParaPr>
+                    <m:oMath xmlns:m="http://schemas.openxmlformats.org/officeDocument/2006/math">
+                      <m:sSub>
+                        <m:sSubPr>
+                          <m:ctrlPr>
+                            <a:rPr lang="en-US" sz="1200" i="1">
+                              <a:latin typeface="Cambria Math" panose="02040503050406030204" pitchFamily="18" charset="0"/>
+                            </a:rPr>
+                          </m:ctrlPr>
+                        </m:sSubPr>
+                        <m:e>
+                          <m:r>
+                            <a:rPr lang="en-US" sz="1200" i="1">
+                              <a:latin typeface="Cambria Math" panose="02040503050406030204" pitchFamily="18" charset="0"/>
+                            </a:rPr>
+                            <m:t>𝑤</m:t>
+                          </m:r>
+                        </m:e>
+                        <m:sub>
+                          <m:r>
+                            <a:rPr lang="en-US" sz="1200" i="1">
+                              <a:latin typeface="Cambria Math" panose="02040503050406030204" pitchFamily="18" charset="0"/>
+                            </a:rPr>
+                            <m:t>𝑙</m:t>
+                          </m:r>
+                        </m:sub>
+                      </m:sSub>
+                      <m:r>
+                        <a:rPr lang="en-US" sz="1200" i="1">
+                          <a:latin typeface="Cambria Math" panose="02040503050406030204" pitchFamily="18" charset="0"/>
+                        </a:rPr>
+                        <m:t>= </m:t>
+                      </m:r>
+                      <m:r>
+                        <m:rPr>
+                          <m:sty m:val="p"/>
+                        </m:rPr>
+                        <a:rPr lang="en-US" sz="1200">
+                          <a:latin typeface="Cambria Math" panose="02040503050406030204" pitchFamily="18" charset="0"/>
+                        </a:rPr>
+                        <m:t>learned</m:t>
+                      </m:r>
+                      <m:r>
+                        <a:rPr lang="en-US" sz="1200">
+                          <a:latin typeface="Cambria Math" panose="02040503050406030204" pitchFamily="18" charset="0"/>
+                        </a:rPr>
+                        <m:t> </m:t>
+                      </m:r>
+                      <m:r>
+                        <m:rPr>
+                          <m:sty m:val="p"/>
+                        </m:rPr>
+                        <a:rPr lang="en-US" sz="1200">
+                          <a:latin typeface="Cambria Math" panose="02040503050406030204" pitchFamily="18" charset="0"/>
+                        </a:rPr>
+                        <m:t>per</m:t>
+                      </m:r>
+                      <m:r>
+                        <a:rPr lang="en-US" sz="1200" i="1">
+                          <a:latin typeface="Cambria Math" panose="02040503050406030204" pitchFamily="18" charset="0"/>
+                        </a:rPr>
+                        <m:t>−</m:t>
+                      </m:r>
+                      <m:r>
+                        <m:rPr>
+                          <m:sty m:val="p"/>
+                        </m:rPr>
+                        <a:rPr lang="en-US" sz="1200">
+                          <a:latin typeface="Cambria Math" panose="02040503050406030204" pitchFamily="18" charset="0"/>
+                        </a:rPr>
+                        <m:t>channel</m:t>
+                      </m:r>
+                      <m:r>
+                        <a:rPr lang="en-US" sz="1200">
+                          <a:latin typeface="Cambria Math" panose="02040503050406030204" pitchFamily="18" charset="0"/>
+                        </a:rPr>
+                        <m:t> </m:t>
+                      </m:r>
+                      <m:r>
+                        <m:rPr>
+                          <m:sty m:val="p"/>
+                        </m:rPr>
+                        <a:rPr lang="en-US" sz="1200">
+                          <a:latin typeface="Cambria Math" panose="02040503050406030204" pitchFamily="18" charset="0"/>
+                        </a:rPr>
+                        <m:t>weights</m:t>
+                      </m:r>
+                      <m:r>
+                        <a:rPr lang="en-US" sz="1200">
+                          <a:latin typeface="Cambria Math" panose="02040503050406030204" pitchFamily="18" charset="0"/>
+                        </a:rPr>
+                        <m:t> </m:t>
+                      </m:r>
+                      <m:r>
+                        <m:rPr>
+                          <m:sty m:val="p"/>
+                        </m:rPr>
+                        <a:rPr lang="en-US" sz="1200">
+                          <a:latin typeface="Cambria Math" panose="02040503050406030204" pitchFamily="18" charset="0"/>
+                        </a:rPr>
+                        <m:t>for</m:t>
+                      </m:r>
+                      <m:r>
+                        <a:rPr lang="en-US" sz="1200">
+                          <a:latin typeface="Cambria Math" panose="02040503050406030204" pitchFamily="18" charset="0"/>
+                        </a:rPr>
+                        <m:t> </m:t>
+                      </m:r>
+                      <m:r>
+                        <m:rPr>
+                          <m:sty m:val="p"/>
+                        </m:rPr>
+                        <a:rPr lang="en-US" sz="1200">
+                          <a:latin typeface="Cambria Math" panose="02040503050406030204" pitchFamily="18" charset="0"/>
+                        </a:rPr>
+                        <m:t>layer</m:t>
+                      </m:r>
+                      <m:r>
+                        <a:rPr lang="en-US" sz="1200">
+                          <a:latin typeface="Cambria Math" panose="02040503050406030204" pitchFamily="18" charset="0"/>
+                        </a:rPr>
+                        <m:t> </m:t>
+                      </m:r>
+                      <m:r>
+                        <a:rPr lang="en-US" sz="1200" i="1">
+                          <a:latin typeface="Cambria Math" panose="02040503050406030204" pitchFamily="18" charset="0"/>
+                        </a:rPr>
+                        <m:t>𝑙</m:t>
+                      </m:r>
+                    </m:oMath>
+                  </m:oMathPara>
+                </a14:m>
+                <a:endParaRPr lang="en-US" sz="1200" dirty="0"/>
+              </a:p>
+              <a:p>
+                <a:pPr/>
+                <a14:m>
+                  <m:oMathPara xmlns:m="http://schemas.openxmlformats.org/officeDocument/2006/math">
+                    <m:oMathParaPr>
+                      <m:jc m:val="centerGroup"/>
+                    </m:oMathParaPr>
+                    <m:oMath xmlns:m="http://schemas.openxmlformats.org/officeDocument/2006/math">
+                      <m:sSub>
+                        <m:sSubPr>
+                          <m:ctrlPr>
+                            <a:rPr lang="en-US" sz="1200" i="1">
+                              <a:latin typeface="Cambria Math" panose="02040503050406030204" pitchFamily="18" charset="0"/>
+                            </a:rPr>
+                          </m:ctrlPr>
+                        </m:sSubPr>
+                        <m:e>
+                          <m:r>
+                            <a:rPr lang="en-US" sz="1200" i="1">
+                              <a:latin typeface="Cambria Math" panose="02040503050406030204" pitchFamily="18" charset="0"/>
+                            </a:rPr>
+                            <m:t>𝐻</m:t>
+                          </m:r>
+                        </m:e>
+                        <m:sub>
+                          <m:r>
+                            <a:rPr lang="en-US" sz="1200" i="1">
+                              <a:latin typeface="Cambria Math" panose="02040503050406030204" pitchFamily="18" charset="0"/>
+                            </a:rPr>
+                            <m:t>𝑙</m:t>
+                          </m:r>
+                        </m:sub>
+                      </m:sSub>
+                      <m:r>
+                        <a:rPr lang="en-US" sz="1200" i="1">
+                          <a:latin typeface="Cambria Math" panose="02040503050406030204" pitchFamily="18" charset="0"/>
+                        </a:rPr>
+                        <m:t>, </m:t>
+                      </m:r>
+                      <m:sSub>
+                        <m:sSubPr>
+                          <m:ctrlPr>
+                            <a:rPr lang="en-US" sz="1200" i="1">
+                              <a:latin typeface="Cambria Math" panose="02040503050406030204" pitchFamily="18" charset="0"/>
+                            </a:rPr>
+                          </m:ctrlPr>
+                        </m:sSubPr>
+                        <m:e>
+                          <m:r>
+                            <a:rPr lang="en-US" sz="1200" i="1">
+                              <a:latin typeface="Cambria Math" panose="02040503050406030204" pitchFamily="18" charset="0"/>
+                            </a:rPr>
+                            <m:t>𝑊</m:t>
+                          </m:r>
+                        </m:e>
+                        <m:sub>
+                          <m:r>
+                            <a:rPr lang="en-US" sz="1200" i="1">
+                              <a:latin typeface="Cambria Math" panose="02040503050406030204" pitchFamily="18" charset="0"/>
+                            </a:rPr>
+                            <m:t>𝑙</m:t>
+                          </m:r>
+                        </m:sub>
+                      </m:sSub>
+                      <m:r>
+                        <a:rPr lang="en-US" sz="1200" i="1">
+                          <a:latin typeface="Cambria Math" panose="02040503050406030204" pitchFamily="18" charset="0"/>
+                        </a:rPr>
+                        <m:t> = </m:t>
+                      </m:r>
+                      <m:r>
+                        <m:rPr>
+                          <m:sty m:val="p"/>
+                        </m:rPr>
+                        <a:rPr lang="en-US" sz="1200">
+                          <a:latin typeface="Cambria Math" panose="02040503050406030204" pitchFamily="18" charset="0"/>
+                        </a:rPr>
+                        <m:t>spatial</m:t>
+                      </m:r>
+                      <m:r>
+                        <a:rPr lang="en-US" sz="1200">
+                          <a:latin typeface="Cambria Math" panose="02040503050406030204" pitchFamily="18" charset="0"/>
+                        </a:rPr>
+                        <m:t> </m:t>
+                      </m:r>
+                      <m:r>
+                        <m:rPr>
+                          <m:sty m:val="p"/>
+                        </m:rPr>
+                        <a:rPr lang="en-US" sz="1200">
+                          <a:latin typeface="Cambria Math" panose="02040503050406030204" pitchFamily="18" charset="0"/>
+                        </a:rPr>
+                        <m:t>dimensions</m:t>
+                      </m:r>
+                      <m:r>
+                        <a:rPr lang="en-US" sz="1200">
+                          <a:latin typeface="Cambria Math" panose="02040503050406030204" pitchFamily="18" charset="0"/>
+                        </a:rPr>
+                        <m:t> </m:t>
+                      </m:r>
+                      <m:r>
+                        <m:rPr>
+                          <m:sty m:val="p"/>
+                        </m:rPr>
+                        <a:rPr lang="en-US" sz="1200">
+                          <a:latin typeface="Cambria Math" panose="02040503050406030204" pitchFamily="18" charset="0"/>
+                        </a:rPr>
+                        <m:t>of</m:t>
+                      </m:r>
+                      <m:r>
+                        <a:rPr lang="en-US" sz="1200">
+                          <a:latin typeface="Cambria Math" panose="02040503050406030204" pitchFamily="18" charset="0"/>
+                        </a:rPr>
+                        <m:t> </m:t>
+                      </m:r>
+                      <m:r>
+                        <m:rPr>
+                          <m:sty m:val="p"/>
+                        </m:rPr>
+                        <a:rPr lang="en-US" sz="1200">
+                          <a:latin typeface="Cambria Math" panose="02040503050406030204" pitchFamily="18" charset="0"/>
+                        </a:rPr>
+                        <m:t>layer</m:t>
+                      </m:r>
+                      <m:r>
+                        <a:rPr lang="en-US" sz="1200">
+                          <a:latin typeface="Cambria Math" panose="02040503050406030204" pitchFamily="18" charset="0"/>
+                        </a:rPr>
+                        <m:t> </m:t>
+                      </m:r>
+                      <m:r>
+                        <a:rPr lang="en-US" sz="1200" i="1">
+                          <a:latin typeface="Cambria Math" panose="02040503050406030204" pitchFamily="18" charset="0"/>
+                        </a:rPr>
+                        <m:t>𝑙</m:t>
+                      </m:r>
+                    </m:oMath>
+                  </m:oMathPara>
+                </a14:m>
+                <a:endParaRPr lang="en-US" sz="1200" dirty="0"/>
+              </a:p>
+              <a:p>
+                <a:endParaRPr lang="en-US" sz="1200" dirty="0"/>
+              </a:p>
+              <a:p>
+                <a:endParaRPr lang="en-US" dirty="0"/>
+              </a:p>
+            </p:txBody>
+          </p:sp>
+        </mc:Choice>
+        <mc:Fallback xmlns="">
+          <p:sp>
+            <p:nvSpPr>
+              <p:cNvPr id="3" name="Notes Placeholder 2"/>
+              <p:cNvSpPr>
+                <a:spLocks noGrp="1"/>
+              </p:cNvSpPr>
+              <p:nvPr>
+                <p:ph type="body" idx="1"/>
+              </p:nvPr>
+            </p:nvSpPr>
+            <p:spPr/>
+            <p:txBody>
+              <a:bodyPr/>
+              <a:lstStyle/>
+              <a:p>
+                <a:r>
+                  <a:rPr lang="en-US" b="1" dirty="0"/>
+                  <a:t>PSNR</a:t>
+                </a:r>
+                <a:r>
+                  <a:rPr lang="en-US" dirty="0"/>
+                  <a:t>_DEF: </a:t>
+                </a:r>
+                <a:r>
+                  <a:rPr lang="en-US" sz="1200" dirty="0"/>
+                  <a:t>L = maximum possible pixel value of the image (e.g., 1.0 if normalized, 255 if 8-bit)</a:t>
+                </a:r>
+              </a:p>
+              <a:p>
+                <a:r>
+                  <a:rPr lang="en-US" sz="1200" b="1" dirty="0"/>
+                  <a:t>MSE</a:t>
+                </a:r>
+                <a:r>
+                  <a:rPr lang="en-US" sz="1200" dirty="0"/>
+                  <a:t>=BTW predicted and ground truth images:</a:t>
+                </a:r>
+              </a:p>
+              <a:p>
+                <a:endParaRPr lang="en-US" sz="1200" dirty="0"/>
+              </a:p>
+              <a:p>
+                <a:r>
+                  <a:rPr lang="en-US" b="1" dirty="0"/>
+                  <a:t>SSIM_DEF</a:t>
+                </a:r>
+                <a:r>
+                  <a:rPr lang="en-US" dirty="0"/>
+                  <a:t>: </a:t>
+                </a:r>
+                <a:r>
+                  <a:rPr lang="en-US" sz="1200" b="1" dirty="0"/>
+                  <a:t>x, y </a:t>
+                </a:r>
+                <a:r>
+                  <a:rPr lang="en-US" sz="1200" dirty="0"/>
+                  <a:t>= local patches of predicted and ground truth images</a:t>
+                </a:r>
+              </a:p>
+              <a:p>
+                <a:r>
+                  <a:rPr lang="en-US" sz="1200" b="1" dirty="0" err="1"/>
+                  <a:t>μx</a:t>
+                </a:r>
+                <a:r>
+                  <a:rPr lang="en-US" sz="1200" b="1" dirty="0"/>
+                  <a:t>​, </a:t>
+                </a:r>
+                <a:r>
+                  <a:rPr lang="en-US" sz="1200" b="1" dirty="0" err="1"/>
+                  <a:t>μy</a:t>
+                </a:r>
+                <a:r>
+                  <a:rPr lang="en-US" sz="1200" dirty="0"/>
+                  <a:t>​ = mean intensity of x and y</a:t>
+                </a:r>
+              </a:p>
+              <a:p>
+                <a:r>
+                  <a:rPr lang="en-US" sz="1200" b="1" dirty="0"/>
+                  <a:t>σx2​,σy2</a:t>
+                </a:r>
+                <a:r>
+                  <a:rPr lang="en-US" sz="1200" dirty="0"/>
+                  <a:t>​ = variance of x and y</a:t>
+                </a:r>
+              </a:p>
+              <a:p>
+                <a:r>
+                  <a:rPr lang="en-US" sz="1200" b="1" dirty="0" err="1"/>
+                  <a:t>σxy</a:t>
+                </a:r>
+                <a:r>
+                  <a:rPr lang="en-US" sz="1200" dirty="0"/>
+                  <a:t>​ = covariance between x and y</a:t>
+                </a:r>
+              </a:p>
+              <a:p>
+                <a:endParaRPr lang="en-US" sz="1200" dirty="0"/>
+              </a:p>
+              <a:p>
+                <a:r>
+                  <a:rPr lang="en-US" sz="1200" dirty="0"/>
+                  <a:t>Others= Stabilization constants</a:t>
+                </a:r>
+              </a:p>
+              <a:p>
+                <a:endParaRPr lang="en-US" sz="1200" dirty="0"/>
+              </a:p>
+              <a:p>
+                <a:r>
+                  <a:rPr lang="en-US" b="1" dirty="0"/>
+                  <a:t>LPIPS_DEF</a:t>
+                </a:r>
+                <a:r>
+                  <a:rPr lang="en-US" dirty="0"/>
+                  <a:t>: </a:t>
+                </a:r>
+                <a:r>
+                  <a:rPr lang="en-US" sz="1200" i="1" dirty="0"/>
+                  <a:t>x, y </a:t>
+                </a:r>
+                <a:r>
+                  <a:rPr lang="en-US" sz="1200" dirty="0"/>
+                  <a:t>= images</a:t>
+                </a:r>
+              </a:p>
+              <a:p>
+                <a:r>
+                  <a:rPr lang="en-US" sz="1200" i="0">
+                    <a:latin typeface="Cambria Math" panose="02040503050406030204" pitchFamily="18" charset="0"/>
+                  </a:rPr>
+                  <a:t>𝑥 ̂^𝑙, 𝑦 ̂^𝑙</a:t>
+                </a:r>
+                <a:r>
+                  <a:rPr lang="en-US" sz="1200" b="0" i="0">
+                    <a:latin typeface="Cambria Math" panose="02040503050406030204" pitchFamily="18" charset="0"/>
+                  </a:rPr>
+                  <a:t>:</a:t>
+                </a:r>
+                <a:r>
+                  <a:rPr lang="en-US" sz="1200" i="0">
+                    <a:latin typeface="Cambria Math" panose="02040503050406030204" pitchFamily="18" charset="0"/>
+                  </a:rPr>
+                  <a:t>feature activations of a pretrained network (e.g., AlexNet, VGG) at layer 𝑙</a:t>
+                </a:r>
+                <a:endParaRPr lang="en-US" sz="1200" dirty="0"/>
+              </a:p>
+              <a:p>
+                <a:pPr/>
+                <a:r>
+                  <a:rPr lang="en-US" sz="1200" i="0">
+                    <a:latin typeface="Cambria Math" panose="02040503050406030204" pitchFamily="18" charset="0"/>
+                  </a:rPr>
+                  <a:t>𝑤_𝑙= learned per−channel weights for layer 𝑙</a:t>
+                </a:r>
+                <a:endParaRPr lang="en-US" sz="1200" dirty="0"/>
+              </a:p>
+              <a:p>
+                <a:pPr/>
+                <a:r>
+                  <a:rPr lang="en-US" sz="1200" i="0">
+                    <a:latin typeface="Cambria Math" panose="02040503050406030204" pitchFamily="18" charset="0"/>
+                  </a:rPr>
+                  <a:t>𝐻_𝑙, 𝑊_𝑙  = spatial dimensions of layer 𝑙</a:t>
+                </a:r>
+                <a:endParaRPr lang="en-US" sz="1200" dirty="0"/>
+              </a:p>
+              <a:p>
+                <a:endParaRPr lang="en-US" sz="1200" dirty="0"/>
+              </a:p>
+              <a:p>
+                <a:endParaRPr lang="en-US" dirty="0"/>
+              </a:p>
+            </p:txBody>
+          </p:sp>
+        </mc:Fallback>
+      </mc:AlternateContent>
+      <p:sp>
+        <p:nvSpPr>
+          <p:cNvPr id="4" name="Slide Number Placeholder 3"/>
+          <p:cNvSpPr>
+            <a:spLocks noGrp="1"/>
+          </p:cNvSpPr>
+          <p:nvPr>
+            <p:ph type="sldNum" sz="quarter" idx="5"/>
+          </p:nvPr>
+        </p:nvSpPr>
+        <p:spPr/>
+        <p:txBody>
+          <a:bodyPr/>
+          <a:lstStyle/>
+          <a:p>
+            <a:fld id="{F727A8F3-6447-4D56-B1DA-1C35DDA8BB16}" type="slidenum">
+              <a:rPr lang="en-US" smtClean="0"/>
+              <a:t>6</a:t>
+            </a:fld>
+            <a:endParaRPr lang="en-US"/>
+          </a:p>
+        </p:txBody>
+      </p:sp>
+    </p:spTree>
+    <p:extLst>
+      <p:ext uri="{BB962C8B-B14F-4D97-AF65-F5344CB8AC3E}">
+        <p14:creationId xmlns:p14="http://schemas.microsoft.com/office/powerpoint/2010/main" val="282634261"/>
+      </p:ext>
+    </p:extLst>
+  </p:cSld>
+  <p:clrMapOvr>
+    <a:masterClrMapping/>
+  </p:clrMapOvr>
+</p:notes>
+</file>
+
+<file path=ppt/notesSlides/notesSlide2.xml><?xml version="1.0" encoding="utf-8"?>
+<p:notes xmlns:a="http://schemas.openxmlformats.org/drawingml/2006/main" xmlns:r="http://schemas.openxmlformats.org/officeDocument/2006/relationships" xmlns:p="http://schemas.openxmlformats.org/presentationml/2006/main">
+  <p:cSld>
+    <p:spTree>
+      <p:nvGrpSpPr>
+        <p:cNvPr id="1" name=""/>
+        <p:cNvGrpSpPr/>
+        <p:nvPr/>
+      </p:nvGrpSpPr>
+      <p:grpSpPr>
+        <a:xfrm>
+          <a:off x="0" y="0"/>
+          <a:ext cx="0" cy="0"/>
+          <a:chOff x="0" y="0"/>
+          <a:chExt cx="0" cy="0"/>
+        </a:xfrm>
+      </p:grpSpPr>
+      <p:sp>
+        <p:nvSpPr>
+          <p:cNvPr id="2" name="Slide Image Placeholder 1"/>
+          <p:cNvSpPr>
+            <a:spLocks noGrp="1" noRot="1" noChangeAspect="1"/>
+          </p:cNvSpPr>
+          <p:nvPr>
+            <p:ph type="sldImg"/>
+          </p:nvPr>
+        </p:nvSpPr>
+        <p:spPr/>
+      </p:sp>
+      <p:sp>
+        <p:nvSpPr>
+          <p:cNvPr id="3" name="Notes Placeholder 2"/>
+          <p:cNvSpPr>
+            <a:spLocks noGrp="1"/>
+          </p:cNvSpPr>
+          <p:nvPr>
+            <p:ph type="body" idx="1"/>
+          </p:nvPr>
+        </p:nvSpPr>
+        <p:spPr/>
+        <p:txBody>
+          <a:bodyPr/>
+          <a:lstStyle/>
+          <a:p>
+            <a:r>
+              <a:rPr lang="en-US" sz="1200" dirty="0"/>
+              <a:t>1. </a:t>
+            </a:r>
+            <a:r>
+              <a:rPr lang="en-US" sz="1200" b="1" dirty="0"/>
+              <a:t>Gradient Masking (Loss Masking) </a:t>
+            </a:r>
+            <a:r>
+              <a:rPr lang="en-US" sz="1200" dirty="0"/>
+              <a:t>– Weight loss by (1-mask).</a:t>
+            </a:r>
+          </a:p>
+          <a:p>
+            <a:pPr marL="285750" indent="-285750">
+              <a:buFont typeface="Arial" panose="020B0604020202020204" pitchFamily="34" charset="0"/>
+              <a:buChar char="•"/>
+            </a:pPr>
+            <a:r>
+              <a:rPr lang="en-US" sz="1200" dirty="0"/>
+              <a:t>It down-weights masked pixels in loss.</a:t>
+            </a:r>
+          </a:p>
+          <a:p>
+            <a:pPr marL="285750" indent="-285750">
+              <a:buFont typeface="Arial" panose="020B0604020202020204" pitchFamily="34" charset="0"/>
+              <a:buChar char="•"/>
+            </a:pPr>
+            <a:r>
+              <a:rPr lang="en-US" dirty="0"/>
+              <a:t>Maintains structural integrity</a:t>
+            </a:r>
+          </a:p>
+          <a:p>
+            <a:pPr marL="285750" indent="-285750">
+              <a:buFont typeface="Arial" panose="020B0604020202020204" pitchFamily="34" charset="0"/>
+              <a:buChar char="•"/>
+            </a:pPr>
+            <a:r>
+              <a:rPr lang="en-US" dirty="0"/>
+              <a:t>Simpler to implement.</a:t>
+            </a:r>
+          </a:p>
+          <a:p>
+            <a:pPr marL="285750" indent="-285750">
+              <a:buFont typeface="Arial" panose="020B0604020202020204" pitchFamily="34" charset="0"/>
+              <a:buChar char="•"/>
+            </a:pPr>
+            <a:endParaRPr lang="en-US" sz="1200" dirty="0"/>
+          </a:p>
+          <a:p>
+            <a:r>
+              <a:rPr lang="en-US" sz="1200" dirty="0"/>
+              <a:t>2</a:t>
+            </a:r>
+            <a:r>
+              <a:rPr lang="en-US" sz="1200" b="1" dirty="0"/>
+              <a:t>. Ray Filtering </a:t>
+            </a:r>
+            <a:r>
+              <a:rPr lang="en-US" sz="1200" dirty="0"/>
+              <a:t>– Discard rays passing through dynamic regions.</a:t>
+            </a:r>
+          </a:p>
+          <a:p>
+            <a:pPr marL="285750" indent="-285750">
+              <a:buFont typeface="Arial" panose="020B0604020202020204" pitchFamily="34" charset="0"/>
+              <a:buChar char="•"/>
+            </a:pPr>
+            <a:r>
+              <a:rPr lang="en-US" sz="1200" dirty="0"/>
+              <a:t>Removes masked rays fully from training</a:t>
+            </a:r>
+          </a:p>
+          <a:p>
+            <a:pPr marL="285750" indent="-285750">
+              <a:buFont typeface="Arial" panose="020B0604020202020204" pitchFamily="34" charset="0"/>
+              <a:buChar char="•"/>
+            </a:pPr>
+            <a:r>
+              <a:rPr lang="en-US" sz="1200" dirty="0"/>
+              <a:t>Higher PSNR</a:t>
+            </a:r>
+          </a:p>
+          <a:p>
+            <a:pPr marL="285750" indent="-285750">
+              <a:buFont typeface="Arial" panose="020B0604020202020204" pitchFamily="34" charset="0"/>
+              <a:buChar char="•"/>
+            </a:pPr>
+            <a:r>
+              <a:rPr lang="en-US" sz="1200" dirty="0"/>
+              <a:t>Sharper geometry</a:t>
+            </a:r>
+          </a:p>
+          <a:p>
+            <a:pPr marL="285750" indent="-285750">
+              <a:buFont typeface="Arial" panose="020B0604020202020204" pitchFamily="34" charset="0"/>
+              <a:buChar char="•"/>
+            </a:pPr>
+            <a:endParaRPr lang="en-US" sz="1200" dirty="0"/>
+          </a:p>
+          <a:p>
+            <a:r>
+              <a:rPr lang="en-US" sz="1200" dirty="0"/>
+              <a:t>3. </a:t>
+            </a:r>
+            <a:r>
+              <a:rPr lang="en-US" sz="1200" b="1" dirty="0"/>
+              <a:t>Baseline (unmasked) </a:t>
+            </a:r>
+            <a:r>
+              <a:rPr lang="en-US" sz="1200" dirty="0"/>
+              <a:t>- trains 3D Gaussian Splatting normally. </a:t>
+            </a:r>
+          </a:p>
+          <a:p>
+            <a:pPr marL="342900" indent="-342900">
+              <a:buFont typeface="Arial" panose="020B0604020202020204" pitchFamily="34" charset="0"/>
+              <a:buChar char="•"/>
+            </a:pPr>
+            <a:r>
+              <a:rPr lang="en-US" sz="1200" dirty="0"/>
+              <a:t>uses all pixels from all training images</a:t>
+            </a:r>
+          </a:p>
+          <a:p>
+            <a:pPr marL="342900" indent="-342900">
+              <a:buFont typeface="Arial" panose="020B0604020202020204" pitchFamily="34" charset="0"/>
+              <a:buChar char="•"/>
+            </a:pPr>
+            <a:r>
+              <a:rPr lang="en-US" dirty="0"/>
+              <a:t>No mask guidance</a:t>
+            </a:r>
+          </a:p>
+          <a:p>
+            <a:endParaRPr lang="en-US" dirty="0"/>
+          </a:p>
+        </p:txBody>
+      </p:sp>
+      <p:sp>
+        <p:nvSpPr>
+          <p:cNvPr id="4" name="Slide Number Placeholder 3"/>
+          <p:cNvSpPr>
+            <a:spLocks noGrp="1"/>
+          </p:cNvSpPr>
+          <p:nvPr>
+            <p:ph type="sldNum" sz="quarter" idx="5"/>
+          </p:nvPr>
+        </p:nvSpPr>
+        <p:spPr/>
+        <p:txBody>
+          <a:bodyPr/>
+          <a:lstStyle/>
+          <a:p>
+            <a:fld id="{F727A8F3-6447-4D56-B1DA-1C35DDA8BB16}" type="slidenum">
+              <a:rPr lang="en-US" smtClean="0"/>
+              <a:t>7</a:t>
+            </a:fld>
+            <a:endParaRPr lang="en-US"/>
+          </a:p>
+        </p:txBody>
+      </p:sp>
+    </p:spTree>
+    <p:extLst>
+      <p:ext uri="{BB962C8B-B14F-4D97-AF65-F5344CB8AC3E}">
+        <p14:creationId xmlns:p14="http://schemas.microsoft.com/office/powerpoint/2010/main" val="3229542468"/>
+      </p:ext>
+    </p:extLst>
+  </p:cSld>
+  <p:clrMapOvr>
+    <a:masterClrMapping/>
+  </p:clrMapOvr>
+</p:notes>
+</file>
+
+<file path=ppt/notesSlides/notesSlide3.xml><?xml version="1.0" encoding="utf-8"?>
+<p:notes xmlns:a="http://schemas.openxmlformats.org/drawingml/2006/main" xmlns:r="http://schemas.openxmlformats.org/officeDocument/2006/relationships" xmlns:p="http://schemas.openxmlformats.org/presentationml/2006/main">
+  <p:cSld>
+    <p:spTree>
+      <p:nvGrpSpPr>
+        <p:cNvPr id="1" name=""/>
+        <p:cNvGrpSpPr/>
+        <p:nvPr/>
+      </p:nvGrpSpPr>
+      <p:grpSpPr>
+        <a:xfrm>
+          <a:off x="0" y="0"/>
+          <a:ext cx="0" cy="0"/>
+          <a:chOff x="0" y="0"/>
+          <a:chExt cx="0" cy="0"/>
+        </a:xfrm>
+      </p:grpSpPr>
+      <p:sp>
+        <p:nvSpPr>
+          <p:cNvPr id="2" name="Slide Image Placeholder 1"/>
+          <p:cNvSpPr>
+            <a:spLocks noGrp="1" noRot="1" noChangeAspect="1"/>
+          </p:cNvSpPr>
+          <p:nvPr>
+            <p:ph type="sldImg"/>
+          </p:nvPr>
+        </p:nvSpPr>
+        <p:spPr/>
+      </p:sp>
+      <p:sp>
+        <p:nvSpPr>
+          <p:cNvPr id="3" name="Notes Placeholder 2"/>
+          <p:cNvSpPr>
+            <a:spLocks noGrp="1"/>
+          </p:cNvSpPr>
+          <p:nvPr>
+            <p:ph type="body" idx="1"/>
+          </p:nvPr>
+        </p:nvSpPr>
+        <p:spPr/>
+        <p:txBody>
+          <a:bodyPr/>
+          <a:lstStyle/>
+          <a:p>
+            <a:r>
+              <a:rPr lang="en-US" sz="1200" dirty="0">
+                <a:latin typeface="Times New Roman" panose="02020603050405020304" pitchFamily="18" charset="0"/>
+                <a:cs typeface="Times New Roman" panose="02020603050405020304" pitchFamily="18" charset="0"/>
+              </a:rPr>
+              <a:t>Compare PSNR/SSIM/LPIPS for each masking strategy</a:t>
+            </a:r>
+          </a:p>
+          <a:p>
+            <a:r>
+              <a:rPr lang="en-US" sz="1200" dirty="0">
+                <a:latin typeface="Times New Roman" panose="02020603050405020304" pitchFamily="18" charset="0"/>
+                <a:cs typeface="Times New Roman" panose="02020603050405020304" pitchFamily="18" charset="0"/>
+              </a:rPr>
+              <a:t>Ray filtering typically yields sharper details</a:t>
+            </a:r>
+          </a:p>
+          <a:p>
+            <a:r>
+              <a:rPr lang="en-US" sz="1200" dirty="0">
+                <a:latin typeface="Times New Roman" panose="02020603050405020304" pitchFamily="18" charset="0"/>
+                <a:cs typeface="Times New Roman" panose="02020603050405020304" pitchFamily="18" charset="0"/>
+              </a:rPr>
+              <a:t>Gradient masking smooth but robust</a:t>
+            </a:r>
+          </a:p>
+          <a:p>
+            <a:endParaRPr lang="en-US" dirty="0"/>
+          </a:p>
+        </p:txBody>
+      </p:sp>
+      <p:sp>
+        <p:nvSpPr>
+          <p:cNvPr id="4" name="Slide Number Placeholder 3"/>
+          <p:cNvSpPr>
+            <a:spLocks noGrp="1"/>
+          </p:cNvSpPr>
+          <p:nvPr>
+            <p:ph type="sldNum" sz="quarter" idx="5"/>
+          </p:nvPr>
+        </p:nvSpPr>
+        <p:spPr/>
+        <p:txBody>
+          <a:bodyPr/>
+          <a:lstStyle/>
+          <a:p>
+            <a:fld id="{F727A8F3-6447-4D56-B1DA-1C35DDA8BB16}" type="slidenum">
+              <a:rPr lang="en-US" smtClean="0"/>
+              <a:t>9</a:t>
+            </a:fld>
+            <a:endParaRPr lang="en-US"/>
+          </a:p>
+        </p:txBody>
+      </p:sp>
+    </p:spTree>
+    <p:extLst>
+      <p:ext uri="{BB962C8B-B14F-4D97-AF65-F5344CB8AC3E}">
+        <p14:creationId xmlns:p14="http://schemas.microsoft.com/office/powerpoint/2010/main" val="4071299284"/>
+      </p:ext>
+    </p:extLst>
+  </p:cSld>
+  <p:clrMapOvr>
+    <a:masterClrMapping/>
+  </p:clrMapOvr>
+</p:notes>
+</file>
+
+<file path=ppt/notesSlides/notesSlide4.xml><?xml version="1.0" encoding="utf-8"?>
 <p:notes xmlns:a="http://schemas.openxmlformats.org/drawingml/2006/main" xmlns:r="http://schemas.openxmlformats.org/officeDocument/2006/relationships" xmlns:p="http://schemas.openxmlformats.org/presentationml/2006/main">
   <p:cSld>
     <p:spTree>
@@ -6920,14 +8199,14 @@
           <p:nvPr>
             <p:extLst>
               <p:ext uri="{D42A27DB-BD31-4B8C-83A1-F6EECF244321}">
-                <p14:modId xmlns:p14="http://schemas.microsoft.com/office/powerpoint/2010/main" val="2344136089"/>
+                <p14:modId xmlns:p14="http://schemas.microsoft.com/office/powerpoint/2010/main" val="3345652479"/>
               </p:ext>
             </p:extLst>
           </p:nvPr>
         </p:nvGraphicFramePr>
         <p:xfrm>
-          <a:off x="365124" y="1253560"/>
-          <a:ext cx="4229100" cy="2734971"/>
+          <a:off x="365124" y="1253561"/>
+          <a:ext cx="11456762" cy="4801458"/>
         </p:xfrm>
         <a:graphic>
           <a:graphicData uri="http://schemas.openxmlformats.org/drawingml/2006/table">
@@ -6936,28 +8215,28 @@
                 <a:tableStyleId>{5C22544A-7EE6-4342-B048-85BDC9FD1C3A}</a:tableStyleId>
               </a:tblPr>
               <a:tblGrid>
-                <a:gridCol w="1208314">
+                <a:gridCol w="3273360">
                   <a:extLst>
                     <a:ext uri="{9D8B030D-6E8A-4147-A177-3AD203B41FA5}">
                       <a16:colId xmlns:a16="http://schemas.microsoft.com/office/drawing/2014/main" val="20000"/>
                     </a:ext>
                   </a:extLst>
                 </a:gridCol>
-                <a:gridCol w="869725">
+                <a:gridCol w="2691744">
                   <a:extLst>
                     <a:ext uri="{9D8B030D-6E8A-4147-A177-3AD203B41FA5}">
                       <a16:colId xmlns:a16="http://schemas.microsoft.com/office/drawing/2014/main" val="20001"/>
                     </a:ext>
                   </a:extLst>
                 </a:gridCol>
-                <a:gridCol w="760241">
+                <a:gridCol w="1934883">
                   <a:extLst>
                     <a:ext uri="{9D8B030D-6E8A-4147-A177-3AD203B41FA5}">
                       <a16:colId xmlns:a16="http://schemas.microsoft.com/office/drawing/2014/main" val="20002"/>
                     </a:ext>
                   </a:extLst>
                 </a:gridCol>
-                <a:gridCol w="1390820">
+                <a:gridCol w="3556775">
                   <a:extLst>
                     <a:ext uri="{9D8B030D-6E8A-4147-A177-3AD203B41FA5}">
                       <a16:colId xmlns:a16="http://schemas.microsoft.com/office/drawing/2014/main" val="20003"/>
@@ -6965,7 +8244,7 @@
                   </a:extLst>
                 </a:gridCol>
               </a:tblGrid>
-              <a:tr h="498720">
+              <a:tr h="1178094">
                 <a:tc>
                   <a:txBody>
                     <a:bodyPr/>
@@ -7009,6 +8288,7 @@
                     <a:lstStyle/>
                     <a:p>
                       <a:r>
+                        <a:rPr dirty="0"/>
                         <a:t>LPIPS</a:t>
                       </a:r>
                     </a:p>
@@ -7021,7 +8301,7 @@
                   </a:ext>
                 </a:extLst>
               </a:tr>
-              <a:tr h="745417">
+              <a:tr h="1207788">
                 <a:tc>
                   <a:txBody>
                     <a:bodyPr/>
@@ -7041,9 +8321,18 @@
                     <a:lstStyle/>
                     <a:p>
                       <a:r>
-                        <a:rPr dirty="0"/>
-                        <a:t>21.72</a:t>
+                        <a:rPr lang="en-US" sz="1799" b="0" i="0" kern="1200" dirty="0">
+                          <a:solidFill>
+                            <a:schemeClr val="dk1"/>
+                          </a:solidFill>
+                          <a:effectLst/>
+                          <a:latin typeface="+mn-lt"/>
+                          <a:ea typeface="+mn-ea"/>
+                          <a:cs typeface="+mn-cs"/>
+                        </a:rPr>
+                        <a:t>9.05</a:t>
                       </a:r>
+                      <a:endParaRPr dirty="0"/>
                     </a:p>
                   </a:txBody>
                   <a:tcPr/>
@@ -7054,9 +8343,18 @@
                     <a:lstStyle/>
                     <a:p>
                       <a:r>
-                        <a:rPr dirty="0"/>
-                        <a:t>0.953</a:t>
+                        <a:rPr lang="en-US" sz="1799" b="0" i="0" kern="1200" dirty="0">
+                          <a:solidFill>
+                            <a:schemeClr val="dk1"/>
+                          </a:solidFill>
+                          <a:effectLst/>
+                          <a:latin typeface="+mn-lt"/>
+                          <a:ea typeface="+mn-ea"/>
+                          <a:cs typeface="+mn-cs"/>
+                        </a:rPr>
+                        <a:t>0.784</a:t>
                       </a:r>
+                      <a:endParaRPr dirty="0"/>
                     </a:p>
                   </a:txBody>
                   <a:tcPr/>
@@ -7067,8 +8365,18 @@
                     <a:lstStyle/>
                     <a:p>
                       <a:r>
-                        <a:t>0.211</a:t>
+                        <a:rPr lang="en-US" sz="1799" b="0" i="0" kern="1200" dirty="0">
+                          <a:solidFill>
+                            <a:schemeClr val="dk1"/>
+                          </a:solidFill>
+                          <a:effectLst/>
+                          <a:latin typeface="+mn-lt"/>
+                          <a:ea typeface="+mn-ea"/>
+                          <a:cs typeface="+mn-cs"/>
+                        </a:rPr>
+                        <a:t>0.506</a:t>
                       </a:r>
+                      <a:endParaRPr dirty="0"/>
                     </a:p>
                   </a:txBody>
                   <a:tcPr/>
@@ -7079,15 +8387,33 @@
                   </a:ext>
                 </a:extLst>
               </a:tr>
-              <a:tr h="745417">
+              <a:tr h="1207788">
                 <a:tc>
                   <a:txBody>
                     <a:bodyPr/>
                     <a:lstStyle/>
                     <a:p>
                       <a:r>
+                        <a:rPr dirty="0"/>
                         <a:t>Gradient</a:t>
                       </a:r>
+                      <a:r>
+                        <a:rPr lang="en-US" dirty="0"/>
+                        <a:t> (</a:t>
+                      </a:r>
+                      <a:r>
+                        <a:rPr lang="en-US" sz="1799" b="0" i="0" kern="1200" dirty="0">
+                          <a:solidFill>
+                            <a:schemeClr val="dk1"/>
+                          </a:solidFill>
+                          <a:effectLst/>
+                          <a:latin typeface="+mn-lt"/>
+                          <a:ea typeface="+mn-ea"/>
+                          <a:cs typeface="+mn-cs"/>
+                        </a:rPr>
+                        <a:t>Loss-Mask)</a:t>
+                      </a:r>
+                      <a:endParaRPr dirty="0"/>
                     </a:p>
                   </a:txBody>
                   <a:tcPr/>
@@ -7098,9 +8424,18 @@
                     <a:lstStyle/>
                     <a:p>
                       <a:r>
-                        <a:rPr dirty="0"/>
-                        <a:t>7.63</a:t>
+                        <a:rPr lang="en-US" sz="1799" b="0" i="0" kern="1200" dirty="0">
+                          <a:solidFill>
+                            <a:schemeClr val="dk1"/>
+                          </a:solidFill>
+                          <a:effectLst/>
+                          <a:latin typeface="+mn-lt"/>
+                          <a:ea typeface="+mn-ea"/>
+                          <a:cs typeface="+mn-cs"/>
+                        </a:rPr>
+                        <a:t>18.35</a:t>
                       </a:r>
+                      <a:endParaRPr dirty="0"/>
                     </a:p>
                   </a:txBody>
                   <a:tcPr/>
@@ -7111,8 +8446,18 @@
                     <a:lstStyle/>
                     <a:p>
                       <a:r>
-                        <a:t>0.647</a:t>
+                        <a:rPr lang="en-US" sz="1799" b="0" i="0" kern="1200" dirty="0">
+                          <a:solidFill>
+                            <a:schemeClr val="dk1"/>
+                          </a:solidFill>
+                          <a:effectLst/>
+                          <a:latin typeface="+mn-lt"/>
+                          <a:ea typeface="+mn-ea"/>
+                          <a:cs typeface="+mn-cs"/>
+                        </a:rPr>
+                        <a:t>0.88</a:t>
                       </a:r>
+                      <a:endParaRPr dirty="0"/>
                     </a:p>
                   </a:txBody>
                   <a:tcPr/>
@@ -7123,9 +8468,18 @@
                     <a:lstStyle/>
                     <a:p>
                       <a:r>
-                        <a:rPr dirty="0"/>
-                        <a:t>0.731</a:t>
+                        <a:rPr lang="en-US" sz="1799" b="0" i="0" kern="1200" dirty="0">
+                          <a:solidFill>
+                            <a:schemeClr val="dk1"/>
+                          </a:solidFill>
+                          <a:effectLst/>
+                          <a:latin typeface="+mn-lt"/>
+                          <a:ea typeface="+mn-ea"/>
+                          <a:cs typeface="+mn-cs"/>
+                        </a:rPr>
+                        <a:t>0.08</a:t>
                       </a:r>
+                      <a:endParaRPr dirty="0"/>
                     </a:p>
                   </a:txBody>
                   <a:tcPr/>
@@ -7136,7 +8490,7 @@
                   </a:ext>
                 </a:extLst>
               </a:tr>
-              <a:tr h="745417">
+              <a:tr h="1207788">
                 <a:tc>
                   <a:txBody>
                     <a:bodyPr/>
@@ -7156,8 +8510,18 @@
                     <a:lstStyle/>
                     <a:p>
                       <a:r>
-                        <a:t>7.54</a:t>
+                        <a:rPr lang="en-US" sz="1799" b="0" i="0" kern="1200" dirty="0">
+                          <a:solidFill>
+                            <a:schemeClr val="dk1"/>
+                          </a:solidFill>
+                          <a:effectLst/>
+                          <a:latin typeface="+mn-lt"/>
+                          <a:ea typeface="+mn-ea"/>
+                          <a:cs typeface="+mn-cs"/>
+                        </a:rPr>
+                        <a:t>9.04</a:t>
                       </a:r>
+                      <a:endParaRPr dirty="0"/>
                     </a:p>
                   </a:txBody>
                   <a:tcPr/>
@@ -7168,8 +8532,18 @@
                     <a:lstStyle/>
                     <a:p>
                       <a:r>
-                        <a:t>0.637</a:t>
+                        <a:rPr lang="en-US" sz="1799" b="0" i="0" kern="1200" dirty="0">
+                          <a:solidFill>
+                            <a:schemeClr val="dk1"/>
+                          </a:solidFill>
+                          <a:effectLst/>
+                          <a:latin typeface="+mn-lt"/>
+                          <a:ea typeface="+mn-ea"/>
+                          <a:cs typeface="+mn-cs"/>
+                        </a:rPr>
+                        <a:t>0.24</a:t>
                       </a:r>
+                      <a:endParaRPr dirty="0"/>
                     </a:p>
                   </a:txBody>
                   <a:tcPr/>
@@ -7197,30 +8571,6 @@
           </a:graphicData>
         </a:graphic>
       </p:graphicFrame>
-      <p:pic>
-        <p:nvPicPr>
-          <p:cNvPr id="5" name="Picture 4" descr="metrics_bars.png"/>
-          <p:cNvPicPr>
-            <a:picLocks noChangeAspect="1"/>
-          </p:cNvPicPr>
-          <p:nvPr/>
-        </p:nvPicPr>
-        <p:blipFill>
-          <a:blip r:embed="rId3"/>
-          <a:stretch>
-            <a:fillRect/>
-          </a:stretch>
-        </p:blipFill>
-        <p:spPr>
-          <a:xfrm>
-            <a:off x="365124" y="4163936"/>
-            <a:ext cx="4229100" cy="1891082"/>
-          </a:xfrm>
-          <a:prstGeom prst="rect">
-            <a:avLst/>
-          </a:prstGeom>
-        </p:spPr>
-      </p:pic>
       <p:sp>
         <p:nvSpPr>
           <p:cNvPr id="6" name="TextBox 5">
@@ -7257,36 +8607,6 @@
           </a:p>
         </p:txBody>
       </p:sp>
-      <p:pic>
-        <p:nvPicPr>
-          <p:cNvPr id="2" name="Picture 1">
-            <a:extLst>
-              <a:ext uri="{FF2B5EF4-FFF2-40B4-BE49-F238E27FC236}">
-                <a16:creationId xmlns:a16="http://schemas.microsoft.com/office/drawing/2014/main" id="{8887C37E-104C-4CD1-A52A-401AB2D3D10C}"/>
-              </a:ext>
-            </a:extLst>
-          </p:cNvPr>
-          <p:cNvPicPr>
-            <a:picLocks noChangeAspect="1"/>
-          </p:cNvPicPr>
-          <p:nvPr/>
-        </p:nvPicPr>
-        <p:blipFill>
-          <a:blip r:embed="rId4"/>
-          <a:stretch>
-            <a:fillRect/>
-          </a:stretch>
-        </p:blipFill>
-        <p:spPr>
-          <a:xfrm>
-            <a:off x="5214938" y="1423450"/>
-            <a:ext cx="6772275" cy="4505863"/>
-          </a:xfrm>
-          <a:prstGeom prst="rect">
-            <a:avLst/>
-          </a:prstGeom>
-        </p:spPr>
-      </p:pic>
       <p:sp>
         <p:nvSpPr>
           <p:cNvPr id="7" name="TextBox 6">
@@ -7317,101 +8637,7 @@
           <a:p>
             <a:r>
               <a:rPr lang="en-US" dirty="0"/>
-              <a:t>Table 1: Evaluation Comparison</a:t>
-            </a:r>
-          </a:p>
-        </p:txBody>
-      </p:sp>
-      <p:sp>
-        <p:nvSpPr>
-          <p:cNvPr id="8" name="TextBox 7">
-            <a:extLst>
-              <a:ext uri="{FF2B5EF4-FFF2-40B4-BE49-F238E27FC236}">
-                <a16:creationId xmlns:a16="http://schemas.microsoft.com/office/drawing/2014/main" id="{EFDE2A59-5186-4BB2-9C77-4311F3A02462}"/>
-              </a:ext>
-            </a:extLst>
-          </p:cNvPr>
-          <p:cNvSpPr txBox="1"/>
-          <p:nvPr/>
-        </p:nvSpPr>
-        <p:spPr>
-          <a:xfrm>
-            <a:off x="185738" y="6230422"/>
-            <a:ext cx="4514850" cy="369332"/>
-          </a:xfrm>
-          <a:prstGeom prst="rect">
-            <a:avLst/>
-          </a:prstGeom>
-          <a:noFill/>
-        </p:spPr>
-        <p:txBody>
-          <a:bodyPr wrap="square" rtlCol="0">
-            <a:spAutoFit/>
-          </a:bodyPr>
-          <a:lstStyle/>
-          <a:p>
-            <a:r>
-              <a:rPr lang="en-US" dirty="0"/>
-              <a:t>Fig. 3.1a: </a:t>
-            </a:r>
-            <a:r>
-              <a:rPr lang="en-US" dirty="0" err="1"/>
-              <a:t>Barchart</a:t>
-            </a:r>
-            <a:r>
-              <a:rPr lang="en-US" dirty="0"/>
-              <a:t> view per methods</a:t>
-            </a:r>
-          </a:p>
-        </p:txBody>
-      </p:sp>
-      <p:sp>
-        <p:nvSpPr>
-          <p:cNvPr id="9" name="TextBox 8">
-            <a:extLst>
-              <a:ext uri="{FF2B5EF4-FFF2-40B4-BE49-F238E27FC236}">
-                <a16:creationId xmlns:a16="http://schemas.microsoft.com/office/drawing/2014/main" id="{754358F7-70A0-4E0E-A242-B0416C92E2B1}"/>
-              </a:ext>
-            </a:extLst>
-          </p:cNvPr>
-          <p:cNvSpPr txBox="1"/>
-          <p:nvPr/>
-        </p:nvSpPr>
-        <p:spPr>
-          <a:xfrm>
-            <a:off x="5214939" y="6224412"/>
-            <a:ext cx="6772274" cy="369332"/>
-          </a:xfrm>
-          <a:prstGeom prst="rect">
-            <a:avLst/>
-          </a:prstGeom>
-          <a:noFill/>
-        </p:spPr>
-        <p:txBody>
-          <a:bodyPr wrap="square" rtlCol="0">
-            <a:spAutoFit/>
-          </a:bodyPr>
-          <a:lstStyle/>
-          <a:p>
-            <a:r>
-              <a:rPr lang="en-US" dirty="0"/>
-              <a:t>Fig. 3.1b: </a:t>
-            </a:r>
-            <a:r>
-              <a:rPr lang="en-US" dirty="0" err="1"/>
-              <a:t>Barchart</a:t>
-            </a:r>
-            <a:r>
-              <a:rPr lang="en-US" dirty="0"/>
-              <a:t> view per methods and </a:t>
-            </a:r>
-            <a:r>
-              <a:rPr lang="en-US" dirty="0" err="1"/>
-              <a:t>Reconst</a:t>
-            </a:r>
-            <a:r>
-              <a:rPr lang="en-US" dirty="0"/>
-              <a:t>. errors</a:t>
+              <a:t>Table 3.1: Evaluation Comparison</a:t>
             </a:r>
           </a:p>
         </p:txBody>
@@ -7443,14 +8669,117 @@
       </p:grpSpPr>
       <p:sp>
         <p:nvSpPr>
-          <p:cNvPr id="3" name="TextBox 2"/>
+          <p:cNvPr id="2" name="Title 1">
+            <a:extLst>
+              <a:ext uri="{FF2B5EF4-FFF2-40B4-BE49-F238E27FC236}">
+                <a16:creationId xmlns:a16="http://schemas.microsoft.com/office/drawing/2014/main" id="{7A00AB55-150B-4652-9103-908533E4EFEB}"/>
+              </a:ext>
+            </a:extLst>
+          </p:cNvPr>
+          <p:cNvSpPr>
+            <a:spLocks noGrp="1"/>
+          </p:cNvSpPr>
+          <p:nvPr>
+            <p:ph type="title"/>
+          </p:nvPr>
+        </p:nvSpPr>
+        <p:spPr>
+          <a:xfrm>
+            <a:off x="1269920" y="9605"/>
+            <a:ext cx="9402274" cy="886225"/>
+          </a:xfrm>
+        </p:spPr>
+        <p:txBody>
+          <a:bodyPr/>
+          <a:lstStyle/>
+          <a:p>
+            <a:pPr algn="ctr"/>
+            <a:r>
+              <a:rPr lang="en-US" sz="3200" dirty="0">
+                <a:latin typeface="Times New Roman" panose="02020603050405020304" pitchFamily="18" charset="0"/>
+                <a:cs typeface="Times New Roman" panose="02020603050405020304" pitchFamily="18" charset="0"/>
+              </a:rPr>
+              <a:t>METRICS COMPARISON</a:t>
+            </a:r>
+          </a:p>
+        </p:txBody>
+      </p:sp>
+      <p:pic>
+        <p:nvPicPr>
+          <p:cNvPr id="4" name="Picture 3">
+            <a:extLst>
+              <a:ext uri="{FF2B5EF4-FFF2-40B4-BE49-F238E27FC236}">
+                <a16:creationId xmlns:a16="http://schemas.microsoft.com/office/drawing/2014/main" id="{127DDA5F-1406-407B-9A48-A5AD8B3B2E4C}"/>
+              </a:ext>
+            </a:extLst>
+          </p:cNvPr>
+          <p:cNvPicPr>
+            <a:picLocks noChangeAspect="1"/>
+          </p:cNvPicPr>
+          <p:nvPr/>
+        </p:nvPicPr>
+        <p:blipFill>
+          <a:blip r:embed="rId2"/>
+          <a:stretch>
+            <a:fillRect/>
+          </a:stretch>
+        </p:blipFill>
+        <p:spPr>
+          <a:xfrm>
+            <a:off x="776790" y="718457"/>
+            <a:ext cx="9689824" cy="5453743"/>
+          </a:xfrm>
+          <a:prstGeom prst="rect">
+            <a:avLst/>
+          </a:prstGeom>
+        </p:spPr>
+      </p:pic>
+      <p:pic>
+        <p:nvPicPr>
+          <p:cNvPr id="6" name="Picture 5">
+            <a:extLst>
+              <a:ext uri="{FF2B5EF4-FFF2-40B4-BE49-F238E27FC236}">
+                <a16:creationId xmlns:a16="http://schemas.microsoft.com/office/drawing/2014/main" id="{69BE007C-A924-4798-8C4F-A8EB0CD4ED65}"/>
+              </a:ext>
+            </a:extLst>
+          </p:cNvPr>
+          <p:cNvPicPr>
+            <a:picLocks noChangeAspect="1"/>
+          </p:cNvPicPr>
+          <p:nvPr/>
+        </p:nvPicPr>
+        <p:blipFill>
+          <a:blip r:embed="rId3"/>
+          <a:stretch>
+            <a:fillRect/>
+          </a:stretch>
+        </p:blipFill>
+        <p:spPr>
+          <a:xfrm>
+            <a:off x="8758334" y="1094016"/>
+            <a:ext cx="1913860" cy="886225"/>
+          </a:xfrm>
+          <a:prstGeom prst="rect">
+            <a:avLst/>
+          </a:prstGeom>
+        </p:spPr>
+      </p:pic>
+      <p:sp>
+        <p:nvSpPr>
+          <p:cNvPr id="5" name="TextBox 4">
+            <a:extLst>
+              <a:ext uri="{FF2B5EF4-FFF2-40B4-BE49-F238E27FC236}">
+                <a16:creationId xmlns:a16="http://schemas.microsoft.com/office/drawing/2014/main" id="{C87D2ED0-19A6-4CB0-BDDD-E0D4F736669F}"/>
+              </a:ext>
+            </a:extLst>
+          </p:cNvPr>
           <p:cNvSpPr txBox="1"/>
           <p:nvPr/>
         </p:nvSpPr>
         <p:spPr>
           <a:xfrm>
-            <a:off x="3713791" y="335250"/>
-            <a:ext cx="4459619" cy="584775"/>
+            <a:off x="1410381" y="6230422"/>
+            <a:ext cx="4514850" cy="369332"/>
           </a:xfrm>
           <a:prstGeom prst="rect">
             <a:avLst/>
@@ -7458,156 +8787,32 @@
           <a:noFill/>
         </p:spPr>
         <p:txBody>
-          <a:bodyPr wrap="none">
-            <a:spAutoFit/>
-          </a:bodyPr>
-          <a:lstStyle/>
-          <a:p>
-            <a:pPr algn="ctr">
-              <a:defRPr sz="2800" b="1"/>
-            </a:pPr>
-            <a:r>
-              <a:rPr lang="en-US" sz="3200" dirty="0">
-                <a:latin typeface="Times New Roman" panose="02020603050405020304" pitchFamily="18" charset="0"/>
-                <a:cs typeface="Times New Roman" panose="02020603050405020304" pitchFamily="18" charset="0"/>
-              </a:rPr>
-              <a:t>3.2: </a:t>
-            </a:r>
-            <a:r>
-              <a:rPr sz="3200" dirty="0">
-                <a:latin typeface="Times New Roman" panose="02020603050405020304" pitchFamily="18" charset="0"/>
-                <a:cs typeface="Times New Roman" panose="02020603050405020304" pitchFamily="18" charset="0"/>
-              </a:rPr>
-              <a:t>Visual Comparisons</a:t>
-            </a:r>
-          </a:p>
-        </p:txBody>
-      </p:sp>
-      <p:sp>
-        <p:nvSpPr>
-          <p:cNvPr id="7" name="TextBox 6"/>
-          <p:cNvSpPr txBox="1"/>
-          <p:nvPr/>
-        </p:nvSpPr>
-        <p:spPr>
-          <a:xfrm>
-            <a:off x="0" y="5613703"/>
-            <a:ext cx="8658224" cy="400110"/>
-          </a:xfrm>
-          <a:prstGeom prst="rect">
-            <a:avLst/>
-          </a:prstGeom>
-          <a:noFill/>
-        </p:spPr>
-        <p:txBody>
-          <a:bodyPr wrap="square">
-            <a:spAutoFit/>
-          </a:bodyPr>
-          <a:lstStyle/>
-          <a:p>
-            <a:pPr algn="ctr">
-              <a:defRPr sz="2000" b="0"/>
-            </a:pPr>
-            <a:r>
-              <a:rPr lang="en-US" dirty="0"/>
-              <a:t>Fig. 3.2 : </a:t>
-            </a:r>
-            <a:r>
-              <a:rPr dirty="0"/>
-              <a:t>Reconstructed images across strategies</a:t>
-            </a:r>
-            <a:r>
-              <a:rPr lang="en-US" dirty="0"/>
-              <a:t> training</a:t>
-            </a:r>
-            <a:endParaRPr dirty="0"/>
-          </a:p>
-        </p:txBody>
-      </p:sp>
-      <p:sp>
-        <p:nvSpPr>
-          <p:cNvPr id="8" name="TextBox 7">
-            <a:extLst>
-              <a:ext uri="{FF2B5EF4-FFF2-40B4-BE49-F238E27FC236}">
-                <a16:creationId xmlns:a16="http://schemas.microsoft.com/office/drawing/2014/main" id="{E71E3D88-DEA8-4D8D-8715-72DC275077A2}"/>
-              </a:ext>
-            </a:extLst>
-          </p:cNvPr>
-          <p:cNvSpPr txBox="1"/>
-          <p:nvPr/>
-        </p:nvSpPr>
-        <p:spPr>
-          <a:xfrm>
-            <a:off x="9101138" y="243959"/>
-            <a:ext cx="3043237" cy="369332"/>
-          </a:xfrm>
-          <a:prstGeom prst="rect">
-            <a:avLst/>
-          </a:prstGeom>
-          <a:noFill/>
-        </p:spPr>
-        <p:txBody>
           <a:bodyPr wrap="square" rtlCol="0">
             <a:spAutoFit/>
           </a:bodyPr>
           <a:lstStyle/>
           <a:p>
-            <a:pPr algn="ctr"/>
             <a:r>
               <a:rPr lang="en-US" dirty="0"/>
-              <a:t>ITMO UNIVERSITY</a:t>
-            </a:r>
-          </a:p>
-        </p:txBody>
-      </p:sp>
-      <p:pic>
-        <p:nvPicPr>
-          <p:cNvPr id="2050" name="Picture 2">
-            <a:extLst>
-              <a:ext uri="{FF2B5EF4-FFF2-40B4-BE49-F238E27FC236}">
-                <a16:creationId xmlns:a16="http://schemas.microsoft.com/office/drawing/2014/main" id="{584F71CC-3353-42FE-BB15-1BB50C6CA2CE}"/>
-              </a:ext>
-            </a:extLst>
-          </p:cNvPr>
-          <p:cNvPicPr>
-            <a:picLocks noChangeAspect="1" noChangeArrowheads="1"/>
-          </p:cNvPicPr>
-          <p:nvPr/>
-        </p:nvPicPr>
-        <p:blipFill>
-          <a:blip r:embed="rId2">
-            <a:extLst>
-              <a:ext uri="{28A0092B-C50C-407E-A947-70E740481C1C}">
-                <a14:useLocalDpi xmlns:a14="http://schemas.microsoft.com/office/drawing/2010/main" val="0"/>
-              </a:ext>
-            </a:extLst>
-          </a:blip>
-          <a:srcRect/>
-          <a:stretch>
-            <a:fillRect/>
-          </a:stretch>
-        </p:blipFill>
-        <p:spPr bwMode="auto">
-          <a:xfrm>
-            <a:off x="920981" y="920025"/>
-            <a:ext cx="8423044" cy="4343741"/>
-          </a:xfrm>
-          <a:prstGeom prst="rect">
-            <a:avLst/>
-          </a:prstGeom>
-          <a:noFill/>
-          <a:extLst>
-            <a:ext uri="{909E8E84-426E-40DD-AFC4-6F175D3DCCD1}">
-              <a14:hiddenFill xmlns:a14="http://schemas.microsoft.com/office/drawing/2010/main">
-                <a:solidFill>
-                  <a:srgbClr val="FFFFFF"/>
-                </a:solidFill>
-              </a14:hiddenFill>
-            </a:ext>
-          </a:extLst>
-        </p:spPr>
-      </p:pic>
+              <a:t>Fig. 3.1: </a:t>
+            </a:r>
+            <a:r>
+              <a:rPr lang="en-US" dirty="0" err="1"/>
+              <a:t>Barchart</a:t>
+            </a:r>
+            <a:r>
+              <a:rPr lang="en-US" dirty="0"/>
+              <a:t> view per methods</a:t>
+            </a:r>
+          </a:p>
+        </p:txBody>
+      </p:sp>
     </p:spTree>
+    <p:extLst>
+      <p:ext uri="{BB962C8B-B14F-4D97-AF65-F5344CB8AC3E}">
+        <p14:creationId xmlns:p14="http://schemas.microsoft.com/office/powerpoint/2010/main" val="86238351"/>
+      </p:ext>
+    </p:extLst>
   </p:cSld>
   <p:clrMapOvr>
     <a:masterClrMapping/>
@@ -7640,8 +8845,8 @@
         </p:nvSpPr>
         <p:spPr>
           <a:xfrm>
-            <a:off x="4371974" y="457200"/>
-            <a:ext cx="3986213" cy="584775"/>
+            <a:off x="3713791" y="335250"/>
+            <a:ext cx="4459619" cy="584775"/>
           </a:xfrm>
           <a:prstGeom prst="rect">
             <a:avLst/>
@@ -7649,34 +8854,117 @@
           <a:noFill/>
         </p:spPr>
         <p:txBody>
+          <a:bodyPr wrap="none">
+            <a:spAutoFit/>
+          </a:bodyPr>
+          <a:lstStyle/>
+          <a:p>
+            <a:pPr algn="ctr">
+              <a:defRPr sz="2800" b="1"/>
+            </a:pPr>
+            <a:r>
+              <a:rPr lang="en-US" sz="3200" dirty="0">
+                <a:latin typeface="Times New Roman" panose="02020603050405020304" pitchFamily="18" charset="0"/>
+                <a:cs typeface="Times New Roman" panose="02020603050405020304" pitchFamily="18" charset="0"/>
+              </a:rPr>
+              <a:t>3.2: </a:t>
+            </a:r>
+            <a:r>
+              <a:rPr sz="3200" dirty="0">
+                <a:latin typeface="Times New Roman" panose="02020603050405020304" pitchFamily="18" charset="0"/>
+                <a:cs typeface="Times New Roman" panose="02020603050405020304" pitchFamily="18" charset="0"/>
+              </a:rPr>
+              <a:t>Visual Comparisons</a:t>
+            </a:r>
+          </a:p>
+        </p:txBody>
+      </p:sp>
+      <p:sp>
+        <p:nvSpPr>
+          <p:cNvPr id="7" name="TextBox 6"/>
+          <p:cNvSpPr txBox="1"/>
+          <p:nvPr/>
+        </p:nvSpPr>
+        <p:spPr>
+          <a:xfrm>
+            <a:off x="2203337" y="5969091"/>
+            <a:ext cx="7480526" cy="400110"/>
+          </a:xfrm>
+          <a:prstGeom prst="rect">
+            <a:avLst/>
+          </a:prstGeom>
+          <a:noFill/>
+        </p:spPr>
+        <p:txBody>
           <a:bodyPr wrap="square">
             <a:spAutoFit/>
           </a:bodyPr>
           <a:lstStyle/>
           <a:p>
-            <a:pPr>
-              <a:defRPr sz="2800" b="1"/>
+            <a:pPr algn="ctr">
+              <a:defRPr sz="2000" b="0"/>
             </a:pPr>
             <a:r>
-              <a:rPr lang="en-US" sz="3200" dirty="0">
-                <a:latin typeface="Times New Roman" panose="02020603050405020304" pitchFamily="18" charset="0"/>
-                <a:cs typeface="Times New Roman" panose="02020603050405020304" pitchFamily="18" charset="0"/>
-              </a:rPr>
-              <a:t>3.3: </a:t>
-            </a:r>
-            <a:r>
-              <a:rPr sz="3200" dirty="0">
-                <a:latin typeface="Times New Roman" panose="02020603050405020304" pitchFamily="18" charset="0"/>
-                <a:cs typeface="Times New Roman" panose="02020603050405020304" pitchFamily="18" charset="0"/>
-              </a:rPr>
-              <a:t>Training Insights</a:t>
+              <a:rPr lang="en-US" dirty="0"/>
+              <a:t>Fig. 3.2 : </a:t>
+            </a:r>
+            <a:r>
+              <a:rPr dirty="0"/>
+              <a:t>Reconstructed images across strategies</a:t>
+            </a:r>
+            <a:r>
+              <a:rPr lang="en-US" dirty="0"/>
+              <a:t> training</a:t>
+            </a:r>
+            <a:endParaRPr dirty="0"/>
+          </a:p>
+        </p:txBody>
+      </p:sp>
+      <p:sp>
+        <p:nvSpPr>
+          <p:cNvPr id="8" name="TextBox 7">
+            <a:extLst>
+              <a:ext uri="{FF2B5EF4-FFF2-40B4-BE49-F238E27FC236}">
+                <a16:creationId xmlns:a16="http://schemas.microsoft.com/office/drawing/2014/main" id="{E71E3D88-DEA8-4D8D-8715-72DC275077A2}"/>
+              </a:ext>
+            </a:extLst>
+          </p:cNvPr>
+          <p:cNvSpPr txBox="1"/>
+          <p:nvPr/>
+        </p:nvSpPr>
+        <p:spPr>
+          <a:xfrm>
+            <a:off x="9101138" y="243959"/>
+            <a:ext cx="3043237" cy="369332"/>
+          </a:xfrm>
+          <a:prstGeom prst="rect">
+            <a:avLst/>
+          </a:prstGeom>
+          <a:noFill/>
+        </p:spPr>
+        <p:txBody>
+          <a:bodyPr wrap="square" rtlCol="0">
+            <a:spAutoFit/>
+          </a:bodyPr>
+          <a:lstStyle/>
+          <a:p>
+            <a:pPr algn="ctr"/>
+            <a:r>
+              <a:rPr lang="en-US" dirty="0"/>
+              <a:t>ITMO UNIVERSITY</a:t>
             </a:r>
           </a:p>
         </p:txBody>
       </p:sp>
       <p:pic>
         <p:nvPicPr>
-          <p:cNvPr id="4" name="Picture 3" descr="training_loss.png"/>
+          <p:cNvPr id="6" name="Picture 5">
+            <a:extLst>
+              <a:ext uri="{FF2B5EF4-FFF2-40B4-BE49-F238E27FC236}">
+                <a16:creationId xmlns:a16="http://schemas.microsoft.com/office/drawing/2014/main" id="{B2DE0C4E-52E7-484B-ABB5-41428A0CB915}"/>
+              </a:ext>
+            </a:extLst>
+          </p:cNvPr>
           <p:cNvPicPr>
             <a:picLocks noChangeAspect="1"/>
           </p:cNvPicPr>
@@ -7690,85 +8978,44 @@
         </p:blipFill>
         <p:spPr>
           <a:xfrm>
-            <a:off x="914400" y="1371600"/>
-            <a:ext cx="10058400" cy="3657600"/>
+            <a:off x="6094412" y="1527705"/>
+            <a:ext cx="5604556" cy="3697437"/>
           </a:xfrm>
           <a:prstGeom prst="rect">
             <a:avLst/>
           </a:prstGeom>
         </p:spPr>
       </p:pic>
-      <p:sp>
-        <p:nvSpPr>
-          <p:cNvPr id="5" name="TextBox 4">
+      <p:pic>
+        <p:nvPicPr>
+          <p:cNvPr id="10" name="Picture 9">
             <a:extLst>
               <a:ext uri="{FF2B5EF4-FFF2-40B4-BE49-F238E27FC236}">
-                <a16:creationId xmlns:a16="http://schemas.microsoft.com/office/drawing/2014/main" id="{03631939-EB7C-4C6D-B5F9-306995514A93}"/>
+                <a16:creationId xmlns:a16="http://schemas.microsoft.com/office/drawing/2014/main" id="{535668B1-6063-4895-A3D6-7CC26B4AD59F}"/>
               </a:ext>
             </a:extLst>
           </p:cNvPr>
-          <p:cNvSpPr txBox="1"/>
+          <p:cNvPicPr>
+            <a:picLocks noChangeAspect="1"/>
+          </p:cNvPicPr>
           <p:nvPr/>
-        </p:nvSpPr>
+        </p:nvPicPr>
+        <p:blipFill>
+          <a:blip r:embed="rId3"/>
+          <a:stretch>
+            <a:fillRect/>
+          </a:stretch>
+        </p:blipFill>
         <p:spPr>
           <a:xfrm>
-            <a:off x="9101138" y="243959"/>
-            <a:ext cx="3043237" cy="369332"/>
+            <a:off x="489857" y="1527705"/>
+            <a:ext cx="5437414" cy="3697437"/>
           </a:xfrm>
           <a:prstGeom prst="rect">
             <a:avLst/>
           </a:prstGeom>
-          <a:noFill/>
         </p:spPr>
-        <p:txBody>
-          <a:bodyPr wrap="square" rtlCol="0">
-            <a:spAutoFit/>
-          </a:bodyPr>
-          <a:lstStyle/>
-          <a:p>
-            <a:pPr algn="ctr"/>
-            <a:r>
-              <a:rPr lang="en-US" dirty="0"/>
-              <a:t>ITMO UNIVERSITY</a:t>
-            </a:r>
-          </a:p>
-        </p:txBody>
-      </p:sp>
-      <p:sp>
-        <p:nvSpPr>
-          <p:cNvPr id="2" name="TextBox 1">
-            <a:extLst>
-              <a:ext uri="{FF2B5EF4-FFF2-40B4-BE49-F238E27FC236}">
-                <a16:creationId xmlns:a16="http://schemas.microsoft.com/office/drawing/2014/main" id="{4A153CC2-15E1-4462-918A-F1F25EE5B627}"/>
-              </a:ext>
-            </a:extLst>
-          </p:cNvPr>
-          <p:cNvSpPr txBox="1"/>
-          <p:nvPr/>
-        </p:nvSpPr>
-        <p:spPr>
-          <a:xfrm>
-            <a:off x="2557463" y="5700713"/>
-            <a:ext cx="7629525" cy="369332"/>
-          </a:xfrm>
-          <a:prstGeom prst="rect">
-            <a:avLst/>
-          </a:prstGeom>
-          <a:noFill/>
-        </p:spPr>
-        <p:txBody>
-          <a:bodyPr wrap="square" rtlCol="0">
-            <a:spAutoFit/>
-          </a:bodyPr>
-          <a:lstStyle/>
-          <a:p>
-            <a:r>
-              <a:rPr lang="en-US" dirty="0"/>
-              <a:t>Fig. 3.3: TRAINING Losses Across Strategies</a:t>
-            </a:r>
-          </a:p>
-        </p:txBody>
-      </p:sp>
+      </p:pic>
     </p:spTree>
   </p:cSld>
   <p:clrMapOvr>
@@ -7796,57 +9043,14 @@
       </p:grpSpPr>
       <p:sp>
         <p:nvSpPr>
-          <p:cNvPr id="2" name="Title 1">
-            <a:extLst>
-              <a:ext uri="{FF2B5EF4-FFF2-40B4-BE49-F238E27FC236}">
-                <a16:creationId xmlns:a16="http://schemas.microsoft.com/office/drawing/2014/main" id="{9FC77E7C-8180-4F6C-982A-B11DC71C0594}"/>
-              </a:ext>
-            </a:extLst>
-          </p:cNvPr>
-          <p:cNvSpPr>
-            <a:spLocks noGrp="1"/>
-          </p:cNvSpPr>
-          <p:nvPr>
-            <p:ph type="title"/>
-          </p:nvPr>
+          <p:cNvPr id="3" name="TextBox 2"/>
+          <p:cNvSpPr txBox="1"/>
+          <p:nvPr/>
         </p:nvSpPr>
         <p:spPr>
           <a:xfrm>
-            <a:off x="645943" y="452718"/>
-            <a:ext cx="9402274" cy="690282"/>
-          </a:xfrm>
-        </p:spPr>
-        <p:txBody>
-          <a:bodyPr/>
-          <a:lstStyle/>
-          <a:p>
-            <a:pPr algn="ctr"/>
-            <a:r>
-              <a:rPr lang="en-US" sz="3200" b="1" dirty="0">
-                <a:latin typeface="Times New Roman" panose="02020603050405020304" pitchFamily="18" charset="0"/>
-                <a:cs typeface="Times New Roman" panose="02020603050405020304" pitchFamily="18" charset="0"/>
-              </a:rPr>
-              <a:t>3.4: Limitations</a:t>
-            </a:r>
-          </a:p>
-        </p:txBody>
-      </p:sp>
-      <p:sp>
-        <p:nvSpPr>
-          <p:cNvPr id="3" name="TextBox 2">
-            <a:extLst>
-              <a:ext uri="{FF2B5EF4-FFF2-40B4-BE49-F238E27FC236}">
-                <a16:creationId xmlns:a16="http://schemas.microsoft.com/office/drawing/2014/main" id="{DE26413A-BCA6-49FB-8A22-2505CDBFE92A}"/>
-              </a:ext>
-            </a:extLst>
-          </p:cNvPr>
-          <p:cNvSpPr txBox="1"/>
-          <p:nvPr/>
-        </p:nvSpPr>
-        <p:spPr>
-          <a:xfrm>
-            <a:off x="1500188" y="1414463"/>
-            <a:ext cx="8415337" cy="923330"/>
+            <a:off x="4371974" y="457200"/>
+            <a:ext cx="3986213" cy="584775"/>
           </a:xfrm>
           <a:prstGeom prst="rect">
             <a:avLst/>
@@ -7854,57 +9058,61 @@
           <a:noFill/>
         </p:spPr>
         <p:txBody>
-          <a:bodyPr wrap="square" rtlCol="0">
+          <a:bodyPr wrap="square">
             <a:spAutoFit/>
           </a:bodyPr>
           <a:lstStyle/>
           <a:p>
-            <a:pPr marL="285750" indent="-285750">
-              <a:buFont typeface="Arial" panose="020B0604020202020204" pitchFamily="34" charset="0"/>
-              <a:buChar char="•"/>
+            <a:pPr>
+              <a:defRPr sz="2800" b="1"/>
             </a:pPr>
             <a:r>
-              <a:rPr lang="en-US" dirty="0">
+              <a:rPr lang="en-US" sz="3200" dirty="0">
                 <a:latin typeface="Times New Roman" panose="02020603050405020304" pitchFamily="18" charset="0"/>
                 <a:cs typeface="Times New Roman" panose="02020603050405020304" pitchFamily="18" charset="0"/>
               </a:rPr>
-              <a:t>This work was carried out using synthetic data</a:t>
-            </a:r>
-          </a:p>
-          <a:p>
-            <a:pPr marL="285750" indent="-285750">
-              <a:buFont typeface="Arial" panose="020B0604020202020204" pitchFamily="34" charset="0"/>
-              <a:buChar char="•"/>
-            </a:pPr>
-            <a:r>
-              <a:rPr lang="en-US" dirty="0">
+              <a:t>3.3: </a:t>
+            </a:r>
+            <a:r>
+              <a:rPr sz="3200" dirty="0">
                 <a:latin typeface="Times New Roman" panose="02020603050405020304" pitchFamily="18" charset="0"/>
                 <a:cs typeface="Times New Roman" panose="02020603050405020304" pitchFamily="18" charset="0"/>
               </a:rPr>
-              <a:t>The system depends on mask quality to achieve higher quality reconstruction</a:t>
-            </a:r>
-          </a:p>
-          <a:p>
-            <a:pPr marL="285750" indent="-285750">
-              <a:buFont typeface="Arial" panose="020B0604020202020204" pitchFamily="34" charset="0"/>
-              <a:buChar char="•"/>
-            </a:pPr>
-            <a:r>
-              <a:rPr lang="en-US" dirty="0">
-                <a:latin typeface="Times New Roman" panose="02020603050405020304" pitchFamily="18" charset="0"/>
-                <a:cs typeface="Times New Roman" panose="02020603050405020304" pitchFamily="18" charset="0"/>
-              </a:rPr>
-              <a:t>Simple scene design</a:t>
-            </a:r>
-          </a:p>
-        </p:txBody>
-      </p:sp>
-      <p:sp>
-        <p:nvSpPr>
-          <p:cNvPr id="4" name="TextBox 3">
+              <a:t>Training Insights</a:t>
+            </a:r>
+          </a:p>
+        </p:txBody>
+      </p:sp>
+      <p:pic>
+        <p:nvPicPr>
+          <p:cNvPr id="4" name="Picture 3" descr="training_loss.png"/>
+          <p:cNvPicPr>
+            <a:picLocks noChangeAspect="1"/>
+          </p:cNvPicPr>
+          <p:nvPr/>
+        </p:nvPicPr>
+        <p:blipFill>
+          <a:blip r:embed="rId2"/>
+          <a:stretch>
+            <a:fillRect/>
+          </a:stretch>
+        </p:blipFill>
+        <p:spPr>
+          <a:xfrm>
+            <a:off x="914400" y="1371600"/>
+            <a:ext cx="10058400" cy="3657600"/>
+          </a:xfrm>
+          <a:prstGeom prst="rect">
+            <a:avLst/>
+          </a:prstGeom>
+        </p:spPr>
+      </p:pic>
+      <p:sp>
+        <p:nvSpPr>
+          <p:cNvPr id="5" name="TextBox 4">
             <a:extLst>
               <a:ext uri="{FF2B5EF4-FFF2-40B4-BE49-F238E27FC236}">
-                <a16:creationId xmlns:a16="http://schemas.microsoft.com/office/drawing/2014/main" id="{6F7E78CD-42E2-4858-82C2-F86BCE97FD8E}"/>
+                <a16:creationId xmlns:a16="http://schemas.microsoft.com/office/drawing/2014/main" id="{03631939-EB7C-4C6D-B5F9-306995514A93}"/>
               </a:ext>
             </a:extLst>
           </p:cNvPr>
@@ -7913,8 +9121,8 @@
         </p:nvSpPr>
         <p:spPr>
           <a:xfrm>
-            <a:off x="1632880" y="3938588"/>
-            <a:ext cx="8415337" cy="646331"/>
+            <a:off x="9101138" y="243959"/>
+            <a:ext cx="3043237" cy="369332"/>
           </a:xfrm>
           <a:prstGeom prst="rect">
             <a:avLst/>
@@ -7927,26 +9135,20 @@
           </a:bodyPr>
           <a:lstStyle/>
           <a:p>
-            <a:pPr marL="285750" indent="-285750">
-              <a:buFont typeface="Arial" panose="020B0604020202020204" pitchFamily="34" charset="0"/>
-              <a:buChar char="•"/>
-            </a:pPr>
-            <a:r>
-              <a:rPr lang="en-US" dirty="0">
-                <a:latin typeface="Times New Roman" panose="02020603050405020304" pitchFamily="18" charset="0"/>
-                <a:cs typeface="Times New Roman" panose="02020603050405020304" pitchFamily="18" charset="0"/>
-              </a:rPr>
-              <a:t>We hope to apply this knowledge to spontaneous robot data as obtained in the field or through experimentation.</a:t>
-            </a:r>
-          </a:p>
-        </p:txBody>
-      </p:sp>
-      <p:sp>
-        <p:nvSpPr>
-          <p:cNvPr id="5" name="TextBox 4">
+            <a:pPr algn="ctr"/>
+            <a:r>
+              <a:rPr lang="en-US" dirty="0"/>
+              <a:t>ITMO UNIVERSITY</a:t>
+            </a:r>
+          </a:p>
+        </p:txBody>
+      </p:sp>
+      <p:sp>
+        <p:nvSpPr>
+          <p:cNvPr id="2" name="TextBox 1">
             <a:extLst>
               <a:ext uri="{FF2B5EF4-FFF2-40B4-BE49-F238E27FC236}">
-                <a16:creationId xmlns:a16="http://schemas.microsoft.com/office/drawing/2014/main" id="{471D94D5-9C70-4B39-AA88-3A5F146CFBE5}"/>
+                <a16:creationId xmlns:a16="http://schemas.microsoft.com/office/drawing/2014/main" id="{4A153CC2-15E1-4462-918A-F1F25EE5B627}"/>
               </a:ext>
             </a:extLst>
           </p:cNvPr>
@@ -7955,8 +9157,8 @@
         </p:nvSpPr>
         <p:spPr>
           <a:xfrm>
-            <a:off x="2050256" y="3150156"/>
-            <a:ext cx="7315200" cy="584775"/>
+            <a:off x="2557463" y="5700713"/>
+            <a:ext cx="7629525" cy="369332"/>
           </a:xfrm>
           <a:prstGeom prst="rect">
             <a:avLst/>
@@ -7969,23 +9171,14 @@
           </a:bodyPr>
           <a:lstStyle/>
           <a:p>
-            <a:pPr algn="ctr"/>
-            <a:r>
-              <a:rPr lang="en-US" sz="3200" b="1" dirty="0">
-                <a:latin typeface="Times New Roman" panose="02020603050405020304" pitchFamily="18" charset="0"/>
-                <a:cs typeface="Times New Roman" panose="02020603050405020304" pitchFamily="18" charset="0"/>
-              </a:rPr>
-              <a:t>3.5: Future work</a:t>
+            <a:r>
+              <a:rPr lang="en-US" dirty="0"/>
+              <a:t>Fig. 3.3: TRAINING Losses Across Strategies</a:t>
             </a:r>
           </a:p>
         </p:txBody>
       </p:sp>
     </p:spTree>
-    <p:extLst>
-      <p:ext uri="{BB962C8B-B14F-4D97-AF65-F5344CB8AC3E}">
-        <p14:creationId xmlns:p14="http://schemas.microsoft.com/office/powerpoint/2010/main" val="1704270203"/>
-      </p:ext>
-    </p:extLst>
   </p:cSld>
   <p:clrMapOvr>
     <a:masterClrMapping/>
@@ -8018,7 +9211,7 @@
         </p:nvSpPr>
         <p:spPr>
           <a:xfrm>
-            <a:off x="4793456" y="457200"/>
+            <a:off x="4312046" y="243959"/>
             <a:ext cx="3564732" cy="584775"/>
           </a:xfrm>
           <a:prstGeom prst="rect">
@@ -8071,7 +9264,7 @@
         </p:nvSpPr>
         <p:spPr>
           <a:xfrm>
-            <a:off x="457200" y="1371600"/>
+            <a:off x="501650" y="1100167"/>
             <a:ext cx="11687175" cy="1631216"/>
           </a:xfrm>
           <a:prstGeom prst="rect">
@@ -8091,14 +9284,14 @@
               <a:defRPr sz="2000" b="0"/>
             </a:pPr>
             <a:r>
-              <a:rPr sz="2000" dirty="0">
+              <a:rPr dirty="0">
                 <a:latin typeface="Times New Roman" panose="02020603050405020304" pitchFamily="18" charset="0"/>
                 <a:cs typeface="Times New Roman" panose="02020603050405020304" pitchFamily="18" charset="0"/>
               </a:rPr>
               <a:t>Gradient masking and ray filtering reduce dynamic object artifacts</a:t>
             </a:r>
             <a:r>
-              <a:rPr lang="en-US" sz="2000" dirty="0">
+              <a:rPr lang="en-US" dirty="0">
                 <a:latin typeface="Times New Roman" panose="02020603050405020304" pitchFamily="18" charset="0"/>
                 <a:cs typeface="Times New Roman" panose="02020603050405020304" pitchFamily="18" charset="0"/>
               </a:rPr>
@@ -8112,14 +9305,14 @@
               <a:defRPr sz="2000" b="0"/>
             </a:pPr>
             <a:r>
-              <a:rPr sz="2000" dirty="0">
+              <a:rPr dirty="0">
                 <a:latin typeface="Times New Roman" panose="02020603050405020304" pitchFamily="18" charset="0"/>
                 <a:cs typeface="Times New Roman" panose="02020603050405020304" pitchFamily="18" charset="0"/>
               </a:rPr>
               <a:t>Baseline achieves highest metrics </a:t>
             </a:r>
             <a:r>
-              <a:rPr lang="en-US" sz="2000" dirty="0">
+              <a:rPr lang="en-US" dirty="0">
                 <a:latin typeface="Times New Roman" panose="02020603050405020304" pitchFamily="18" charset="0"/>
                 <a:cs typeface="Times New Roman" panose="02020603050405020304" pitchFamily="18" charset="0"/>
               </a:rPr>
@@ -8133,14 +9326,14 @@
               <a:defRPr sz="2000" b="0"/>
             </a:pPr>
             <a:r>
-              <a:rPr sz="2000" dirty="0">
+              <a:rPr dirty="0">
                 <a:latin typeface="Times New Roman" panose="02020603050405020304" pitchFamily="18" charset="0"/>
                 <a:cs typeface="Times New Roman" panose="02020603050405020304" pitchFamily="18" charset="0"/>
               </a:rPr>
               <a:t>Gradient masking slightly better perceptually than ray filtering</a:t>
             </a:r>
             <a:r>
-              <a:rPr lang="en-US" sz="2000" dirty="0">
+              <a:rPr lang="en-US" dirty="0">
                 <a:latin typeface="Times New Roman" panose="02020603050405020304" pitchFamily="18" charset="0"/>
                 <a:cs typeface="Times New Roman" panose="02020603050405020304" pitchFamily="18" charset="0"/>
               </a:rPr>
@@ -8154,7 +9347,7 @@
               <a:defRPr sz="2000" b="0"/>
             </a:pPr>
             <a:r>
-              <a:rPr lang="en-US" sz="2000" dirty="0">
+              <a:rPr lang="en-US" dirty="0">
                 <a:latin typeface="Times New Roman" panose="02020603050405020304" pitchFamily="18" charset="0"/>
                 <a:cs typeface="Times New Roman" panose="02020603050405020304" pitchFamily="18" charset="0"/>
               </a:rPr>
@@ -8168,7 +9361,7 @@
               <a:defRPr sz="2000" b="0"/>
             </a:pPr>
             <a:r>
-              <a:rPr lang="en-US" sz="2000" dirty="0">
+              <a:rPr lang="en-US" dirty="0">
                 <a:latin typeface="Times New Roman" panose="02020603050405020304" pitchFamily="18" charset="0"/>
                 <a:cs typeface="Times New Roman" panose="02020603050405020304" pitchFamily="18" charset="0"/>
               </a:rPr>
@@ -8209,6 +9402,138 @@
             <a:r>
               <a:rPr lang="en-US" dirty="0"/>
               <a:t>ITMO UNIVERSITY</a:t>
+            </a:r>
+          </a:p>
+        </p:txBody>
+      </p:sp>
+      <p:sp>
+        <p:nvSpPr>
+          <p:cNvPr id="5" name="TextBox 4">
+            <a:extLst>
+              <a:ext uri="{FF2B5EF4-FFF2-40B4-BE49-F238E27FC236}">
+                <a16:creationId xmlns:a16="http://schemas.microsoft.com/office/drawing/2014/main" id="{541C71AD-0452-4680-ACE7-9AEF9790933A}"/>
+              </a:ext>
+            </a:extLst>
+          </p:cNvPr>
+          <p:cNvSpPr txBox="1"/>
+          <p:nvPr/>
+        </p:nvSpPr>
+        <p:spPr>
+          <a:xfrm>
+            <a:off x="501650" y="2810865"/>
+            <a:ext cx="8415337" cy="1200329"/>
+          </a:xfrm>
+          <a:prstGeom prst="rect">
+            <a:avLst/>
+          </a:prstGeom>
+          <a:noFill/>
+        </p:spPr>
+        <p:txBody>
+          <a:bodyPr wrap="square" rtlCol="0">
+            <a:spAutoFit/>
+          </a:bodyPr>
+          <a:lstStyle/>
+          <a:p>
+            <a:pPr algn="ctr"/>
+            <a:r>
+              <a:rPr lang="en-US" b="1" dirty="0">
+                <a:latin typeface="Times New Roman" panose="02020603050405020304" pitchFamily="18" charset="0"/>
+                <a:cs typeface="Times New Roman" panose="02020603050405020304" pitchFamily="18" charset="0"/>
+              </a:rPr>
+              <a:t>3.4: Limitations</a:t>
+            </a:r>
+          </a:p>
+          <a:p>
+            <a:pPr marL="285750" indent="-285750">
+              <a:buFont typeface="Arial" panose="020B0604020202020204" pitchFamily="34" charset="0"/>
+              <a:buChar char="•"/>
+            </a:pPr>
+            <a:r>
+              <a:rPr lang="en-US" dirty="0">
+                <a:latin typeface="Times New Roman" panose="02020603050405020304" pitchFamily="18" charset="0"/>
+                <a:cs typeface="Times New Roman" panose="02020603050405020304" pitchFamily="18" charset="0"/>
+              </a:rPr>
+              <a:t>This work was carried out using synthetic data</a:t>
+            </a:r>
+          </a:p>
+          <a:p>
+            <a:pPr marL="285750" indent="-285750">
+              <a:buFont typeface="Arial" panose="020B0604020202020204" pitchFamily="34" charset="0"/>
+              <a:buChar char="•"/>
+            </a:pPr>
+            <a:r>
+              <a:rPr lang="en-US" dirty="0">
+                <a:latin typeface="Times New Roman" panose="02020603050405020304" pitchFamily="18" charset="0"/>
+                <a:cs typeface="Times New Roman" panose="02020603050405020304" pitchFamily="18" charset="0"/>
+              </a:rPr>
+              <a:t>The system depends on mask quality to achieve higher quality reconstruction</a:t>
+            </a:r>
+          </a:p>
+          <a:p>
+            <a:pPr marL="285750" indent="-285750">
+              <a:buFont typeface="Arial" panose="020B0604020202020204" pitchFamily="34" charset="0"/>
+              <a:buChar char="•"/>
+            </a:pPr>
+            <a:r>
+              <a:rPr lang="en-US" dirty="0">
+                <a:latin typeface="Times New Roman" panose="02020603050405020304" pitchFamily="18" charset="0"/>
+                <a:cs typeface="Times New Roman" panose="02020603050405020304" pitchFamily="18" charset="0"/>
+              </a:rPr>
+              <a:t>Simple scene design</a:t>
+            </a:r>
+          </a:p>
+        </p:txBody>
+      </p:sp>
+      <p:sp>
+        <p:nvSpPr>
+          <p:cNvPr id="7" name="TextBox 6">
+            <a:extLst>
+              <a:ext uri="{FF2B5EF4-FFF2-40B4-BE49-F238E27FC236}">
+                <a16:creationId xmlns:a16="http://schemas.microsoft.com/office/drawing/2014/main" id="{62070C51-DCE4-45BA-AAE3-B5F32134557F}"/>
+              </a:ext>
+            </a:extLst>
+          </p:cNvPr>
+          <p:cNvSpPr txBox="1"/>
+          <p:nvPr/>
+        </p:nvSpPr>
+        <p:spPr>
+          <a:xfrm>
+            <a:off x="501649" y="3938588"/>
+            <a:ext cx="8415337" cy="1200329"/>
+          </a:xfrm>
+          <a:prstGeom prst="rect">
+            <a:avLst/>
+          </a:prstGeom>
+          <a:noFill/>
+        </p:spPr>
+        <p:txBody>
+          <a:bodyPr wrap="square" rtlCol="0">
+            <a:spAutoFit/>
+          </a:bodyPr>
+          <a:lstStyle/>
+          <a:p>
+            <a:pPr algn="ctr"/>
+            <a:r>
+              <a:rPr lang="en-US" b="1" dirty="0">
+                <a:latin typeface="Times New Roman" panose="02020603050405020304" pitchFamily="18" charset="0"/>
+                <a:cs typeface="Times New Roman" panose="02020603050405020304" pitchFamily="18" charset="0"/>
+              </a:rPr>
+              <a:t>3.5: Future work</a:t>
+            </a:r>
+          </a:p>
+          <a:p>
+            <a:endParaRPr lang="en-US" dirty="0">
+              <a:latin typeface="Times New Roman" panose="02020603050405020304" pitchFamily="18" charset="0"/>
+              <a:cs typeface="Times New Roman" panose="02020603050405020304" pitchFamily="18" charset="0"/>
+            </a:endParaRPr>
+          </a:p>
+          <a:p>
+            <a:r>
+              <a:rPr lang="en-US" dirty="0">
+                <a:latin typeface="Times New Roman" panose="02020603050405020304" pitchFamily="18" charset="0"/>
+                <a:cs typeface="Times New Roman" panose="02020603050405020304" pitchFamily="18" charset="0"/>
+              </a:rPr>
+              <a:t>We hope to apply this knowledge to spontaneous robot data as obtained in the field or through experimentation.</a:t>
             </a:r>
           </a:p>
         </p:txBody>
@@ -10511,7 +11836,7 @@
                 <a:avLst/>
               </a:prstGeom>
               <a:blipFill>
-                <a:blip r:embed="rId2"/>
+                <a:blip r:embed="rId3"/>
                 <a:stretch>
                   <a:fillRect t="-524"/>
                 </a:stretch>
@@ -10582,8 +11907,8 @@
         </p:nvSpPr>
         <p:spPr>
           <a:xfrm>
-            <a:off x="8443913" y="1814513"/>
-            <a:ext cx="3557587" cy="600164"/>
+            <a:off x="345039" y="1932342"/>
+            <a:ext cx="3557587" cy="646331"/>
           </a:xfrm>
           <a:prstGeom prst="rect">
             <a:avLst/>
@@ -10597,17 +11922,26 @@
           <a:lstStyle/>
           <a:p>
             <a:r>
-              <a:rPr lang="en-US" sz="1100" dirty="0"/>
+              <a:rPr lang="en-US" sz="1200" dirty="0">
+                <a:latin typeface="Times New Roman" panose="02020603050405020304" pitchFamily="18" charset="0"/>
+                <a:cs typeface="Times New Roman" panose="02020603050405020304" pitchFamily="18" charset="0"/>
+              </a:rPr>
               <a:t>L = maximum possible pixel value of the image (e.g., 1.0 if normalized, 255 if 8-bit)</a:t>
             </a:r>
           </a:p>
           <a:p>
             <a:r>
-              <a:rPr lang="en-US" sz="1100" b="1" dirty="0"/>
+              <a:rPr lang="en-US" sz="1200" b="1" dirty="0">
+                <a:latin typeface="Times New Roman" panose="02020603050405020304" pitchFamily="18" charset="0"/>
+                <a:cs typeface="Times New Roman" panose="02020603050405020304" pitchFamily="18" charset="0"/>
+              </a:rPr>
               <a:t>MSE</a:t>
             </a:r>
             <a:r>
-              <a:rPr lang="en-US" sz="1100" dirty="0"/>
+              <a:rPr lang="en-US" sz="1200" dirty="0">
+                <a:latin typeface="Times New Roman" panose="02020603050405020304" pitchFamily="18" charset="0"/>
+                <a:cs typeface="Times New Roman" panose="02020603050405020304" pitchFamily="18" charset="0"/>
+              </a:rPr>
               <a:t>=BTW predicted and ground truth images:</a:t>
             </a:r>
           </a:p>
@@ -10627,8 +11961,8 @@
         </p:nvSpPr>
         <p:spPr>
           <a:xfrm>
-            <a:off x="8905230" y="3280915"/>
-            <a:ext cx="2810520" cy="1277273"/>
+            <a:off x="8593288" y="2807470"/>
+            <a:ext cx="3334300" cy="1600438"/>
           </a:xfrm>
           <a:prstGeom prst="rect">
             <a:avLst/>
@@ -10642,58 +11976,94 @@
           <a:lstStyle/>
           <a:p>
             <a:r>
-              <a:rPr lang="en-US" sz="1100" b="1" dirty="0"/>
+              <a:rPr lang="en-US" sz="1400" b="1" dirty="0">
+                <a:latin typeface="Times New Roman" panose="02020603050405020304" pitchFamily="18" charset="0"/>
+                <a:cs typeface="Times New Roman" panose="02020603050405020304" pitchFamily="18" charset="0"/>
+              </a:rPr>
               <a:t>x, y </a:t>
             </a:r>
             <a:r>
-              <a:rPr lang="en-US" sz="1100" dirty="0"/>
+              <a:rPr lang="en-US" sz="1400" dirty="0">
+                <a:latin typeface="Times New Roman" panose="02020603050405020304" pitchFamily="18" charset="0"/>
+                <a:cs typeface="Times New Roman" panose="02020603050405020304" pitchFamily="18" charset="0"/>
+              </a:rPr>
               <a:t>= local patches of predicted and ground truth images</a:t>
             </a:r>
           </a:p>
           <a:p>
             <a:r>
-              <a:rPr lang="en-US" sz="1100" b="1" dirty="0" err="1"/>
+              <a:rPr lang="en-US" sz="1400" b="1" dirty="0" err="1">
+                <a:latin typeface="Times New Roman" panose="02020603050405020304" pitchFamily="18" charset="0"/>
+                <a:cs typeface="Times New Roman" panose="02020603050405020304" pitchFamily="18" charset="0"/>
+              </a:rPr>
               <a:t>μx</a:t>
             </a:r>
             <a:r>
-              <a:rPr lang="en-US" sz="1100" b="1" dirty="0"/>
+              <a:rPr lang="en-US" sz="1400" b="1" dirty="0">
+                <a:latin typeface="Times New Roman" panose="02020603050405020304" pitchFamily="18" charset="0"/>
+                <a:cs typeface="Times New Roman" panose="02020603050405020304" pitchFamily="18" charset="0"/>
+              </a:rPr>
               <a:t>​, </a:t>
             </a:r>
             <a:r>
-              <a:rPr lang="en-US" sz="1100" b="1" dirty="0" err="1"/>
+              <a:rPr lang="en-US" sz="1400" b="1" dirty="0" err="1">
+                <a:latin typeface="Times New Roman" panose="02020603050405020304" pitchFamily="18" charset="0"/>
+                <a:cs typeface="Times New Roman" panose="02020603050405020304" pitchFamily="18" charset="0"/>
+              </a:rPr>
               <a:t>μy</a:t>
             </a:r>
             <a:r>
-              <a:rPr lang="en-US" sz="1100" dirty="0"/>
-              <a:t>​ = mean intensity of x and y</a:t>
-            </a:r>
-          </a:p>
-          <a:p>
-            <a:r>
-              <a:rPr lang="en-US" sz="1100" b="1" dirty="0"/>
+              <a:rPr lang="en-US" sz="1400" dirty="0">
+                <a:latin typeface="Times New Roman" panose="02020603050405020304" pitchFamily="18" charset="0"/>
+                <a:cs typeface="Times New Roman" panose="02020603050405020304" pitchFamily="18" charset="0"/>
+              </a:rPr>
+              <a:t>​ = mean pixel intensity of x and y</a:t>
+            </a:r>
+          </a:p>
+          <a:p>
+            <a:r>
+              <a:rPr lang="en-US" sz="1400" b="1" dirty="0">
+                <a:latin typeface="Times New Roman" panose="02020603050405020304" pitchFamily="18" charset="0"/>
+                <a:cs typeface="Times New Roman" panose="02020603050405020304" pitchFamily="18" charset="0"/>
+              </a:rPr>
               <a:t>σx2​,σy2</a:t>
             </a:r>
             <a:r>
-              <a:rPr lang="en-US" sz="1100" dirty="0"/>
+              <a:rPr lang="en-US" sz="1400" dirty="0">
+                <a:latin typeface="Times New Roman" panose="02020603050405020304" pitchFamily="18" charset="0"/>
+                <a:cs typeface="Times New Roman" panose="02020603050405020304" pitchFamily="18" charset="0"/>
+              </a:rPr>
               <a:t>​ = variance of x and y</a:t>
             </a:r>
           </a:p>
           <a:p>
             <a:r>
-              <a:rPr lang="en-US" sz="1100" b="1" dirty="0" err="1"/>
+              <a:rPr lang="en-US" sz="1400" b="1" dirty="0" err="1">
+                <a:latin typeface="Times New Roman" panose="02020603050405020304" pitchFamily="18" charset="0"/>
+                <a:cs typeface="Times New Roman" panose="02020603050405020304" pitchFamily="18" charset="0"/>
+              </a:rPr>
               <a:t>σxy</a:t>
             </a:r>
             <a:r>
-              <a:rPr lang="en-US" sz="1100" dirty="0"/>
+              <a:rPr lang="en-US" sz="1400" dirty="0">
+                <a:latin typeface="Times New Roman" panose="02020603050405020304" pitchFamily="18" charset="0"/>
+                <a:cs typeface="Times New Roman" panose="02020603050405020304" pitchFamily="18" charset="0"/>
+              </a:rPr>
               <a:t>​ = covariance between x and y</a:t>
             </a:r>
           </a:p>
           <a:p>
-            <a:endParaRPr lang="en-US" sz="1100" dirty="0"/>
-          </a:p>
-          <a:p>
-            <a:r>
-              <a:rPr lang="en-US" sz="1100" dirty="0"/>
+            <a:endParaRPr lang="en-US" sz="1400" dirty="0">
+              <a:latin typeface="Times New Roman" panose="02020603050405020304" pitchFamily="18" charset="0"/>
+              <a:cs typeface="Times New Roman" panose="02020603050405020304" pitchFamily="18" charset="0"/>
+            </a:endParaRPr>
+          </a:p>
+          <a:p>
+            <a:r>
+              <a:rPr lang="en-US" sz="1400" dirty="0">
+                <a:latin typeface="Times New Roman" panose="02020603050405020304" pitchFamily="18" charset="0"/>
+                <a:cs typeface="Times New Roman" panose="02020603050405020304" pitchFamily="18" charset="0"/>
+              </a:rPr>
               <a:t>Others= Stabilization constants</a:t>
             </a:r>
           </a:p>
@@ -10715,8 +12085,8 @@
             </p:nvSpPr>
             <p:spPr>
               <a:xfrm>
-                <a:off x="223288" y="4913091"/>
-                <a:ext cx="4493855" cy="1175194"/>
+                <a:off x="261237" y="4113223"/>
+                <a:ext cx="3334300" cy="1388329"/>
               </a:xfrm>
               <a:prstGeom prst="rect">
                 <a:avLst/>
@@ -10730,16 +12100,25 @@
               <a:lstStyle/>
               <a:p>
                 <a:r>
-                  <a:rPr lang="en-US" sz="1000" i="1" dirty="0"/>
+                  <a:rPr lang="en-US" sz="1200" i="1" dirty="0">
+                    <a:latin typeface="Times New Roman" panose="02020603050405020304" pitchFamily="18" charset="0"/>
+                    <a:cs typeface="Times New Roman" panose="02020603050405020304" pitchFamily="18" charset="0"/>
+                  </a:rPr>
                   <a:t>x, y </a:t>
                 </a:r>
                 <a:r>
-                  <a:rPr lang="en-US" sz="1000" dirty="0"/>
+                  <a:rPr lang="en-US" sz="1200" dirty="0">
+                    <a:latin typeface="Times New Roman" panose="02020603050405020304" pitchFamily="18" charset="0"/>
+                    <a:cs typeface="Times New Roman" panose="02020603050405020304" pitchFamily="18" charset="0"/>
+                  </a:rPr>
                   <a:t>= images</a:t>
                 </a:r>
               </a:p>
               <a:p>
-                <a:endParaRPr lang="en-US" sz="1000" dirty="0"/>
+                <a:endParaRPr lang="en-US" sz="1200" dirty="0">
+                  <a:latin typeface="Times New Roman" panose="02020603050405020304" pitchFamily="18" charset="0"/>
+                  <a:cs typeface="Times New Roman" panose="02020603050405020304" pitchFamily="18" charset="0"/>
+                </a:endParaRPr>
               </a:p>
               <a:p>
                 <a:pPr/>
@@ -10752,7 +12131,7 @@
                       <m:sSup>
                         <m:sSupPr>
                           <m:ctrlPr>
-                            <a:rPr lang="en-US" sz="1000" i="1">
+                            <a:rPr lang="en-US" sz="1200" i="1">
                               <a:latin typeface="Cambria Math" panose="02040503050406030204" pitchFamily="18" charset="0"/>
                             </a:rPr>
                           </m:ctrlPr>
@@ -10762,14 +12141,14 @@
                             <m:accPr>
                               <m:chr m:val="̂"/>
                               <m:ctrlPr>
-                                <a:rPr lang="en-US" sz="1000" i="1">
+                                <a:rPr lang="en-US" sz="1200" i="1">
                                   <a:latin typeface="Cambria Math" panose="02040503050406030204" pitchFamily="18" charset="0"/>
                                 </a:rPr>
                               </m:ctrlPr>
                             </m:accPr>
                             <m:e>
                               <m:r>
-                                <a:rPr lang="en-US" sz="1000" i="1">
+                                <a:rPr lang="en-US" sz="1200" i="1">
                                   <a:latin typeface="Cambria Math" panose="02040503050406030204" pitchFamily="18" charset="0"/>
                                 </a:rPr>
                                 <m:t>𝑥</m:t>
@@ -10779,7 +12158,7 @@
                         </m:e>
                         <m:sup>
                           <m:r>
-                            <a:rPr lang="en-US" sz="1000" i="1">
+                            <a:rPr lang="en-US" sz="1200" i="1">
                               <a:latin typeface="Cambria Math" panose="02040503050406030204" pitchFamily="18" charset="0"/>
                             </a:rPr>
                             <m:t>𝑙</m:t>
@@ -10787,7 +12166,7 @@
                         </m:sup>
                       </m:sSup>
                       <m:r>
-                        <a:rPr lang="en-US" sz="1000" i="1">
+                        <a:rPr lang="en-US" sz="1200" i="1">
                           <a:latin typeface="Cambria Math" panose="02040503050406030204" pitchFamily="18" charset="0"/>
                         </a:rPr>
                         <m:t>, </m:t>
@@ -10795,7 +12174,7 @@
                       <m:sSup>
                         <m:sSupPr>
                           <m:ctrlPr>
-                            <a:rPr lang="en-US" sz="1000" i="1">
+                            <a:rPr lang="en-US" sz="1200" i="1">
                               <a:latin typeface="Cambria Math" panose="02040503050406030204" pitchFamily="18" charset="0"/>
                             </a:rPr>
                           </m:ctrlPr>
@@ -10805,14 +12184,14 @@
                             <m:accPr>
                               <m:chr m:val="̂"/>
                               <m:ctrlPr>
-                                <a:rPr lang="en-US" sz="1000" i="1">
+                                <a:rPr lang="en-US" sz="1200" i="1">
                                   <a:latin typeface="Cambria Math" panose="02040503050406030204" pitchFamily="18" charset="0"/>
                                 </a:rPr>
                               </m:ctrlPr>
                             </m:accPr>
                             <m:e>
                               <m:r>
-                                <a:rPr lang="en-US" sz="1000" i="1">
+                                <a:rPr lang="en-US" sz="1200" i="1">
                                   <a:latin typeface="Cambria Math" panose="02040503050406030204" pitchFamily="18" charset="0"/>
                                 </a:rPr>
                                 <m:t>𝑦</m:t>
@@ -10822,7 +12201,7 @@
                         </m:e>
                         <m:sup>
                           <m:r>
-                            <a:rPr lang="en-US" sz="1000" i="1">
+                            <a:rPr lang="en-US" sz="1200" i="1">
                               <a:latin typeface="Cambria Math" panose="02040503050406030204" pitchFamily="18" charset="0"/>
                             </a:rPr>
                             <m:t>𝑙</m:t>
@@ -10830,7 +12209,7 @@
                         </m:sup>
                       </m:sSup>
                       <m:r>
-                        <a:rPr lang="en-US" sz="1000" b="0" i="1" smtClean="0">
+                        <a:rPr lang="en-US" sz="1200" b="0" i="1" smtClean="0">
                           <a:latin typeface="Cambria Math" panose="02040503050406030204" pitchFamily="18" charset="0"/>
                         </a:rPr>
                         <m:t>:</m:t>
@@ -10839,13 +12218,13 @@
                         <m:rPr>
                           <m:sty m:val="p"/>
                         </m:rPr>
-                        <a:rPr lang="en-US" sz="1000">
+                        <a:rPr lang="en-US" sz="1200">
                           <a:latin typeface="Cambria Math" panose="02040503050406030204" pitchFamily="18" charset="0"/>
                         </a:rPr>
                         <m:t>feature</m:t>
                       </m:r>
                       <m:r>
-                        <a:rPr lang="en-US" sz="1000">
+                        <a:rPr lang="en-US" sz="1200">
                           <a:latin typeface="Cambria Math" panose="02040503050406030204" pitchFamily="18" charset="0"/>
                         </a:rPr>
                         <m:t> </m:t>
@@ -10854,13 +12233,13 @@
                         <m:rPr>
                           <m:sty m:val="p"/>
                         </m:rPr>
-                        <a:rPr lang="en-US" sz="1000">
+                        <a:rPr lang="en-US" sz="1200">
                           <a:latin typeface="Cambria Math" panose="02040503050406030204" pitchFamily="18" charset="0"/>
                         </a:rPr>
                         <m:t>activations</m:t>
                       </m:r>
                       <m:r>
-                        <a:rPr lang="en-US" sz="1000">
+                        <a:rPr lang="en-US" sz="1200">
                           <a:latin typeface="Cambria Math" panose="02040503050406030204" pitchFamily="18" charset="0"/>
                         </a:rPr>
                         <m:t> </m:t>
@@ -10869,13 +12248,13 @@
                         <m:rPr>
                           <m:sty m:val="p"/>
                         </m:rPr>
-                        <a:rPr lang="en-US" sz="1000">
+                        <a:rPr lang="en-US" sz="1200">
                           <a:latin typeface="Cambria Math" panose="02040503050406030204" pitchFamily="18" charset="0"/>
                         </a:rPr>
                         <m:t>of</m:t>
                       </m:r>
                       <m:r>
-                        <a:rPr lang="en-US" sz="1000">
+                        <a:rPr lang="en-US" sz="1200">
                           <a:latin typeface="Cambria Math" panose="02040503050406030204" pitchFamily="18" charset="0"/>
                         </a:rPr>
                         <m:t> </m:t>
@@ -10884,13 +12263,13 @@
                         <m:rPr>
                           <m:sty m:val="p"/>
                         </m:rPr>
-                        <a:rPr lang="en-US" sz="1000">
+                        <a:rPr lang="en-US" sz="1200">
                           <a:latin typeface="Cambria Math" panose="02040503050406030204" pitchFamily="18" charset="0"/>
                         </a:rPr>
                         <m:t>a</m:t>
                       </m:r>
                       <m:r>
-                        <a:rPr lang="en-US" sz="1000">
+                        <a:rPr lang="en-US" sz="1200">
                           <a:latin typeface="Cambria Math" panose="02040503050406030204" pitchFamily="18" charset="0"/>
                         </a:rPr>
                         <m:t> </m:t>
@@ -10899,13 +12278,13 @@
                         <m:rPr>
                           <m:sty m:val="p"/>
                         </m:rPr>
-                        <a:rPr lang="en-US" sz="1000">
+                        <a:rPr lang="en-US" sz="1200">
                           <a:latin typeface="Cambria Math" panose="02040503050406030204" pitchFamily="18" charset="0"/>
                         </a:rPr>
                         <m:t>pretrained</m:t>
                       </m:r>
                       <m:r>
-                        <a:rPr lang="en-US" sz="1000">
+                        <a:rPr lang="en-US" sz="1200">
                           <a:latin typeface="Cambria Math" panose="02040503050406030204" pitchFamily="18" charset="0"/>
                         </a:rPr>
                         <m:t> </m:t>
@@ -10914,13 +12293,13 @@
                         <m:rPr>
                           <m:sty m:val="p"/>
                         </m:rPr>
-                        <a:rPr lang="en-US" sz="1000">
+                        <a:rPr lang="en-US" sz="1200">
                           <a:latin typeface="Cambria Math" panose="02040503050406030204" pitchFamily="18" charset="0"/>
                         </a:rPr>
                         <m:t>network</m:t>
                       </m:r>
                       <m:r>
-                        <a:rPr lang="en-US" sz="1000">
+                        <a:rPr lang="en-US" sz="1200">
                           <a:latin typeface="Cambria Math" panose="02040503050406030204" pitchFamily="18" charset="0"/>
                         </a:rPr>
                         <m:t> (</m:t>
@@ -10929,13 +12308,13 @@
                         <m:rPr>
                           <m:sty m:val="p"/>
                         </m:rPr>
-                        <a:rPr lang="en-US" sz="1000">
+                        <a:rPr lang="en-US" sz="1200">
                           <a:latin typeface="Cambria Math" panose="02040503050406030204" pitchFamily="18" charset="0"/>
                         </a:rPr>
                         <m:t>e</m:t>
                       </m:r>
                       <m:r>
-                        <a:rPr lang="en-US" sz="1000">
+                        <a:rPr lang="en-US" sz="1200">
                           <a:latin typeface="Cambria Math" panose="02040503050406030204" pitchFamily="18" charset="0"/>
                         </a:rPr>
                         <m:t>.</m:t>
@@ -10944,13 +12323,13 @@
                         <m:rPr>
                           <m:sty m:val="p"/>
                         </m:rPr>
-                        <a:rPr lang="en-US" sz="1000">
+                        <a:rPr lang="en-US" sz="1200">
                           <a:latin typeface="Cambria Math" panose="02040503050406030204" pitchFamily="18" charset="0"/>
                         </a:rPr>
                         <m:t>g</m:t>
                       </m:r>
                       <m:r>
-                        <a:rPr lang="en-US" sz="1000">
+                        <a:rPr lang="en-US" sz="1200">
                           <a:latin typeface="Cambria Math" panose="02040503050406030204" pitchFamily="18" charset="0"/>
                         </a:rPr>
                         <m:t>., </m:t>
@@ -10959,13 +12338,13 @@
                         <m:rPr>
                           <m:sty m:val="p"/>
                         </m:rPr>
-                        <a:rPr lang="en-US" sz="1000">
+                        <a:rPr lang="en-US" sz="1200">
                           <a:latin typeface="Cambria Math" panose="02040503050406030204" pitchFamily="18" charset="0"/>
                         </a:rPr>
                         <m:t>AlexNet</m:t>
                       </m:r>
                       <m:r>
-                        <a:rPr lang="en-US" sz="1000">
+                        <a:rPr lang="en-US" sz="1200">
                           <a:latin typeface="Cambria Math" panose="02040503050406030204" pitchFamily="18" charset="0"/>
                         </a:rPr>
                         <m:t>, </m:t>
@@ -10974,13 +12353,13 @@
                         <m:rPr>
                           <m:sty m:val="p"/>
                         </m:rPr>
-                        <a:rPr lang="en-US" sz="1000">
+                        <a:rPr lang="en-US" sz="1200">
                           <a:latin typeface="Cambria Math" panose="02040503050406030204" pitchFamily="18" charset="0"/>
                         </a:rPr>
                         <m:t>VGG</m:t>
                       </m:r>
                       <m:r>
-                        <a:rPr lang="en-US" sz="1000">
+                        <a:rPr lang="en-US" sz="1200">
                           <a:latin typeface="Cambria Math" panose="02040503050406030204" pitchFamily="18" charset="0"/>
                         </a:rPr>
                         <m:t>) </m:t>
@@ -10989,13 +12368,13 @@
                         <m:rPr>
                           <m:sty m:val="p"/>
                         </m:rPr>
-                        <a:rPr lang="en-US" sz="1000">
+                        <a:rPr lang="en-US" sz="1200">
                           <a:latin typeface="Cambria Math" panose="02040503050406030204" pitchFamily="18" charset="0"/>
                         </a:rPr>
                         <m:t>at</m:t>
                       </m:r>
                       <m:r>
-                        <a:rPr lang="en-US" sz="1000">
+                        <a:rPr lang="en-US" sz="1200">
                           <a:latin typeface="Cambria Math" panose="02040503050406030204" pitchFamily="18" charset="0"/>
                         </a:rPr>
                         <m:t> </m:t>
@@ -11004,19 +12383,19 @@
                         <m:rPr>
                           <m:sty m:val="p"/>
                         </m:rPr>
-                        <a:rPr lang="en-US" sz="1000">
+                        <a:rPr lang="en-US" sz="1200">
                           <a:latin typeface="Cambria Math" panose="02040503050406030204" pitchFamily="18" charset="0"/>
                         </a:rPr>
                         <m:t>layer</m:t>
                       </m:r>
                       <m:r>
-                        <a:rPr lang="en-US" sz="1000" i="1">
+                        <a:rPr lang="en-US" sz="1200" i="1">
                           <a:latin typeface="Cambria Math" panose="02040503050406030204" pitchFamily="18" charset="0"/>
                         </a:rPr>
                         <m:t> </m:t>
                       </m:r>
                       <m:r>
-                        <a:rPr lang="en-US" sz="1000" i="1">
+                        <a:rPr lang="en-US" sz="1200" i="1">
                           <a:latin typeface="Cambria Math" panose="02040503050406030204" pitchFamily="18" charset="0"/>
                         </a:rPr>
                         <m:t>𝑙</m:t>
@@ -11024,7 +12403,10 @@
                     </m:oMath>
                   </m:oMathPara>
                 </a14:m>
-                <a:endParaRPr lang="en-US" sz="1000" dirty="0"/>
+                <a:endParaRPr lang="en-US" sz="1200" dirty="0">
+                  <a:latin typeface="Times New Roman" panose="02020603050405020304" pitchFamily="18" charset="0"/>
+                  <a:cs typeface="Times New Roman" panose="02020603050405020304" pitchFamily="18" charset="0"/>
+                </a:endParaRPr>
               </a:p>
               <a:p>
                 <a:pPr/>
@@ -11037,14 +12419,14 @@
                       <m:sSub>
                         <m:sSubPr>
                           <m:ctrlPr>
-                            <a:rPr lang="en-US" sz="1000" i="1">
+                            <a:rPr lang="en-US" sz="1200" i="1">
                               <a:latin typeface="Cambria Math" panose="02040503050406030204" pitchFamily="18" charset="0"/>
                             </a:rPr>
                           </m:ctrlPr>
                         </m:sSubPr>
                         <m:e>
                           <m:r>
-                            <a:rPr lang="en-US" sz="1000" i="1">
+                            <a:rPr lang="en-US" sz="1200" i="1">
                               <a:latin typeface="Cambria Math" panose="02040503050406030204" pitchFamily="18" charset="0"/>
                             </a:rPr>
                             <m:t>𝑤</m:t>
@@ -11052,7 +12434,7 @@
                         </m:e>
                         <m:sub>
                           <m:r>
-                            <a:rPr lang="en-US" sz="1000" i="1">
+                            <a:rPr lang="en-US" sz="1200" i="1">
                               <a:latin typeface="Cambria Math" panose="02040503050406030204" pitchFamily="18" charset="0"/>
                             </a:rPr>
                             <m:t>𝑙</m:t>
@@ -11060,7 +12442,7 @@
                         </m:sub>
                       </m:sSub>
                       <m:r>
-                        <a:rPr lang="en-US" sz="1000" i="1">
+                        <a:rPr lang="en-US" sz="1200" i="1">
                           <a:latin typeface="Cambria Math" panose="02040503050406030204" pitchFamily="18" charset="0"/>
                         </a:rPr>
                         <m:t>= </m:t>
@@ -11069,13 +12451,13 @@
                         <m:rPr>
                           <m:sty m:val="p"/>
                         </m:rPr>
-                        <a:rPr lang="en-US" sz="1000">
+                        <a:rPr lang="en-US" sz="1200">
                           <a:latin typeface="Cambria Math" panose="02040503050406030204" pitchFamily="18" charset="0"/>
                         </a:rPr>
                         <m:t>learned</m:t>
                       </m:r>
                       <m:r>
-                        <a:rPr lang="en-US" sz="1000">
+                        <a:rPr lang="en-US" sz="1200">
                           <a:latin typeface="Cambria Math" panose="02040503050406030204" pitchFamily="18" charset="0"/>
                         </a:rPr>
                         <m:t> </m:t>
@@ -11084,13 +12466,13 @@
                         <m:rPr>
                           <m:sty m:val="p"/>
                         </m:rPr>
-                        <a:rPr lang="en-US" sz="1000">
+                        <a:rPr lang="en-US" sz="1200">
                           <a:latin typeface="Cambria Math" panose="02040503050406030204" pitchFamily="18" charset="0"/>
                         </a:rPr>
                         <m:t>per</m:t>
                       </m:r>
                       <m:r>
-                        <a:rPr lang="en-US" sz="1000" i="1">
+                        <a:rPr lang="en-US" sz="1200" i="1">
                           <a:latin typeface="Cambria Math" panose="02040503050406030204" pitchFamily="18" charset="0"/>
                         </a:rPr>
                         <m:t>−</m:t>
@@ -11099,13 +12481,13 @@
                         <m:rPr>
                           <m:sty m:val="p"/>
                         </m:rPr>
-                        <a:rPr lang="en-US" sz="1000">
+                        <a:rPr lang="en-US" sz="1200">
                           <a:latin typeface="Cambria Math" panose="02040503050406030204" pitchFamily="18" charset="0"/>
                         </a:rPr>
                         <m:t>channel</m:t>
                       </m:r>
                       <m:r>
-                        <a:rPr lang="en-US" sz="1000">
+                        <a:rPr lang="en-US" sz="1200">
                           <a:latin typeface="Cambria Math" panose="02040503050406030204" pitchFamily="18" charset="0"/>
                         </a:rPr>
                         <m:t> </m:t>
@@ -11114,13 +12496,13 @@
                         <m:rPr>
                           <m:sty m:val="p"/>
                         </m:rPr>
-                        <a:rPr lang="en-US" sz="1000">
+                        <a:rPr lang="en-US" sz="1200">
                           <a:latin typeface="Cambria Math" panose="02040503050406030204" pitchFamily="18" charset="0"/>
                         </a:rPr>
                         <m:t>weights</m:t>
                       </m:r>
                       <m:r>
-                        <a:rPr lang="en-US" sz="1000">
+                        <a:rPr lang="en-US" sz="1200">
                           <a:latin typeface="Cambria Math" panose="02040503050406030204" pitchFamily="18" charset="0"/>
                         </a:rPr>
                         <m:t> </m:t>
@@ -11129,13 +12511,13 @@
                         <m:rPr>
                           <m:sty m:val="p"/>
                         </m:rPr>
-                        <a:rPr lang="en-US" sz="1000">
+                        <a:rPr lang="en-US" sz="1200">
                           <a:latin typeface="Cambria Math" panose="02040503050406030204" pitchFamily="18" charset="0"/>
                         </a:rPr>
                         <m:t>for</m:t>
                       </m:r>
                       <m:r>
-                        <a:rPr lang="en-US" sz="1000">
+                        <a:rPr lang="en-US" sz="1200">
                           <a:latin typeface="Cambria Math" panose="02040503050406030204" pitchFamily="18" charset="0"/>
                         </a:rPr>
                         <m:t> </m:t>
@@ -11144,19 +12526,19 @@
                         <m:rPr>
                           <m:sty m:val="p"/>
                         </m:rPr>
-                        <a:rPr lang="en-US" sz="1000">
+                        <a:rPr lang="en-US" sz="1200">
                           <a:latin typeface="Cambria Math" panose="02040503050406030204" pitchFamily="18" charset="0"/>
                         </a:rPr>
                         <m:t>layer</m:t>
                       </m:r>
                       <m:r>
-                        <a:rPr lang="en-US" sz="1000">
+                        <a:rPr lang="en-US" sz="1200">
                           <a:latin typeface="Cambria Math" panose="02040503050406030204" pitchFamily="18" charset="0"/>
                         </a:rPr>
                         <m:t> </m:t>
                       </m:r>
                       <m:r>
-                        <a:rPr lang="en-US" sz="1000" i="1">
+                        <a:rPr lang="en-US" sz="1200" i="1">
                           <a:latin typeface="Cambria Math" panose="02040503050406030204" pitchFamily="18" charset="0"/>
                         </a:rPr>
                         <m:t>𝑙</m:t>
@@ -11164,7 +12546,10 @@
                     </m:oMath>
                   </m:oMathPara>
                 </a14:m>
-                <a:endParaRPr lang="en-US" sz="1000" dirty="0"/>
+                <a:endParaRPr lang="en-US" sz="1200" dirty="0">
+                  <a:latin typeface="Times New Roman" panose="02020603050405020304" pitchFamily="18" charset="0"/>
+                  <a:cs typeface="Times New Roman" panose="02020603050405020304" pitchFamily="18" charset="0"/>
+                </a:endParaRPr>
               </a:p>
               <a:p>
                 <a:pPr/>
@@ -11177,14 +12562,14 @@
                       <m:sSub>
                         <m:sSubPr>
                           <m:ctrlPr>
-                            <a:rPr lang="en-US" sz="1000" i="1">
+                            <a:rPr lang="en-US" sz="1200" i="1">
                               <a:latin typeface="Cambria Math" panose="02040503050406030204" pitchFamily="18" charset="0"/>
                             </a:rPr>
                           </m:ctrlPr>
                         </m:sSubPr>
                         <m:e>
                           <m:r>
-                            <a:rPr lang="en-US" sz="1000" i="1">
+                            <a:rPr lang="en-US" sz="1200" i="1">
                               <a:latin typeface="Cambria Math" panose="02040503050406030204" pitchFamily="18" charset="0"/>
                             </a:rPr>
                             <m:t>𝐻</m:t>
@@ -11192,7 +12577,7 @@
                         </m:e>
                         <m:sub>
                           <m:r>
-                            <a:rPr lang="en-US" sz="1000" i="1">
+                            <a:rPr lang="en-US" sz="1200" i="1">
                               <a:latin typeface="Cambria Math" panose="02040503050406030204" pitchFamily="18" charset="0"/>
                             </a:rPr>
                             <m:t>𝑙</m:t>
@@ -11200,7 +12585,7 @@
                         </m:sub>
                       </m:sSub>
                       <m:r>
-                        <a:rPr lang="en-US" sz="1000" i="1">
+                        <a:rPr lang="en-US" sz="1200" i="1">
                           <a:latin typeface="Cambria Math" panose="02040503050406030204" pitchFamily="18" charset="0"/>
                         </a:rPr>
                         <m:t>, </m:t>
@@ -11208,14 +12593,14 @@
                       <m:sSub>
                         <m:sSubPr>
                           <m:ctrlPr>
-                            <a:rPr lang="en-US" sz="1000" i="1">
+                            <a:rPr lang="en-US" sz="1200" i="1">
                               <a:latin typeface="Cambria Math" panose="02040503050406030204" pitchFamily="18" charset="0"/>
                             </a:rPr>
                           </m:ctrlPr>
                         </m:sSubPr>
                         <m:e>
                           <m:r>
-                            <a:rPr lang="en-US" sz="1000" i="1">
+                            <a:rPr lang="en-US" sz="1200" i="1">
                               <a:latin typeface="Cambria Math" panose="02040503050406030204" pitchFamily="18" charset="0"/>
                             </a:rPr>
                             <m:t>𝑊</m:t>
@@ -11223,7 +12608,7 @@
                         </m:e>
                         <m:sub>
                           <m:r>
-                            <a:rPr lang="en-US" sz="1000" i="1">
+                            <a:rPr lang="en-US" sz="1200" i="1">
                               <a:latin typeface="Cambria Math" panose="02040503050406030204" pitchFamily="18" charset="0"/>
                             </a:rPr>
                             <m:t>𝑙</m:t>
@@ -11231,7 +12616,7 @@
                         </m:sub>
                       </m:sSub>
                       <m:r>
-                        <a:rPr lang="en-US" sz="1000" i="1">
+                        <a:rPr lang="en-US" sz="1200" i="1">
                           <a:latin typeface="Cambria Math" panose="02040503050406030204" pitchFamily="18" charset="0"/>
                         </a:rPr>
                         <m:t> = </m:t>
@@ -11240,13 +12625,13 @@
                         <m:rPr>
                           <m:sty m:val="p"/>
                         </m:rPr>
-                        <a:rPr lang="en-US" sz="1000">
+                        <a:rPr lang="en-US" sz="1200">
                           <a:latin typeface="Cambria Math" panose="02040503050406030204" pitchFamily="18" charset="0"/>
                         </a:rPr>
                         <m:t>spatial</m:t>
                       </m:r>
                       <m:r>
-                        <a:rPr lang="en-US" sz="1000">
+                        <a:rPr lang="en-US" sz="1200">
                           <a:latin typeface="Cambria Math" panose="02040503050406030204" pitchFamily="18" charset="0"/>
                         </a:rPr>
                         <m:t> </m:t>
@@ -11255,13 +12640,13 @@
                         <m:rPr>
                           <m:sty m:val="p"/>
                         </m:rPr>
-                        <a:rPr lang="en-US" sz="1000">
+                        <a:rPr lang="en-US" sz="1200">
                           <a:latin typeface="Cambria Math" panose="02040503050406030204" pitchFamily="18" charset="0"/>
                         </a:rPr>
                         <m:t>dimensions</m:t>
                       </m:r>
                       <m:r>
-                        <a:rPr lang="en-US" sz="1000">
+                        <a:rPr lang="en-US" sz="1200">
                           <a:latin typeface="Cambria Math" panose="02040503050406030204" pitchFamily="18" charset="0"/>
                         </a:rPr>
                         <m:t> </m:t>
@@ -11270,13 +12655,13 @@
                         <m:rPr>
                           <m:sty m:val="p"/>
                         </m:rPr>
-                        <a:rPr lang="en-US" sz="1000">
+                        <a:rPr lang="en-US" sz="1200">
                           <a:latin typeface="Cambria Math" panose="02040503050406030204" pitchFamily="18" charset="0"/>
                         </a:rPr>
                         <m:t>of</m:t>
                       </m:r>
                       <m:r>
-                        <a:rPr lang="en-US" sz="1000">
+                        <a:rPr lang="en-US" sz="1200">
                           <a:latin typeface="Cambria Math" panose="02040503050406030204" pitchFamily="18" charset="0"/>
                         </a:rPr>
                         <m:t> </m:t>
@@ -11285,19 +12670,19 @@
                         <m:rPr>
                           <m:sty m:val="p"/>
                         </m:rPr>
-                        <a:rPr lang="en-US" sz="1000">
+                        <a:rPr lang="en-US" sz="1200">
                           <a:latin typeface="Cambria Math" panose="02040503050406030204" pitchFamily="18" charset="0"/>
                         </a:rPr>
                         <m:t>layer</m:t>
                       </m:r>
                       <m:r>
-                        <a:rPr lang="en-US" sz="1000">
+                        <a:rPr lang="en-US" sz="1200">
                           <a:latin typeface="Cambria Math" panose="02040503050406030204" pitchFamily="18" charset="0"/>
                         </a:rPr>
                         <m:t> </m:t>
                       </m:r>
                       <m:r>
-                        <a:rPr lang="en-US" sz="1000" i="1">
+                        <a:rPr lang="en-US" sz="1200" i="1">
                           <a:latin typeface="Cambria Math" panose="02040503050406030204" pitchFamily="18" charset="0"/>
                         </a:rPr>
                         <m:t>𝑙</m:t>
@@ -11305,13 +12690,22 @@
                     </m:oMath>
                   </m:oMathPara>
                 </a14:m>
-                <a:endParaRPr lang="en-US" sz="1000" dirty="0"/>
+                <a:endParaRPr lang="en-US" sz="1200" dirty="0">
+                  <a:latin typeface="Times New Roman" panose="02020603050405020304" pitchFamily="18" charset="0"/>
+                  <a:cs typeface="Times New Roman" panose="02020603050405020304" pitchFamily="18" charset="0"/>
+                </a:endParaRPr>
               </a:p>
               <a:p>
-                <a:endParaRPr lang="en-US" sz="1000" dirty="0"/>
+                <a:endParaRPr lang="en-US" sz="1200" dirty="0">
+                  <a:latin typeface="Times New Roman" panose="02020603050405020304" pitchFamily="18" charset="0"/>
+                  <a:cs typeface="Times New Roman" panose="02020603050405020304" pitchFamily="18" charset="0"/>
+                </a:endParaRPr>
               </a:p>
               <a:p>
-                <a:endParaRPr lang="en-US" sz="1000" dirty="0"/>
+                <a:endParaRPr lang="en-US" sz="1200" dirty="0">
+                  <a:latin typeface="Times New Roman" panose="02020603050405020304" pitchFamily="18" charset="0"/>
+                  <a:cs typeface="Times New Roman" panose="02020603050405020304" pitchFamily="18" charset="0"/>
+                </a:endParaRPr>
               </a:p>
             </p:txBody>
           </p:sp>
@@ -11333,16 +12727,16 @@
             </p:nvSpPr>
             <p:spPr>
               <a:xfrm>
-                <a:off x="223288" y="4913091"/>
-                <a:ext cx="4493855" cy="1175194"/>
+                <a:off x="261237" y="4113223"/>
+                <a:ext cx="3334300" cy="1388329"/>
               </a:xfrm>
               <a:prstGeom prst="rect">
                 <a:avLst/>
               </a:prstGeom>
               <a:blipFill>
-                <a:blip r:embed="rId3"/>
+                <a:blip r:embed="rId4"/>
                 <a:stretch>
-                  <a:fillRect/>
+                  <a:fillRect l="-183" t="-441" r="-58684"/>
                 </a:stretch>
               </a:blipFill>
             </p:spPr>
@@ -11428,7 +12822,7 @@
         <p:spPr>
           <a:xfrm>
             <a:off x="857250" y="1673573"/>
-            <a:ext cx="9588190" cy="4832092"/>
+            <a:ext cx="9588190" cy="4278094"/>
           </a:xfrm>
           <a:prstGeom prst="rect">
             <a:avLst/>
@@ -11480,7 +12874,7 @@
             </a:pPr>
             <a:r>
               <a:rPr lang="en-US" dirty="0"/>
-              <a:t>Supervises only static pixels (dynamic regions ignored during optimization).</a:t>
+              <a:t>Maintains structural integrity</a:t>
             </a:r>
           </a:p>
           <a:p>
@@ -11492,32 +12886,28 @@
               <a:rPr lang="en-US" dirty="0"/>
               <a:t>Simpler to implement.</a:t>
             </a:r>
-            <a:endParaRPr sz="2000" dirty="0"/>
-          </a:p>
-          <a:p>
-            <a:r>
-              <a:rPr sz="2000" dirty="0"/>
-              <a:t>2</a:t>
-            </a:r>
-            <a:r>
-              <a:rPr sz="2000" b="1" dirty="0"/>
-              <a:t>. Ray Filtering </a:t>
-            </a:r>
-            <a:r>
-              <a:rPr sz="2000" dirty="0"/>
-              <a:t>– Discard rays passing through dynamic regions.</a:t>
-            </a:r>
-            <a:endParaRPr lang="en-US" sz="2000" dirty="0"/>
           </a:p>
           <a:p>
             <a:pPr marL="285750" indent="-285750">
               <a:buFont typeface="Arial" panose="020B0604020202020204" pitchFamily="34" charset="0"/>
               <a:buChar char="•"/>
             </a:pPr>
-            <a:r>
-              <a:rPr lang="en-US" sz="2000" dirty="0"/>
-              <a:t>Removes masked rays fully from training</a:t>
-            </a:r>
+            <a:endParaRPr sz="2000" dirty="0"/>
+          </a:p>
+          <a:p>
+            <a:r>
+              <a:rPr sz="2000" dirty="0"/>
+              <a:t>2</a:t>
+            </a:r>
+            <a:r>
+              <a:rPr sz="2000" b="1" dirty="0"/>
+              <a:t>. Ray Filtering </a:t>
+            </a:r>
+            <a:r>
+              <a:rPr sz="2000" dirty="0"/>
+              <a:t>– Discard rays passing through dynamic regions.</a:t>
+            </a:r>
+            <a:endParaRPr lang="en-US" sz="2000" dirty="0"/>
           </a:p>
           <a:p>
             <a:pPr marL="285750" indent="-285750">
@@ -11526,7 +12916,7 @@
             </a:pPr>
             <a:r>
               <a:rPr lang="en-US" sz="2000" dirty="0"/>
-              <a:t>Higher PSNR</a:t>
+              <a:t>Removes masked rays fully from training</a:t>
             </a:r>
           </a:p>
           <a:p>
@@ -11536,7 +12926,7 @@
             </a:pPr>
             <a:r>
               <a:rPr lang="en-US" sz="2000" dirty="0"/>
-              <a:t>Sharper geometry</a:t>
+              <a:t>Higher PSNR</a:t>
             </a:r>
           </a:p>
           <a:p>
@@ -11546,7 +12936,7 @@
             </a:pPr>
             <a:r>
               <a:rPr lang="en-US" sz="2000" dirty="0"/>
-              <a:t>Provides stronger guarantees</a:t>
+              <a:t>Sharper geometry</a:t>
             </a:r>
           </a:p>
           <a:p>
@@ -11554,10 +12944,6 @@
               <a:buFont typeface="Arial" panose="020B0604020202020204" pitchFamily="34" charset="0"/>
               <a:buChar char="•"/>
             </a:pPr>
-            <a:r>
-              <a:rPr lang="en-US" dirty="0"/>
-              <a:t>More complex implementation</a:t>
-            </a:r>
             <a:endParaRPr lang="en-US" sz="2000" dirty="0"/>
           </a:p>
           <a:p>
@@ -11581,7 +12967,7 @@
             </a:pPr>
             <a:r>
               <a:rPr lang="en-US" sz="2000" dirty="0"/>
-              <a:t>uses all pixels from all training images without considering whether the scene parts are dynamic or static.</a:t>
+              <a:t>uses all pixels from all training images</a:t>
             </a:r>
           </a:p>
           <a:p>
@@ -11593,17 +12979,6 @@
               <a:rPr lang="en-US" dirty="0"/>
               <a:t>No mask guidance</a:t>
             </a:r>
-          </a:p>
-          <a:p>
-            <a:pPr marL="342900" indent="-342900">
-              <a:buFont typeface="Arial" panose="020B0604020202020204" pitchFamily="34" charset="0"/>
-              <a:buChar char="•"/>
-            </a:pPr>
-            <a:r>
-              <a:rPr lang="en-US" dirty="0"/>
-              <a:t>Expected to show ghosting and blur on static background</a:t>
-            </a:r>
-            <a:endParaRPr lang="en-US" sz="2000" dirty="0"/>
           </a:p>
           <a:p>
             <a:endParaRPr dirty="0"/>
@@ -11685,6 +13060,36 @@
           </a:p>
         </p:txBody>
       </p:sp>
+      <p:pic>
+        <p:nvPicPr>
+          <p:cNvPr id="7" name="Picture 6">
+            <a:extLst>
+              <a:ext uri="{FF2B5EF4-FFF2-40B4-BE49-F238E27FC236}">
+                <a16:creationId xmlns:a16="http://schemas.microsoft.com/office/drawing/2014/main" id="{FC40B2AA-79FB-4C37-A047-219BF4AF2295}"/>
+              </a:ext>
+            </a:extLst>
+          </p:cNvPr>
+          <p:cNvPicPr>
+            <a:picLocks noChangeAspect="1"/>
+          </p:cNvPicPr>
+          <p:nvPr/>
+        </p:nvPicPr>
+        <p:blipFill>
+          <a:blip r:embed="rId3"/>
+          <a:stretch>
+            <a:fillRect/>
+          </a:stretch>
+        </p:blipFill>
+        <p:spPr>
+          <a:xfrm>
+            <a:off x="538843" y="1754477"/>
+            <a:ext cx="11305495" cy="4792666"/>
+          </a:xfrm>
+          <a:prstGeom prst="rect">
+            <a:avLst/>
+          </a:prstGeom>
+        </p:spPr>
+      </p:pic>
     </p:spTree>
   </p:cSld>
   <p:clrMapOvr>
@@ -11981,8 +13386,8 @@
         </p:nvSpPr>
         <p:spPr>
           <a:xfrm>
-            <a:off x="2819398" y="824170"/>
-            <a:ext cx="6007101" cy="776030"/>
+            <a:off x="3135086" y="824170"/>
+            <a:ext cx="5691413" cy="466734"/>
           </a:xfrm>
         </p:spPr>
         <p:txBody>
@@ -12023,8 +13428,8 @@
         </p:nvSpPr>
         <p:spPr>
           <a:xfrm>
-            <a:off x="457200" y="1600201"/>
-            <a:ext cx="8229600" cy="1600199"/>
+            <a:off x="709840" y="2839115"/>
+            <a:ext cx="4457700" cy="1179770"/>
           </a:xfrm>
           <a:prstGeom prst="rect">
             <a:avLst/>
@@ -12171,7 +13576,7 @@
           </a:lstStyle>
           <a:p>
             <a:r>
-              <a:rPr lang="en-US" sz="2400" dirty="0">
+              <a:rPr lang="en-US" sz="1600" dirty="0">
                 <a:latin typeface="Times New Roman" panose="02020603050405020304" pitchFamily="18" charset="0"/>
                 <a:cs typeface="Times New Roman" panose="02020603050405020304" pitchFamily="18" charset="0"/>
               </a:rPr>
@@ -12180,7 +13585,7 @@
           </a:p>
           <a:p>
             <a:r>
-              <a:rPr lang="en-US" sz="2400" dirty="0">
+              <a:rPr lang="en-US" sz="1600" dirty="0">
                 <a:latin typeface="Times New Roman" panose="02020603050405020304" pitchFamily="18" charset="0"/>
                 <a:cs typeface="Times New Roman" panose="02020603050405020304" pitchFamily="18" charset="0"/>
               </a:rPr>
@@ -12189,7 +13594,7 @@
           </a:p>
           <a:p>
             <a:r>
-              <a:rPr lang="en-US" sz="2400" dirty="0">
+              <a:rPr lang="en-US" sz="1600" dirty="0">
                 <a:latin typeface="Times New Roman" panose="02020603050405020304" pitchFamily="18" charset="0"/>
                 <a:cs typeface="Times New Roman" panose="02020603050405020304" pitchFamily="18" charset="0"/>
               </a:rPr>
@@ -12287,15 +13692,15 @@
           <p:nvPr/>
         </p:nvPicPr>
         <p:blipFill>
-          <a:blip r:embed="rId2"/>
+          <a:blip r:embed="rId3"/>
           <a:stretch>
             <a:fillRect/>
           </a:stretch>
         </p:blipFill>
         <p:spPr>
           <a:xfrm>
-            <a:off x="942975" y="3071813"/>
-            <a:ext cx="7272337" cy="2962017"/>
+            <a:off x="718457" y="1467929"/>
+            <a:ext cx="11201400" cy="5219489"/>
           </a:xfrm>
           <a:prstGeom prst="rect">
             <a:avLst/>
@@ -12316,8 +13721,8 @@
         </p:nvSpPr>
         <p:spPr>
           <a:xfrm>
-            <a:off x="1085850" y="6325672"/>
-            <a:ext cx="9658351" cy="369332"/>
+            <a:off x="2171700" y="6218496"/>
+            <a:ext cx="3396342" cy="276999"/>
           </a:xfrm>
           <a:prstGeom prst="rect">
             <a:avLst/>
@@ -12330,8 +13735,9 @@
           </a:bodyPr>
           <a:lstStyle/>
           <a:p>
-            <a:r>
-              <a:rPr lang="en-US" dirty="0"/>
+            <a:pPr algn="ctr"/>
+            <a:r>
+              <a:rPr lang="en-US" sz="1200" dirty="0"/>
               <a:t>Fig 3.0: Ground Truth vs Masked Images</a:t>
             </a:r>
           </a:p>

--- a/3D Gaussian Splatting via Masking Dynamic Objects.pptx
+++ b/3D Gaussian Splatting via Masking Dynamic Objects.pptx
@@ -5,7 +5,7 @@
     <p:sldMasterId id="2147483660" r:id="rId1"/>
   </p:sldMasterIdLst>
   <p:notesMasterIdLst>
-    <p:notesMasterId r:id="rId16"/>
+    <p:notesMasterId r:id="rId14"/>
   </p:notesMasterIdLst>
   <p:sldIdLst>
     <p:sldId id="267" r:id="rId2"/>
@@ -17,11 +17,9 @@
     <p:sldId id="258" r:id="rId8"/>
     <p:sldId id="257" r:id="rId9"/>
     <p:sldId id="265" r:id="rId10"/>
-    <p:sldId id="260" r:id="rId11"/>
-    <p:sldId id="270" r:id="rId12"/>
-    <p:sldId id="261" r:id="rId13"/>
-    <p:sldId id="262" r:id="rId14"/>
-    <p:sldId id="263" r:id="rId15"/>
+    <p:sldId id="270" r:id="rId11"/>
+    <p:sldId id="262" r:id="rId12"/>
+    <p:sldId id="263" r:id="rId13"/>
   </p:sldIdLst>
   <p:sldSz cx="12188825" cy="6858000"/>
   <p:notesSz cx="6858000" cy="9144000"/>
@@ -1767,90 +1765,6 @@
 </p:notes>
 </file>
 
-<file path=ppt/notesSlides/notesSlide4.xml><?xml version="1.0" encoding="utf-8"?>
-<p:notes xmlns:a="http://schemas.openxmlformats.org/drawingml/2006/main" xmlns:r="http://schemas.openxmlformats.org/officeDocument/2006/relationships" xmlns:p="http://schemas.openxmlformats.org/presentationml/2006/main">
-  <p:cSld>
-    <p:spTree>
-      <p:nvGrpSpPr>
-        <p:cNvPr id="1" name=""/>
-        <p:cNvGrpSpPr/>
-        <p:nvPr/>
-      </p:nvGrpSpPr>
-      <p:grpSpPr>
-        <a:xfrm>
-          <a:off x="0" y="0"/>
-          <a:ext cx="0" cy="0"/>
-          <a:chOff x="0" y="0"/>
-          <a:chExt cx="0" cy="0"/>
-        </a:xfrm>
-      </p:grpSpPr>
-      <p:sp>
-        <p:nvSpPr>
-          <p:cNvPr id="2" name="Slide Image Placeholder 1"/>
-          <p:cNvSpPr>
-            <a:spLocks noGrp="1" noRot="1" noChangeAspect="1"/>
-          </p:cNvSpPr>
-          <p:nvPr>
-            <p:ph type="sldImg"/>
-          </p:nvPr>
-        </p:nvSpPr>
-        <p:spPr/>
-      </p:sp>
-      <p:sp>
-        <p:nvSpPr>
-          <p:cNvPr id="3" name="Notes Placeholder 2"/>
-          <p:cNvSpPr>
-            <a:spLocks noGrp="1"/>
-          </p:cNvSpPr>
-          <p:nvPr>
-            <p:ph type="body" idx="1"/>
-          </p:nvPr>
-        </p:nvSpPr>
-        <p:spPr/>
-        <p:txBody>
-          <a:bodyPr/>
-          <a:lstStyle/>
-          <a:p>
-            <a:endParaRPr lang="en-US" dirty="0"/>
-          </a:p>
-        </p:txBody>
-      </p:sp>
-      <p:sp>
-        <p:nvSpPr>
-          <p:cNvPr id="4" name="Slide Number Placeholder 3"/>
-          <p:cNvSpPr>
-            <a:spLocks noGrp="1"/>
-          </p:cNvSpPr>
-          <p:nvPr>
-            <p:ph type="sldNum" sz="quarter" idx="5"/>
-          </p:nvPr>
-        </p:nvSpPr>
-        <p:spPr/>
-        <p:txBody>
-          <a:bodyPr/>
-          <a:lstStyle/>
-          <a:p>
-            <a:fld id="{F727A8F3-6447-4D56-B1DA-1C35DDA8BB16}" type="slidenum">
-              <a:rPr lang="en-US" smtClean="0"/>
-              <a:t>10</a:t>
-            </a:fld>
-            <a:endParaRPr lang="en-US"/>
-          </a:p>
-        </p:txBody>
-      </p:sp>
-    </p:spTree>
-    <p:extLst>
-      <p:ext uri="{BB962C8B-B14F-4D97-AF65-F5344CB8AC3E}">
-        <p14:creationId xmlns:p14="http://schemas.microsoft.com/office/powerpoint/2010/main" val="2658642672"/>
-      </p:ext>
-    </p:extLst>
-  </p:cSld>
-  <p:clrMapOvr>
-    <a:masterClrMapping/>
-  </p:clrMapOvr>
-</p:notes>
-</file>
-
 <file path=ppt/slideLayouts/slideLayout1.xml><?xml version="1.0" encoding="utf-8"?>
 <p:sldLayout xmlns:a="http://schemas.openxmlformats.org/drawingml/2006/main" xmlns:r="http://schemas.openxmlformats.org/officeDocument/2006/relationships" xmlns:p="http://schemas.openxmlformats.org/presentationml/2006/main" type="title" preserve="1">
   <p:cSld name="Title Slide">
@@ -8146,14 +8060,130 @@
       </p:grpSpPr>
       <p:sp>
         <p:nvSpPr>
-          <p:cNvPr id="3" name="TextBox 2"/>
+          <p:cNvPr id="2" name="Title 1">
+            <a:extLst>
+              <a:ext uri="{FF2B5EF4-FFF2-40B4-BE49-F238E27FC236}">
+                <a16:creationId xmlns:a16="http://schemas.microsoft.com/office/drawing/2014/main" id="{7A00AB55-150B-4652-9103-908533E4EFEB}"/>
+              </a:ext>
+            </a:extLst>
+          </p:cNvPr>
+          <p:cNvSpPr>
+            <a:spLocks noGrp="1"/>
+          </p:cNvSpPr>
+          <p:nvPr>
+            <p:ph type="title"/>
+          </p:nvPr>
+        </p:nvSpPr>
+        <p:spPr>
+          <a:xfrm>
+            <a:off x="1269920" y="9605"/>
+            <a:ext cx="9402274" cy="886225"/>
+          </a:xfrm>
+        </p:spPr>
+        <p:txBody>
+          <a:bodyPr/>
+          <a:lstStyle/>
+          <a:p>
+            <a:pPr algn="ctr"/>
+            <a:r>
+              <a:rPr lang="en-US" sz="3200" b="1" dirty="0">
+                <a:latin typeface="Times New Roman" panose="02020603050405020304" pitchFamily="18" charset="0"/>
+                <a:cs typeface="Times New Roman" panose="02020603050405020304" pitchFamily="18" charset="0"/>
+              </a:rPr>
+              <a:t>3.1: Quantitative Results</a:t>
+            </a:r>
+            <a:br>
+              <a:rPr lang="en-US" sz="3200" dirty="0">
+                <a:latin typeface="Times New Roman" panose="02020603050405020304" pitchFamily="18" charset="0"/>
+                <a:cs typeface="Times New Roman" panose="02020603050405020304" pitchFamily="18" charset="0"/>
+              </a:rPr>
+            </a:br>
+            <a:r>
+              <a:rPr lang="en-US" sz="3200" dirty="0">
+                <a:latin typeface="Times New Roman" panose="02020603050405020304" pitchFamily="18" charset="0"/>
+                <a:cs typeface="Times New Roman" panose="02020603050405020304" pitchFamily="18" charset="0"/>
+              </a:rPr>
+              <a:t>Metrics Comparison</a:t>
+            </a:r>
+          </a:p>
+        </p:txBody>
+      </p:sp>
+      <p:pic>
+        <p:nvPicPr>
+          <p:cNvPr id="4" name="Picture 3">
+            <a:extLst>
+              <a:ext uri="{FF2B5EF4-FFF2-40B4-BE49-F238E27FC236}">
+                <a16:creationId xmlns:a16="http://schemas.microsoft.com/office/drawing/2014/main" id="{127DDA5F-1406-407B-9A48-A5AD8B3B2E4C}"/>
+              </a:ext>
+            </a:extLst>
+          </p:cNvPr>
+          <p:cNvPicPr>
+            <a:picLocks noChangeAspect="1"/>
+          </p:cNvPicPr>
+          <p:nvPr/>
+        </p:nvPicPr>
+        <p:blipFill>
+          <a:blip r:embed="rId2"/>
+          <a:stretch>
+            <a:fillRect/>
+          </a:stretch>
+        </p:blipFill>
+        <p:spPr>
+          <a:xfrm>
+            <a:off x="522514" y="1054530"/>
+            <a:ext cx="9534248" cy="5366180"/>
+          </a:xfrm>
+          <a:prstGeom prst="rect">
+            <a:avLst/>
+          </a:prstGeom>
+        </p:spPr>
+      </p:pic>
+      <p:pic>
+        <p:nvPicPr>
+          <p:cNvPr id="6" name="Picture 5">
+            <a:extLst>
+              <a:ext uri="{FF2B5EF4-FFF2-40B4-BE49-F238E27FC236}">
+                <a16:creationId xmlns:a16="http://schemas.microsoft.com/office/drawing/2014/main" id="{69BE007C-A924-4798-8C4F-A8EB0CD4ED65}"/>
+              </a:ext>
+            </a:extLst>
+          </p:cNvPr>
+          <p:cNvPicPr>
+            <a:picLocks noChangeAspect="1"/>
+          </p:cNvPicPr>
+          <p:nvPr/>
+        </p:nvPicPr>
+        <p:blipFill>
+          <a:blip r:embed="rId3"/>
+          <a:stretch>
+            <a:fillRect/>
+          </a:stretch>
+        </p:blipFill>
+        <p:spPr>
+          <a:xfrm>
+            <a:off x="10164664" y="1537128"/>
+            <a:ext cx="1913860" cy="886225"/>
+          </a:xfrm>
+          <a:prstGeom prst="rect">
+            <a:avLst/>
+          </a:prstGeom>
+        </p:spPr>
+      </p:pic>
+      <p:sp>
+        <p:nvSpPr>
+          <p:cNvPr id="5" name="TextBox 4">
+            <a:extLst>
+              <a:ext uri="{FF2B5EF4-FFF2-40B4-BE49-F238E27FC236}">
+                <a16:creationId xmlns:a16="http://schemas.microsoft.com/office/drawing/2014/main" id="{C87D2ED0-19A6-4CB0-BDDD-E0D4F736669F}"/>
+              </a:ext>
+            </a:extLst>
+          </p:cNvPr>
           <p:cNvSpPr txBox="1"/>
           <p:nvPr/>
         </p:nvSpPr>
         <p:spPr>
           <a:xfrm>
-            <a:off x="2479674" y="317715"/>
-            <a:ext cx="6307138" cy="584775"/>
+            <a:off x="1410381" y="6410041"/>
+            <a:ext cx="4514850" cy="369332"/>
           </a:xfrm>
           <a:prstGeom prst="rect">
             <a:avLst/>
@@ -8161,52 +8191,41 @@
           <a:noFill/>
         </p:spPr>
         <p:txBody>
-          <a:bodyPr wrap="square">
+          <a:bodyPr wrap="square" rtlCol="0">
             <a:spAutoFit/>
           </a:bodyPr>
           <a:lstStyle/>
           <a:p>
-            <a:pPr algn="ctr">
-              <a:defRPr sz="2800" b="1"/>
-            </a:pPr>
-            <a:r>
-              <a:rPr lang="en-US" sz="3200" dirty="0">
-                <a:latin typeface="Times New Roman" panose="02020603050405020304" pitchFamily="18" charset="0"/>
-                <a:cs typeface="Times New Roman" panose="02020603050405020304" pitchFamily="18" charset="0"/>
-              </a:rPr>
-              <a:t>3.1: </a:t>
-            </a:r>
-            <a:r>
-              <a:rPr sz="3200" dirty="0">
-                <a:latin typeface="Times New Roman" panose="02020603050405020304" pitchFamily="18" charset="0"/>
-                <a:cs typeface="Times New Roman" panose="02020603050405020304" pitchFamily="18" charset="0"/>
-              </a:rPr>
-              <a:t>Quantitative</a:t>
-            </a:r>
-            <a:r>
-              <a:rPr dirty="0"/>
-              <a:t> Results</a:t>
+            <a:r>
+              <a:rPr lang="en-US" dirty="0"/>
+              <a:t>Fig. 3.1: Bar chart view per methods</a:t>
             </a:r>
           </a:p>
         </p:txBody>
       </p:sp>
       <p:graphicFrame>
         <p:nvGraphicFramePr>
-          <p:cNvPr id="4" name="Table 3"/>
+          <p:cNvPr id="7" name="Table 6">
+            <a:extLst>
+              <a:ext uri="{FF2B5EF4-FFF2-40B4-BE49-F238E27FC236}">
+                <a16:creationId xmlns:a16="http://schemas.microsoft.com/office/drawing/2014/main" id="{FB8E3CF8-1AD8-46E3-99DE-C94FFB0CE268}"/>
+              </a:ext>
+            </a:extLst>
+          </p:cNvPr>
           <p:cNvGraphicFramePr>
             <a:graphicFrameLocks noGrp="1"/>
           </p:cNvGraphicFramePr>
           <p:nvPr>
             <p:extLst>
               <p:ext uri="{D42A27DB-BD31-4B8C-83A1-F6EECF244321}">
-                <p14:modId xmlns:p14="http://schemas.microsoft.com/office/powerpoint/2010/main" val="3345652479"/>
+                <p14:modId xmlns:p14="http://schemas.microsoft.com/office/powerpoint/2010/main" val="1157777513"/>
               </p:ext>
             </p:extLst>
           </p:nvPr>
         </p:nvGraphicFramePr>
         <p:xfrm>
-          <a:off x="365124" y="1253561"/>
-          <a:ext cx="11456762" cy="4801458"/>
+          <a:off x="7882080" y="4119270"/>
+          <a:ext cx="4196444" cy="2285111"/>
         </p:xfrm>
         <a:graphic>
           <a:graphicData uri="http://schemas.openxmlformats.org/drawingml/2006/table">
@@ -8215,28 +8234,28 @@
                 <a:tableStyleId>{5C22544A-7EE6-4342-B048-85BDC9FD1C3A}</a:tableStyleId>
               </a:tblPr>
               <a:tblGrid>
-                <a:gridCol w="3273360">
+                <a:gridCol w="1198984">
                   <a:extLst>
                     <a:ext uri="{9D8B030D-6E8A-4147-A177-3AD203B41FA5}">
                       <a16:colId xmlns:a16="http://schemas.microsoft.com/office/drawing/2014/main" val="20000"/>
                     </a:ext>
                   </a:extLst>
                 </a:gridCol>
-                <a:gridCol w="2691744">
+                <a:gridCol w="985946">
                   <a:extLst>
                     <a:ext uri="{9D8B030D-6E8A-4147-A177-3AD203B41FA5}">
                       <a16:colId xmlns:a16="http://schemas.microsoft.com/office/drawing/2014/main" val="20001"/>
                     </a:ext>
                   </a:extLst>
                 </a:gridCol>
-                <a:gridCol w="1934883">
+                <a:gridCol w="708718">
                   <a:extLst>
                     <a:ext uri="{9D8B030D-6E8A-4147-A177-3AD203B41FA5}">
                       <a16:colId xmlns:a16="http://schemas.microsoft.com/office/drawing/2014/main" val="20002"/>
                     </a:ext>
                   </a:extLst>
                 </a:gridCol>
-                <a:gridCol w="3556775">
+                <a:gridCol w="1302796">
                   <a:extLst>
                     <a:ext uri="{9D8B030D-6E8A-4147-A177-3AD203B41FA5}">
                       <a16:colId xmlns:a16="http://schemas.microsoft.com/office/drawing/2014/main" val="20003"/>
@@ -8244,13 +8263,14 @@
                   </a:extLst>
                 </a:gridCol>
               </a:tblGrid>
-              <a:tr h="1178094">
+              <a:tr h="302653">
                 <a:tc>
                   <a:txBody>
                     <a:bodyPr/>
                     <a:lstStyle/>
                     <a:p>
                       <a:r>
+                        <a:rPr dirty="0"/>
                         <a:t>Strategy</a:t>
                       </a:r>
                     </a:p>
@@ -8301,7 +8321,7 @@
                   </a:ext>
                 </a:extLst>
               </a:tr>
-              <a:tr h="1207788">
+              <a:tr h="498239">
                 <a:tc>
                   <a:txBody>
                     <a:bodyPr/>
@@ -8387,7 +8407,7 @@
                   </a:ext>
                 </a:extLst>
               </a:tr>
-              <a:tr h="1207788">
+              <a:tr h="711756">
                 <a:tc>
                   <a:txBody>
                     <a:bodyPr/>
@@ -8490,7 +8510,7 @@
                   </a:ext>
                 </a:extLst>
               </a:tr>
-              <a:tr h="1207788">
+              <a:tr h="310280">
                 <a:tc>
                   <a:txBody>
                     <a:bodyPr/>
@@ -8573,10 +8593,10 @@
       </p:graphicFrame>
       <p:sp>
         <p:nvSpPr>
-          <p:cNvPr id="6" name="TextBox 5">
+          <p:cNvPr id="8" name="TextBox 7">
             <a:extLst>
               <a:ext uri="{FF2B5EF4-FFF2-40B4-BE49-F238E27FC236}">
-                <a16:creationId xmlns:a16="http://schemas.microsoft.com/office/drawing/2014/main" id="{F7E5F711-EB9D-47A6-97D7-8D6C5542839E}"/>
+                <a16:creationId xmlns:a16="http://schemas.microsoft.com/office/drawing/2014/main" id="{69A3FED8-1FC3-444A-B020-9D6A7E5E609B}"/>
               </a:ext>
             </a:extLst>
           </p:cNvPr>
@@ -8585,43 +8605,7 @@
         </p:nvSpPr>
         <p:spPr>
           <a:xfrm>
-            <a:off x="9101138" y="243959"/>
-            <a:ext cx="3043237" cy="369332"/>
-          </a:xfrm>
-          <a:prstGeom prst="rect">
-            <a:avLst/>
-          </a:prstGeom>
-          <a:noFill/>
-        </p:spPr>
-        <p:txBody>
-          <a:bodyPr wrap="square" rtlCol="0">
-            <a:spAutoFit/>
-          </a:bodyPr>
-          <a:lstStyle/>
-          <a:p>
-            <a:pPr algn="ctr"/>
-            <a:r>
-              <a:rPr lang="en-US" dirty="0"/>
-              <a:t>ITMO UNIVERSITY</a:t>
-            </a:r>
-          </a:p>
-        </p:txBody>
-      </p:sp>
-      <p:sp>
-        <p:nvSpPr>
-          <p:cNvPr id="7" name="TextBox 6">
-            <a:extLst>
-              <a:ext uri="{FF2B5EF4-FFF2-40B4-BE49-F238E27FC236}">
-                <a16:creationId xmlns:a16="http://schemas.microsoft.com/office/drawing/2014/main" id="{A0F3583E-64A4-47C8-BED5-8C542D1CBCD9}"/>
-              </a:ext>
-            </a:extLst>
-          </p:cNvPr>
-          <p:cNvSpPr txBox="1"/>
-          <p:nvPr/>
-        </p:nvSpPr>
-        <p:spPr>
-          <a:xfrm>
-            <a:off x="365124" y="802982"/>
+            <a:off x="7668183" y="6426370"/>
             <a:ext cx="4094161" cy="369332"/>
           </a:xfrm>
           <a:prstGeom prst="rect">
@@ -8643,6 +8627,11 @@
         </p:txBody>
       </p:sp>
     </p:spTree>
+    <p:extLst>
+      <p:ext uri="{BB962C8B-B14F-4D97-AF65-F5344CB8AC3E}">
+        <p14:creationId xmlns:p14="http://schemas.microsoft.com/office/powerpoint/2010/main" val="86238351"/>
+      </p:ext>
+    </p:extLst>
   </p:cSld>
   <p:clrMapOvr>
     <a:masterClrMapping/>
@@ -8669,50 +8658,49 @@
       </p:grpSpPr>
       <p:sp>
         <p:nvSpPr>
-          <p:cNvPr id="2" name="Title 1">
-            <a:extLst>
-              <a:ext uri="{FF2B5EF4-FFF2-40B4-BE49-F238E27FC236}">
-                <a16:creationId xmlns:a16="http://schemas.microsoft.com/office/drawing/2014/main" id="{7A00AB55-150B-4652-9103-908533E4EFEB}"/>
-              </a:ext>
-            </a:extLst>
-          </p:cNvPr>
-          <p:cNvSpPr>
-            <a:spLocks noGrp="1"/>
-          </p:cNvSpPr>
-          <p:nvPr>
-            <p:ph type="title"/>
-          </p:nvPr>
+          <p:cNvPr id="3" name="TextBox 2"/>
+          <p:cNvSpPr txBox="1"/>
+          <p:nvPr/>
         </p:nvSpPr>
         <p:spPr>
           <a:xfrm>
-            <a:off x="1269920" y="9605"/>
-            <a:ext cx="9402274" cy="886225"/>
+            <a:off x="4371974" y="457200"/>
+            <a:ext cx="3986213" cy="584775"/>
           </a:xfrm>
+          <a:prstGeom prst="rect">
+            <a:avLst/>
+          </a:prstGeom>
+          <a:noFill/>
         </p:spPr>
         <p:txBody>
-          <a:bodyPr/>
+          <a:bodyPr wrap="square">
+            <a:spAutoFit/>
+          </a:bodyPr>
           <a:lstStyle/>
           <a:p>
-            <a:pPr algn="ctr"/>
+            <a:pPr>
+              <a:defRPr sz="2800" b="1"/>
+            </a:pPr>
             <a:r>
               <a:rPr lang="en-US" sz="3200" dirty="0">
                 <a:latin typeface="Times New Roman" panose="02020603050405020304" pitchFamily="18" charset="0"/>
                 <a:cs typeface="Times New Roman" panose="02020603050405020304" pitchFamily="18" charset="0"/>
               </a:rPr>
-              <a:t>METRICS COMPARISON</a:t>
+              <a:t>3.2: </a:t>
+            </a:r>
+            <a:r>
+              <a:rPr sz="3200" dirty="0">
+                <a:latin typeface="Times New Roman" panose="02020603050405020304" pitchFamily="18" charset="0"/>
+                <a:cs typeface="Times New Roman" panose="02020603050405020304" pitchFamily="18" charset="0"/>
+              </a:rPr>
+              <a:t>Training Insights</a:t>
             </a:r>
           </a:p>
         </p:txBody>
       </p:sp>
       <p:pic>
         <p:nvPicPr>
-          <p:cNvPr id="4" name="Picture 3">
-            <a:extLst>
-              <a:ext uri="{FF2B5EF4-FFF2-40B4-BE49-F238E27FC236}">
-                <a16:creationId xmlns:a16="http://schemas.microsoft.com/office/drawing/2014/main" id="{127DDA5F-1406-407B-9A48-A5AD8B3B2E4C}"/>
-              </a:ext>
-            </a:extLst>
-          </p:cNvPr>
+          <p:cNvPr id="4" name="Picture 3" descr="training_loss.png"/>
           <p:cNvPicPr>
             <a:picLocks noChangeAspect="1"/>
           </p:cNvPicPr>
@@ -8726,50 +8714,20 @@
         </p:blipFill>
         <p:spPr>
           <a:xfrm>
-            <a:off x="776790" y="718457"/>
-            <a:ext cx="9689824" cy="5453743"/>
+            <a:off x="914400" y="1371600"/>
+            <a:ext cx="10058400" cy="3657600"/>
           </a:xfrm>
           <a:prstGeom prst="rect">
             <a:avLst/>
           </a:prstGeom>
         </p:spPr>
       </p:pic>
-      <p:pic>
-        <p:nvPicPr>
-          <p:cNvPr id="6" name="Picture 5">
-            <a:extLst>
-              <a:ext uri="{FF2B5EF4-FFF2-40B4-BE49-F238E27FC236}">
-                <a16:creationId xmlns:a16="http://schemas.microsoft.com/office/drawing/2014/main" id="{69BE007C-A924-4798-8C4F-A8EB0CD4ED65}"/>
-              </a:ext>
-            </a:extLst>
-          </p:cNvPr>
-          <p:cNvPicPr>
-            <a:picLocks noChangeAspect="1"/>
-          </p:cNvPicPr>
-          <p:nvPr/>
-        </p:nvPicPr>
-        <p:blipFill>
-          <a:blip r:embed="rId3"/>
-          <a:stretch>
-            <a:fillRect/>
-          </a:stretch>
-        </p:blipFill>
-        <p:spPr>
-          <a:xfrm>
-            <a:off x="8758334" y="1094016"/>
-            <a:ext cx="1913860" cy="886225"/>
-          </a:xfrm>
-          <a:prstGeom prst="rect">
-            <a:avLst/>
-          </a:prstGeom>
-        </p:spPr>
-      </p:pic>
       <p:sp>
         <p:nvSpPr>
           <p:cNvPr id="5" name="TextBox 4">
             <a:extLst>
               <a:ext uri="{FF2B5EF4-FFF2-40B4-BE49-F238E27FC236}">
-                <a16:creationId xmlns:a16="http://schemas.microsoft.com/office/drawing/2014/main" id="{C87D2ED0-19A6-4CB0-BDDD-E0D4F736669F}"/>
+                <a16:creationId xmlns:a16="http://schemas.microsoft.com/office/drawing/2014/main" id="{03631939-EB7C-4C6D-B5F9-306995514A93}"/>
               </a:ext>
             </a:extLst>
           </p:cNvPr>
@@ -8778,8 +8736,8 @@
         </p:nvSpPr>
         <p:spPr>
           <a:xfrm>
-            <a:off x="1410381" y="6230422"/>
-            <a:ext cx="4514850" cy="369332"/>
+            <a:off x="9101138" y="243959"/>
+            <a:ext cx="3043237" cy="369332"/>
           </a:xfrm>
           <a:prstGeom prst="rect">
             <a:avLst/>
@@ -8792,27 +8750,50 @@
           </a:bodyPr>
           <a:lstStyle/>
           <a:p>
+            <a:pPr algn="ctr"/>
             <a:r>
               <a:rPr lang="en-US" dirty="0"/>
-              <a:t>Fig. 3.1: </a:t>
-            </a:r>
-            <a:r>
-              <a:rPr lang="en-US" dirty="0" err="1"/>
-              <a:t>Barchart</a:t>
-            </a:r>
+              <a:t>ITMO UNIVERSITY</a:t>
+            </a:r>
+          </a:p>
+        </p:txBody>
+      </p:sp>
+      <p:sp>
+        <p:nvSpPr>
+          <p:cNvPr id="2" name="TextBox 1">
+            <a:extLst>
+              <a:ext uri="{FF2B5EF4-FFF2-40B4-BE49-F238E27FC236}">
+                <a16:creationId xmlns:a16="http://schemas.microsoft.com/office/drawing/2014/main" id="{4A153CC2-15E1-4462-918A-F1F25EE5B627}"/>
+              </a:ext>
+            </a:extLst>
+          </p:cNvPr>
+          <p:cNvSpPr txBox="1"/>
+          <p:nvPr/>
+        </p:nvSpPr>
+        <p:spPr>
+          <a:xfrm>
+            <a:off x="2557463" y="5700713"/>
+            <a:ext cx="7629525" cy="369332"/>
+          </a:xfrm>
+          <a:prstGeom prst="rect">
+            <a:avLst/>
+          </a:prstGeom>
+          <a:noFill/>
+        </p:spPr>
+        <p:txBody>
+          <a:bodyPr wrap="square" rtlCol="0">
+            <a:spAutoFit/>
+          </a:bodyPr>
+          <a:lstStyle/>
+          <a:p>
             <a:r>
               <a:rPr lang="en-US" dirty="0"/>
-              <a:t> view per methods</a:t>
+              <a:t>Fig. 3.2: TRAINING Losses Across Strategies</a:t>
             </a:r>
           </a:p>
         </p:txBody>
       </p:sp>
     </p:spTree>
-    <p:extLst>
-      <p:ext uri="{BB962C8B-B14F-4D97-AF65-F5344CB8AC3E}">
-        <p14:creationId xmlns:p14="http://schemas.microsoft.com/office/powerpoint/2010/main" val="86238351"/>
-      </p:ext>
-    </p:extLst>
   </p:cSld>
   <p:clrMapOvr>
     <a:masterClrMapping/>
@@ -8845,8 +8826,8 @@
         </p:nvSpPr>
         <p:spPr>
           <a:xfrm>
-            <a:off x="3713791" y="335250"/>
-            <a:ext cx="4459619" cy="584775"/>
+            <a:off x="4312046" y="243959"/>
+            <a:ext cx="3564732" cy="584775"/>
           </a:xfrm>
           <a:prstGeom prst="rect">
             <a:avLst/>
@@ -8854,7 +8835,7 @@
           <a:noFill/>
         </p:spPr>
         <p:txBody>
-          <a:bodyPr wrap="none">
+          <a:bodyPr wrap="square">
             <a:spAutoFit/>
           </a:bodyPr>
           <a:lstStyle/>
@@ -8867,28 +8848,39 @@
                 <a:latin typeface="Times New Roman" panose="02020603050405020304" pitchFamily="18" charset="0"/>
                 <a:cs typeface="Times New Roman" panose="02020603050405020304" pitchFamily="18" charset="0"/>
               </a:rPr>
-              <a:t>3.2: </a:t>
+              <a:t>3.6: </a:t>
             </a:r>
             <a:r>
               <a:rPr sz="3200" dirty="0">
                 <a:latin typeface="Times New Roman" panose="02020603050405020304" pitchFamily="18" charset="0"/>
                 <a:cs typeface="Times New Roman" panose="02020603050405020304" pitchFamily="18" charset="0"/>
               </a:rPr>
-              <a:t>Visual Comparisons</a:t>
-            </a:r>
-          </a:p>
-        </p:txBody>
-      </p:sp>
-      <p:sp>
-        <p:nvSpPr>
-          <p:cNvPr id="7" name="TextBox 6"/>
+              <a:t>Conclusion</a:t>
+            </a:r>
+            <a:r>
+              <a:rPr lang="en-US" sz="3200" dirty="0">
+                <a:latin typeface="Times New Roman" panose="02020603050405020304" pitchFamily="18" charset="0"/>
+                <a:cs typeface="Times New Roman" panose="02020603050405020304" pitchFamily="18" charset="0"/>
+              </a:rPr>
+              <a:t>s</a:t>
+            </a:r>
+            <a:endParaRPr sz="3200" dirty="0">
+              <a:latin typeface="Times New Roman" panose="02020603050405020304" pitchFamily="18" charset="0"/>
+              <a:cs typeface="Times New Roman" panose="02020603050405020304" pitchFamily="18" charset="0"/>
+            </a:endParaRPr>
+          </a:p>
+        </p:txBody>
+      </p:sp>
+      <p:sp>
+        <p:nvSpPr>
+          <p:cNvPr id="4" name="TextBox 3"/>
           <p:cNvSpPr txBox="1"/>
           <p:nvPr/>
         </p:nvSpPr>
         <p:spPr>
           <a:xfrm>
-            <a:off x="2203337" y="5969091"/>
-            <a:ext cx="7480526" cy="400110"/>
+            <a:off x="501651" y="1100167"/>
+            <a:ext cx="10993664" cy="2031325"/>
           </a:xfrm>
           <a:prstGeom prst="rect">
             <a:avLst/>
@@ -8901,31 +8893,104 @@
           </a:bodyPr>
           <a:lstStyle/>
           <a:p>
-            <a:pPr algn="ctr">
+            <a:pPr marL="342900" indent="-342900">
+              <a:buFont typeface="Arial" panose="020B0604020202020204" pitchFamily="34" charset="0"/>
+              <a:buChar char="•"/>
               <a:defRPr sz="2000" b="0"/>
             </a:pPr>
             <a:r>
-              <a:rPr lang="en-US" dirty="0"/>
-              <a:t>Fig. 3.2 : </a:t>
-            </a:r>
-            <a:r>
-              <a:rPr dirty="0"/>
-              <a:t>Reconstructed images across strategies</a:t>
-            </a:r>
-            <a:r>
-              <a:rPr lang="en-US" dirty="0"/>
-              <a:t> training</a:t>
-            </a:r>
-            <a:endParaRPr dirty="0"/>
-          </a:p>
-        </p:txBody>
-      </p:sp>
-      <p:sp>
-        <p:nvSpPr>
-          <p:cNvPr id="8" name="TextBox 7">
+              <a:rPr sz="2100" dirty="0">
+                <a:latin typeface="Times New Roman" panose="02020603050405020304" pitchFamily="18" charset="0"/>
+                <a:cs typeface="Times New Roman" panose="02020603050405020304" pitchFamily="18" charset="0"/>
+              </a:rPr>
+              <a:t>Gradient masking and ray filtering reduce dynamic object artifacts</a:t>
+            </a:r>
+            <a:r>
+              <a:rPr lang="en-US" sz="2100" dirty="0">
+                <a:latin typeface="Times New Roman" panose="02020603050405020304" pitchFamily="18" charset="0"/>
+                <a:cs typeface="Times New Roman" panose="02020603050405020304" pitchFamily="18" charset="0"/>
+              </a:rPr>
+              <a:t>, hence their higher training losses.</a:t>
+            </a:r>
+          </a:p>
+          <a:p>
+            <a:pPr marL="342900" indent="-342900">
+              <a:buFont typeface="Arial" panose="020B0604020202020204" pitchFamily="34" charset="0"/>
+              <a:buChar char="•"/>
+              <a:defRPr sz="2000" b="0"/>
+            </a:pPr>
+            <a:r>
+              <a:rPr sz="2100" dirty="0">
+                <a:latin typeface="Times New Roman" panose="02020603050405020304" pitchFamily="18" charset="0"/>
+                <a:cs typeface="Times New Roman" panose="02020603050405020304" pitchFamily="18" charset="0"/>
+              </a:rPr>
+              <a:t>Baseline achieves highest metrics </a:t>
+            </a:r>
+            <a:r>
+              <a:rPr lang="en-US" sz="2100" dirty="0">
+                <a:latin typeface="Times New Roman" panose="02020603050405020304" pitchFamily="18" charset="0"/>
+                <a:cs typeface="Times New Roman" panose="02020603050405020304" pitchFamily="18" charset="0"/>
+              </a:rPr>
+              <a:t>but do not remove artifacts, therefore the lower losses.</a:t>
+            </a:r>
+          </a:p>
+          <a:p>
+            <a:pPr marL="342900" indent="-342900">
+              <a:buFont typeface="Arial" panose="020B0604020202020204" pitchFamily="34" charset="0"/>
+              <a:buChar char="•"/>
+              <a:defRPr sz="2000" b="0"/>
+            </a:pPr>
+            <a:r>
+              <a:rPr sz="2100" dirty="0">
+                <a:latin typeface="Times New Roman" panose="02020603050405020304" pitchFamily="18" charset="0"/>
+                <a:cs typeface="Times New Roman" panose="02020603050405020304" pitchFamily="18" charset="0"/>
+              </a:rPr>
+              <a:t>Gradient masking slightly better perceptually than ray filtering</a:t>
+            </a:r>
+            <a:r>
+              <a:rPr lang="en-US" sz="2100" dirty="0">
+                <a:latin typeface="Times New Roman" panose="02020603050405020304" pitchFamily="18" charset="0"/>
+                <a:cs typeface="Times New Roman" panose="02020603050405020304" pitchFamily="18" charset="0"/>
+              </a:rPr>
+              <a:t> but keeps partial information.</a:t>
+            </a:r>
+          </a:p>
+          <a:p>
+            <a:pPr marL="342900" indent="-342900">
+              <a:buFont typeface="Arial" panose="020B0604020202020204" pitchFamily="34" charset="0"/>
+              <a:buChar char="•"/>
+              <a:defRPr sz="2000" b="0"/>
+            </a:pPr>
+            <a:r>
+              <a:rPr lang="en-US" sz="2100" dirty="0">
+                <a:latin typeface="Times New Roman" panose="02020603050405020304" pitchFamily="18" charset="0"/>
+                <a:cs typeface="Times New Roman" panose="02020603050405020304" pitchFamily="18" charset="0"/>
+              </a:rPr>
+              <a:t>2D masking improves 3DGS in dynamic scenes</a:t>
+            </a:r>
+          </a:p>
+          <a:p>
+            <a:pPr marL="342900" indent="-342900">
+              <a:buFont typeface="Arial" panose="020B0604020202020204" pitchFamily="34" charset="0"/>
+              <a:buChar char="•"/>
+              <a:defRPr sz="2000" b="0"/>
+            </a:pPr>
+            <a:r>
+              <a:rPr lang="en-US" sz="2100" dirty="0">
+                <a:latin typeface="Times New Roman" panose="02020603050405020304" pitchFamily="18" charset="0"/>
+                <a:cs typeface="Times New Roman" panose="02020603050405020304" pitchFamily="18" charset="0"/>
+              </a:rPr>
+              <a:t>Ray filtering performs strongest suppression of artifacts</a:t>
+            </a:r>
+          </a:p>
+        </p:txBody>
+      </p:sp>
+      <p:sp>
+        <p:nvSpPr>
+          <p:cNvPr id="6" name="TextBox 5">
             <a:extLst>
               <a:ext uri="{FF2B5EF4-FFF2-40B4-BE49-F238E27FC236}">
-                <a16:creationId xmlns:a16="http://schemas.microsoft.com/office/drawing/2014/main" id="{E71E3D88-DEA8-4D8D-8715-72DC275077A2}"/>
+                <a16:creationId xmlns:a16="http://schemas.microsoft.com/office/drawing/2014/main" id="{FED174D2-E9EE-4FE5-9244-F7681288980E}"/>
               </a:ext>
             </a:extLst>
           </p:cNvPr>
@@ -8956,456 +9021,6 @@
           </a:p>
         </p:txBody>
       </p:sp>
-      <p:pic>
-        <p:nvPicPr>
-          <p:cNvPr id="6" name="Picture 5">
-            <a:extLst>
-              <a:ext uri="{FF2B5EF4-FFF2-40B4-BE49-F238E27FC236}">
-                <a16:creationId xmlns:a16="http://schemas.microsoft.com/office/drawing/2014/main" id="{B2DE0C4E-52E7-484B-ABB5-41428A0CB915}"/>
-              </a:ext>
-            </a:extLst>
-          </p:cNvPr>
-          <p:cNvPicPr>
-            <a:picLocks noChangeAspect="1"/>
-          </p:cNvPicPr>
-          <p:nvPr/>
-        </p:nvPicPr>
-        <p:blipFill>
-          <a:blip r:embed="rId2"/>
-          <a:stretch>
-            <a:fillRect/>
-          </a:stretch>
-        </p:blipFill>
-        <p:spPr>
-          <a:xfrm>
-            <a:off x="6094412" y="1527705"/>
-            <a:ext cx="5604556" cy="3697437"/>
-          </a:xfrm>
-          <a:prstGeom prst="rect">
-            <a:avLst/>
-          </a:prstGeom>
-        </p:spPr>
-      </p:pic>
-      <p:pic>
-        <p:nvPicPr>
-          <p:cNvPr id="10" name="Picture 9">
-            <a:extLst>
-              <a:ext uri="{FF2B5EF4-FFF2-40B4-BE49-F238E27FC236}">
-                <a16:creationId xmlns:a16="http://schemas.microsoft.com/office/drawing/2014/main" id="{535668B1-6063-4895-A3D6-7CC26B4AD59F}"/>
-              </a:ext>
-            </a:extLst>
-          </p:cNvPr>
-          <p:cNvPicPr>
-            <a:picLocks noChangeAspect="1"/>
-          </p:cNvPicPr>
-          <p:nvPr/>
-        </p:nvPicPr>
-        <p:blipFill>
-          <a:blip r:embed="rId3"/>
-          <a:stretch>
-            <a:fillRect/>
-          </a:stretch>
-        </p:blipFill>
-        <p:spPr>
-          <a:xfrm>
-            <a:off x="489857" y="1527705"/>
-            <a:ext cx="5437414" cy="3697437"/>
-          </a:xfrm>
-          <a:prstGeom prst="rect">
-            <a:avLst/>
-          </a:prstGeom>
-        </p:spPr>
-      </p:pic>
-    </p:spTree>
-  </p:cSld>
-  <p:clrMapOvr>
-    <a:masterClrMapping/>
-  </p:clrMapOvr>
-</p:sld>
-</file>
-
-<file path=ppt/slides/slide13.xml><?xml version="1.0" encoding="utf-8"?>
-<p:sld xmlns:a="http://schemas.openxmlformats.org/drawingml/2006/main" xmlns:r="http://schemas.openxmlformats.org/officeDocument/2006/relationships" xmlns:p="http://schemas.openxmlformats.org/presentationml/2006/main">
-  <p:cSld>
-    <p:spTree>
-      <p:nvGrpSpPr>
-        <p:cNvPr id="1" name=""/>
-        <p:cNvGrpSpPr/>
-        <p:nvPr/>
-      </p:nvGrpSpPr>
-      <p:grpSpPr>
-        <a:xfrm>
-          <a:off x="0" y="0"/>
-          <a:ext cx="0" cy="0"/>
-          <a:chOff x="0" y="0"/>
-          <a:chExt cx="0" cy="0"/>
-        </a:xfrm>
-      </p:grpSpPr>
-      <p:sp>
-        <p:nvSpPr>
-          <p:cNvPr id="3" name="TextBox 2"/>
-          <p:cNvSpPr txBox="1"/>
-          <p:nvPr/>
-        </p:nvSpPr>
-        <p:spPr>
-          <a:xfrm>
-            <a:off x="4371974" y="457200"/>
-            <a:ext cx="3986213" cy="584775"/>
-          </a:xfrm>
-          <a:prstGeom prst="rect">
-            <a:avLst/>
-          </a:prstGeom>
-          <a:noFill/>
-        </p:spPr>
-        <p:txBody>
-          <a:bodyPr wrap="square">
-            <a:spAutoFit/>
-          </a:bodyPr>
-          <a:lstStyle/>
-          <a:p>
-            <a:pPr>
-              <a:defRPr sz="2800" b="1"/>
-            </a:pPr>
-            <a:r>
-              <a:rPr lang="en-US" sz="3200" dirty="0">
-                <a:latin typeface="Times New Roman" panose="02020603050405020304" pitchFamily="18" charset="0"/>
-                <a:cs typeface="Times New Roman" panose="02020603050405020304" pitchFamily="18" charset="0"/>
-              </a:rPr>
-              <a:t>3.3: </a:t>
-            </a:r>
-            <a:r>
-              <a:rPr sz="3200" dirty="0">
-                <a:latin typeface="Times New Roman" panose="02020603050405020304" pitchFamily="18" charset="0"/>
-                <a:cs typeface="Times New Roman" panose="02020603050405020304" pitchFamily="18" charset="0"/>
-              </a:rPr>
-              <a:t>Training Insights</a:t>
-            </a:r>
-          </a:p>
-        </p:txBody>
-      </p:sp>
-      <p:pic>
-        <p:nvPicPr>
-          <p:cNvPr id="4" name="Picture 3" descr="training_loss.png"/>
-          <p:cNvPicPr>
-            <a:picLocks noChangeAspect="1"/>
-          </p:cNvPicPr>
-          <p:nvPr/>
-        </p:nvPicPr>
-        <p:blipFill>
-          <a:blip r:embed="rId2"/>
-          <a:stretch>
-            <a:fillRect/>
-          </a:stretch>
-        </p:blipFill>
-        <p:spPr>
-          <a:xfrm>
-            <a:off x="914400" y="1371600"/>
-            <a:ext cx="10058400" cy="3657600"/>
-          </a:xfrm>
-          <a:prstGeom prst="rect">
-            <a:avLst/>
-          </a:prstGeom>
-        </p:spPr>
-      </p:pic>
-      <p:sp>
-        <p:nvSpPr>
-          <p:cNvPr id="5" name="TextBox 4">
-            <a:extLst>
-              <a:ext uri="{FF2B5EF4-FFF2-40B4-BE49-F238E27FC236}">
-                <a16:creationId xmlns:a16="http://schemas.microsoft.com/office/drawing/2014/main" id="{03631939-EB7C-4C6D-B5F9-306995514A93}"/>
-              </a:ext>
-            </a:extLst>
-          </p:cNvPr>
-          <p:cNvSpPr txBox="1"/>
-          <p:nvPr/>
-        </p:nvSpPr>
-        <p:spPr>
-          <a:xfrm>
-            <a:off x="9101138" y="243959"/>
-            <a:ext cx="3043237" cy="369332"/>
-          </a:xfrm>
-          <a:prstGeom prst="rect">
-            <a:avLst/>
-          </a:prstGeom>
-          <a:noFill/>
-        </p:spPr>
-        <p:txBody>
-          <a:bodyPr wrap="square" rtlCol="0">
-            <a:spAutoFit/>
-          </a:bodyPr>
-          <a:lstStyle/>
-          <a:p>
-            <a:pPr algn="ctr"/>
-            <a:r>
-              <a:rPr lang="en-US" dirty="0"/>
-              <a:t>ITMO UNIVERSITY</a:t>
-            </a:r>
-          </a:p>
-        </p:txBody>
-      </p:sp>
-      <p:sp>
-        <p:nvSpPr>
-          <p:cNvPr id="2" name="TextBox 1">
-            <a:extLst>
-              <a:ext uri="{FF2B5EF4-FFF2-40B4-BE49-F238E27FC236}">
-                <a16:creationId xmlns:a16="http://schemas.microsoft.com/office/drawing/2014/main" id="{4A153CC2-15E1-4462-918A-F1F25EE5B627}"/>
-              </a:ext>
-            </a:extLst>
-          </p:cNvPr>
-          <p:cNvSpPr txBox="1"/>
-          <p:nvPr/>
-        </p:nvSpPr>
-        <p:spPr>
-          <a:xfrm>
-            <a:off x="2557463" y="5700713"/>
-            <a:ext cx="7629525" cy="369332"/>
-          </a:xfrm>
-          <a:prstGeom prst="rect">
-            <a:avLst/>
-          </a:prstGeom>
-          <a:noFill/>
-        </p:spPr>
-        <p:txBody>
-          <a:bodyPr wrap="square" rtlCol="0">
-            <a:spAutoFit/>
-          </a:bodyPr>
-          <a:lstStyle/>
-          <a:p>
-            <a:r>
-              <a:rPr lang="en-US" dirty="0"/>
-              <a:t>Fig. 3.3: TRAINING Losses Across Strategies</a:t>
-            </a:r>
-          </a:p>
-        </p:txBody>
-      </p:sp>
-    </p:spTree>
-  </p:cSld>
-  <p:clrMapOvr>
-    <a:masterClrMapping/>
-  </p:clrMapOvr>
-</p:sld>
-</file>
-
-<file path=ppt/slides/slide14.xml><?xml version="1.0" encoding="utf-8"?>
-<p:sld xmlns:a="http://schemas.openxmlformats.org/drawingml/2006/main" xmlns:r="http://schemas.openxmlformats.org/officeDocument/2006/relationships" xmlns:p="http://schemas.openxmlformats.org/presentationml/2006/main">
-  <p:cSld>
-    <p:spTree>
-      <p:nvGrpSpPr>
-        <p:cNvPr id="1" name=""/>
-        <p:cNvGrpSpPr/>
-        <p:nvPr/>
-      </p:nvGrpSpPr>
-      <p:grpSpPr>
-        <a:xfrm>
-          <a:off x="0" y="0"/>
-          <a:ext cx="0" cy="0"/>
-          <a:chOff x="0" y="0"/>
-          <a:chExt cx="0" cy="0"/>
-        </a:xfrm>
-      </p:grpSpPr>
-      <p:sp>
-        <p:nvSpPr>
-          <p:cNvPr id="3" name="TextBox 2"/>
-          <p:cNvSpPr txBox="1"/>
-          <p:nvPr/>
-        </p:nvSpPr>
-        <p:spPr>
-          <a:xfrm>
-            <a:off x="4312046" y="243959"/>
-            <a:ext cx="3564732" cy="584775"/>
-          </a:xfrm>
-          <a:prstGeom prst="rect">
-            <a:avLst/>
-          </a:prstGeom>
-          <a:noFill/>
-        </p:spPr>
-        <p:txBody>
-          <a:bodyPr wrap="square">
-            <a:spAutoFit/>
-          </a:bodyPr>
-          <a:lstStyle/>
-          <a:p>
-            <a:pPr algn="ctr">
-              <a:defRPr sz="2800" b="1"/>
-            </a:pPr>
-            <a:r>
-              <a:rPr lang="en-US" sz="3200" dirty="0">
-                <a:latin typeface="Times New Roman" panose="02020603050405020304" pitchFamily="18" charset="0"/>
-                <a:cs typeface="Times New Roman" panose="02020603050405020304" pitchFamily="18" charset="0"/>
-              </a:rPr>
-              <a:t>3.6: </a:t>
-            </a:r>
-            <a:r>
-              <a:rPr sz="3200" dirty="0">
-                <a:latin typeface="Times New Roman" panose="02020603050405020304" pitchFamily="18" charset="0"/>
-                <a:cs typeface="Times New Roman" panose="02020603050405020304" pitchFamily="18" charset="0"/>
-              </a:rPr>
-              <a:t>Conclusion</a:t>
-            </a:r>
-            <a:r>
-              <a:rPr lang="en-US" sz="3200" dirty="0">
-                <a:latin typeface="Times New Roman" panose="02020603050405020304" pitchFamily="18" charset="0"/>
-                <a:cs typeface="Times New Roman" panose="02020603050405020304" pitchFamily="18" charset="0"/>
-              </a:rPr>
-              <a:t>s</a:t>
-            </a:r>
-            <a:endParaRPr sz="3200" dirty="0">
-              <a:latin typeface="Times New Roman" panose="02020603050405020304" pitchFamily="18" charset="0"/>
-              <a:cs typeface="Times New Roman" panose="02020603050405020304" pitchFamily="18" charset="0"/>
-            </a:endParaRPr>
-          </a:p>
-        </p:txBody>
-      </p:sp>
-      <p:sp>
-        <p:nvSpPr>
-          <p:cNvPr id="4" name="TextBox 3"/>
-          <p:cNvSpPr txBox="1"/>
-          <p:nvPr/>
-        </p:nvSpPr>
-        <p:spPr>
-          <a:xfrm>
-            <a:off x="501650" y="1100167"/>
-            <a:ext cx="11687175" cy="1631216"/>
-          </a:xfrm>
-          <a:prstGeom prst="rect">
-            <a:avLst/>
-          </a:prstGeom>
-          <a:noFill/>
-        </p:spPr>
-        <p:txBody>
-          <a:bodyPr wrap="square">
-            <a:spAutoFit/>
-          </a:bodyPr>
-          <a:lstStyle/>
-          <a:p>
-            <a:pPr marL="342900" indent="-342900">
-              <a:buFont typeface="Arial" panose="020B0604020202020204" pitchFamily="34" charset="0"/>
-              <a:buChar char="•"/>
-              <a:defRPr sz="2000" b="0"/>
-            </a:pPr>
-            <a:r>
-              <a:rPr dirty="0">
-                <a:latin typeface="Times New Roman" panose="02020603050405020304" pitchFamily="18" charset="0"/>
-                <a:cs typeface="Times New Roman" panose="02020603050405020304" pitchFamily="18" charset="0"/>
-              </a:rPr>
-              <a:t>Gradient masking and ray filtering reduce dynamic object artifacts</a:t>
-            </a:r>
-            <a:r>
-              <a:rPr lang="en-US" dirty="0">
-                <a:latin typeface="Times New Roman" panose="02020603050405020304" pitchFamily="18" charset="0"/>
-                <a:cs typeface="Times New Roman" panose="02020603050405020304" pitchFamily="18" charset="0"/>
-              </a:rPr>
-              <a:t>, hence their higher training losses.</a:t>
-            </a:r>
-          </a:p>
-          <a:p>
-            <a:pPr marL="342900" indent="-342900">
-              <a:buFont typeface="Arial" panose="020B0604020202020204" pitchFamily="34" charset="0"/>
-              <a:buChar char="•"/>
-              <a:defRPr sz="2000" b="0"/>
-            </a:pPr>
-            <a:r>
-              <a:rPr dirty="0">
-                <a:latin typeface="Times New Roman" panose="02020603050405020304" pitchFamily="18" charset="0"/>
-                <a:cs typeface="Times New Roman" panose="02020603050405020304" pitchFamily="18" charset="0"/>
-              </a:rPr>
-              <a:t>Baseline achieves highest metrics </a:t>
-            </a:r>
-            <a:r>
-              <a:rPr lang="en-US" dirty="0">
-                <a:latin typeface="Times New Roman" panose="02020603050405020304" pitchFamily="18" charset="0"/>
-                <a:cs typeface="Times New Roman" panose="02020603050405020304" pitchFamily="18" charset="0"/>
-              </a:rPr>
-              <a:t>but do not remove artifacts, therefore the lower losses.</a:t>
-            </a:r>
-          </a:p>
-          <a:p>
-            <a:pPr marL="342900" indent="-342900">
-              <a:buFont typeface="Arial" panose="020B0604020202020204" pitchFamily="34" charset="0"/>
-              <a:buChar char="•"/>
-              <a:defRPr sz="2000" b="0"/>
-            </a:pPr>
-            <a:r>
-              <a:rPr dirty="0">
-                <a:latin typeface="Times New Roman" panose="02020603050405020304" pitchFamily="18" charset="0"/>
-                <a:cs typeface="Times New Roman" panose="02020603050405020304" pitchFamily="18" charset="0"/>
-              </a:rPr>
-              <a:t>Gradient masking slightly better perceptually than ray filtering</a:t>
-            </a:r>
-            <a:r>
-              <a:rPr lang="en-US" dirty="0">
-                <a:latin typeface="Times New Roman" panose="02020603050405020304" pitchFamily="18" charset="0"/>
-                <a:cs typeface="Times New Roman" panose="02020603050405020304" pitchFamily="18" charset="0"/>
-              </a:rPr>
-              <a:t> but keeps partial information.</a:t>
-            </a:r>
-          </a:p>
-          <a:p>
-            <a:pPr marL="342900" indent="-342900">
-              <a:buFont typeface="Arial" panose="020B0604020202020204" pitchFamily="34" charset="0"/>
-              <a:buChar char="•"/>
-              <a:defRPr sz="2000" b="0"/>
-            </a:pPr>
-            <a:r>
-              <a:rPr lang="en-US" dirty="0">
-                <a:latin typeface="Times New Roman" panose="02020603050405020304" pitchFamily="18" charset="0"/>
-                <a:cs typeface="Times New Roman" panose="02020603050405020304" pitchFamily="18" charset="0"/>
-              </a:rPr>
-              <a:t>2D masking improves 3DGS in dynamic scenes</a:t>
-            </a:r>
-          </a:p>
-          <a:p>
-            <a:pPr marL="342900" indent="-342900">
-              <a:buFont typeface="Arial" panose="020B0604020202020204" pitchFamily="34" charset="0"/>
-              <a:buChar char="•"/>
-              <a:defRPr sz="2000" b="0"/>
-            </a:pPr>
-            <a:r>
-              <a:rPr lang="en-US" dirty="0">
-                <a:latin typeface="Times New Roman" panose="02020603050405020304" pitchFamily="18" charset="0"/>
-                <a:cs typeface="Times New Roman" panose="02020603050405020304" pitchFamily="18" charset="0"/>
-              </a:rPr>
-              <a:t>Ray filtering performs strongest suppression of artifacts</a:t>
-            </a:r>
-          </a:p>
-        </p:txBody>
-      </p:sp>
-      <p:sp>
-        <p:nvSpPr>
-          <p:cNvPr id="6" name="TextBox 5">
-            <a:extLst>
-              <a:ext uri="{FF2B5EF4-FFF2-40B4-BE49-F238E27FC236}">
-                <a16:creationId xmlns:a16="http://schemas.microsoft.com/office/drawing/2014/main" id="{FED174D2-E9EE-4FE5-9244-F7681288980E}"/>
-              </a:ext>
-            </a:extLst>
-          </p:cNvPr>
-          <p:cNvSpPr txBox="1"/>
-          <p:nvPr/>
-        </p:nvSpPr>
-        <p:spPr>
-          <a:xfrm>
-            <a:off x="9101138" y="243959"/>
-            <a:ext cx="3043237" cy="369332"/>
-          </a:xfrm>
-          <a:prstGeom prst="rect">
-            <a:avLst/>
-          </a:prstGeom>
-          <a:noFill/>
-        </p:spPr>
-        <p:txBody>
-          <a:bodyPr wrap="square" rtlCol="0">
-            <a:spAutoFit/>
-          </a:bodyPr>
-          <a:lstStyle/>
-          <a:p>
-            <a:pPr algn="ctr"/>
-            <a:r>
-              <a:rPr lang="en-US" dirty="0"/>
-              <a:t>ITMO UNIVERSITY</a:t>
-            </a:r>
-          </a:p>
-        </p:txBody>
-      </p:sp>
       <p:sp>
         <p:nvSpPr>
           <p:cNvPr id="5" name="TextBox 4">
@@ -9420,8 +9035,8 @@
         </p:nvSpPr>
         <p:spPr>
           <a:xfrm>
-            <a:off x="501650" y="2810865"/>
-            <a:ext cx="8415337" cy="1200329"/>
+            <a:off x="501651" y="3164150"/>
+            <a:ext cx="11185526" cy="1554272"/>
           </a:xfrm>
           <a:prstGeom prst="rect">
             <a:avLst/>
@@ -9436,7 +9051,7 @@
           <a:p>
             <a:pPr algn="ctr"/>
             <a:r>
-              <a:rPr lang="en-US" b="1" dirty="0">
+              <a:rPr lang="en-US" sz="3200" b="1" dirty="0">
                 <a:latin typeface="Times New Roman" panose="02020603050405020304" pitchFamily="18" charset="0"/>
                 <a:cs typeface="Times New Roman" panose="02020603050405020304" pitchFamily="18" charset="0"/>
               </a:rPr>
@@ -9449,7 +9064,7 @@
               <a:buChar char="•"/>
             </a:pPr>
             <a:r>
-              <a:rPr lang="en-US" dirty="0">
+              <a:rPr lang="en-US" sz="2100" dirty="0">
                 <a:latin typeface="Times New Roman" panose="02020603050405020304" pitchFamily="18" charset="0"/>
                 <a:cs typeface="Times New Roman" panose="02020603050405020304" pitchFamily="18" charset="0"/>
               </a:rPr>
@@ -9462,7 +9077,7 @@
               <a:buChar char="•"/>
             </a:pPr>
             <a:r>
-              <a:rPr lang="en-US" dirty="0">
+              <a:rPr lang="en-US" sz="2100" dirty="0">
                 <a:latin typeface="Times New Roman" panose="02020603050405020304" pitchFamily="18" charset="0"/>
                 <a:cs typeface="Times New Roman" panose="02020603050405020304" pitchFamily="18" charset="0"/>
               </a:rPr>
@@ -9475,7 +9090,7 @@
               <a:buChar char="•"/>
             </a:pPr>
             <a:r>
-              <a:rPr lang="en-US" dirty="0">
+              <a:rPr lang="en-US" sz="2100" dirty="0">
                 <a:latin typeface="Times New Roman" panose="02020603050405020304" pitchFamily="18" charset="0"/>
                 <a:cs typeface="Times New Roman" panose="02020603050405020304" pitchFamily="18" charset="0"/>
               </a:rPr>
@@ -9498,8 +9113,8 @@
         </p:nvSpPr>
         <p:spPr>
           <a:xfrm>
-            <a:off x="501649" y="3938588"/>
-            <a:ext cx="8415337" cy="1200329"/>
+            <a:off x="685800" y="4822218"/>
+            <a:ext cx="11001377" cy="1508105"/>
           </a:xfrm>
           <a:prstGeom prst="rect">
             <a:avLst/>
@@ -9514,7 +9129,7 @@
           <a:p>
             <a:pPr algn="ctr"/>
             <a:r>
-              <a:rPr lang="en-US" b="1" dirty="0">
+              <a:rPr lang="en-US" sz="3200" b="1" dirty="0">
                 <a:latin typeface="Times New Roman" panose="02020603050405020304" pitchFamily="18" charset="0"/>
                 <a:cs typeface="Times New Roman" panose="02020603050405020304" pitchFamily="18" charset="0"/>
               </a:rPr>
@@ -9529,11 +9144,11 @@
           </a:p>
           <a:p>
             <a:r>
-              <a:rPr lang="en-US" dirty="0">
+              <a:rPr lang="en-US" sz="2100" dirty="0">
                 <a:latin typeface="Times New Roman" panose="02020603050405020304" pitchFamily="18" charset="0"/>
                 <a:cs typeface="Times New Roman" panose="02020603050405020304" pitchFamily="18" charset="0"/>
               </a:rPr>
-              <a:t>We hope to apply this knowledge to spontaneous robot data as obtained in the field or through experimentation.</a:t>
+              <a:t>Future work could explore learning the masks end-to-end and combining them with dynamic DGS or anti-aliased, artifact-free splatting to further improve robustness in complex real-world scenes. </a:t>
             </a:r>
           </a:p>
         </p:txBody>
@@ -9579,7 +9194,7 @@
         </p:nvSpPr>
         <p:spPr>
           <a:xfrm>
-            <a:off x="1224116" y="896963"/>
+            <a:off x="1224116" y="1214731"/>
             <a:ext cx="9438968" cy="1155752"/>
           </a:xfrm>
           <a:prstGeom prst="rect">
@@ -9633,7 +9248,7 @@
         </p:nvSpPr>
         <p:spPr>
           <a:xfrm>
-            <a:off x="2005781" y="2200276"/>
+            <a:off x="2546733" y="2571111"/>
             <a:ext cx="7095357" cy="3443286"/>
           </a:xfrm>
           <a:prstGeom prst="rect">
@@ -9642,7 +9257,7 @@
         </p:spPr>
         <p:txBody>
           <a:bodyPr>
-            <a:normAutofit fontScale="70000" lnSpcReduction="20000"/>
+            <a:normAutofit fontScale="47500" lnSpcReduction="20000"/>
           </a:bodyPr>
           <a:lstStyle>
             <a:lvl1pPr marL="342900" indent="-342900" algn="l" defTabSz="457200" rtl="0" eaLnBrk="1" latinLnBrk="0" hangingPunct="1">
@@ -9803,25 +9418,43 @@
             <a:endParaRPr lang="en-US" dirty="0"/>
           </a:p>
           <a:p>
-            <a:r>
-              <a:rPr lang="en-US" dirty="0"/>
+            <a:pPr marL="0" indent="0" algn="ctr">
+              <a:lnSpc>
+                <a:spcPct val="170000"/>
+              </a:lnSpc>
+              <a:buNone/>
+            </a:pPr>
+            <a:r>
+              <a:rPr lang="en-US" sz="4400" dirty="0"/>
               <a:t>486554_Mandengs C I</a:t>
             </a:r>
           </a:p>
           <a:p>
-            <a:r>
-              <a:rPr lang="en-US" dirty="0"/>
+            <a:pPr marL="0" indent="0" algn="ctr">
+              <a:lnSpc>
+                <a:spcPct val="170000"/>
+              </a:lnSpc>
+              <a:buNone/>
+            </a:pPr>
+            <a:r>
+              <a:rPr lang="en-US" sz="4400" dirty="0"/>
               <a:t>476149_Jacob </a:t>
             </a:r>
             <a:r>
-              <a:rPr lang="en-US" dirty="0" err="1"/>
+              <a:rPr lang="en-US" sz="4400" dirty="0" err="1"/>
               <a:t>Ahemen</a:t>
             </a:r>
-            <a:endParaRPr lang="en-US" dirty="0"/>
-          </a:p>
-          <a:p>
-            <a:r>
-              <a:rPr lang="en-US" dirty="0"/>
+            <a:endParaRPr lang="en-US" sz="4400" dirty="0"/>
+          </a:p>
+          <a:p>
+            <a:pPr marL="0" indent="0" algn="ctr">
+              <a:lnSpc>
+                <a:spcPct val="170000"/>
+              </a:lnSpc>
+              <a:buNone/>
+            </a:pPr>
+            <a:r>
+              <a:rPr lang="en-US" sz="4400" dirty="0"/>
               <a:t>474343_Prince Alex</a:t>
             </a:r>
           </a:p>
@@ -9837,9 +9470,11 @@
             <a:endParaRPr lang="en-US" dirty="0"/>
           </a:p>
           <a:p>
-            <a:pPr algn="ctr"/>
-            <a:r>
-              <a:rPr lang="en-US" dirty="0"/>
+            <a:pPr marL="0" indent="0" algn="ctr">
+              <a:buNone/>
+            </a:pPr>
+            <a:r>
+              <a:rPr lang="en-US" b="1" dirty="0"/>
               <a:t>December 2025</a:t>
             </a:r>
           </a:p>
@@ -9977,8 +9612,8 @@
         </p:nvSpPr>
         <p:spPr>
           <a:xfrm>
-            <a:off x="914400" y="2274838"/>
-            <a:ext cx="10780423" cy="1938992"/>
+            <a:off x="914400" y="1046113"/>
+            <a:ext cx="10780423" cy="3416320"/>
           </a:xfrm>
           <a:prstGeom prst="rect">
             <a:avLst/>
@@ -10015,12 +9650,48 @@
             <a:pPr algn="ctr">
               <a:defRPr sz="2400" b="0"/>
             </a:pPr>
+            <a:endParaRPr lang="en-US" sz="2400" dirty="0">
+              <a:latin typeface="Times New Roman" panose="02020603050405020304" pitchFamily="18" charset="0"/>
+              <a:cs typeface="Times New Roman" panose="02020603050405020304" pitchFamily="18" charset="0"/>
+            </a:endParaRPr>
+          </a:p>
+          <a:p>
+            <a:pPr algn="ctr">
+              <a:defRPr sz="2400" b="0"/>
+            </a:pPr>
+            <a:endParaRPr lang="en-US" sz="2400" dirty="0">
+              <a:latin typeface="Times New Roman" panose="02020603050405020304" pitchFamily="18" charset="0"/>
+              <a:cs typeface="Times New Roman" panose="02020603050405020304" pitchFamily="18" charset="0"/>
+            </a:endParaRPr>
+          </a:p>
+          <a:p>
+            <a:pPr algn="ctr">
+              <a:defRPr sz="2400" b="0"/>
+            </a:pPr>
+            <a:endParaRPr lang="en-US" sz="2400" dirty="0">
+              <a:latin typeface="Times New Roman" panose="02020603050405020304" pitchFamily="18" charset="0"/>
+              <a:cs typeface="Times New Roman" panose="02020603050405020304" pitchFamily="18" charset="0"/>
+            </a:endParaRPr>
+          </a:p>
+          <a:p>
+            <a:pPr algn="ctr">
+              <a:defRPr sz="2400" b="0"/>
+            </a:pPr>
+            <a:endParaRPr lang="en-US" sz="2400" dirty="0">
+              <a:latin typeface="Times New Roman" panose="02020603050405020304" pitchFamily="18" charset="0"/>
+              <a:cs typeface="Times New Roman" panose="02020603050405020304" pitchFamily="18" charset="0"/>
+            </a:endParaRPr>
+          </a:p>
+          <a:p>
+            <a:pPr algn="ctr">
+              <a:defRPr sz="2400" b="0"/>
+            </a:pPr>
             <a:r>
               <a:rPr lang="en-US" sz="2400" dirty="0">
-                <a:latin typeface="Times New Roman" panose="02020603050405020304" pitchFamily="18" charset="0"/>
+                <a:latin typeface="Century Gothic" panose="020B0502020202020204" pitchFamily="34" charset="0"/>
                 <a:cs typeface="Times New Roman" panose="02020603050405020304" pitchFamily="18" charset="0"/>
               </a:rPr>
-              <a:t>Improve </a:t>
+              <a:t>Improvement of </a:t>
             </a:r>
             <a:r>
               <a:rPr lang="en-US" sz="2400" dirty="0"/>
@@ -10079,7 +9750,7 @@
         </p:nvSpPr>
         <p:spPr>
           <a:xfrm>
-            <a:off x="2005781" y="357188"/>
+            <a:off x="2756932" y="343284"/>
             <a:ext cx="7095357" cy="461665"/>
           </a:xfrm>
           <a:prstGeom prst="rect">
@@ -10190,8 +9861,8 @@
         </p:nvSpPr>
         <p:spPr>
           <a:xfrm>
-            <a:off x="1514475" y="1600200"/>
-            <a:ext cx="9886950" cy="3457575"/>
+            <a:off x="1285875" y="1969532"/>
+            <a:ext cx="9886950" cy="3233057"/>
           </a:xfrm>
           <a:prstGeom prst="rect">
             <a:avLst/>
@@ -10337,21 +10008,39 @@
             </a:lvl9pPr>
           </a:lstStyle>
           <a:p>
-            <a:endParaRPr lang="en-US" dirty="0"/>
-          </a:p>
-          <a:p>
+            <a:pPr>
+              <a:lnSpc>
+                <a:spcPct val="150000"/>
+              </a:lnSpc>
+              <a:buFont typeface="Wingdings" panose="05000000000000000000" pitchFamily="2" charset="2"/>
+              <a:buChar char="Ø"/>
+            </a:pPr>
             <a:r>
               <a:rPr lang="en-US" sz="2400" dirty="0"/>
               <a:t>3DGS assumes static scenes – in reality, scenes are rarely static.</a:t>
             </a:r>
           </a:p>
           <a:p>
+            <a:pPr>
+              <a:lnSpc>
+                <a:spcPct val="150000"/>
+              </a:lnSpc>
+              <a:buFont typeface="Wingdings" panose="05000000000000000000" pitchFamily="2" charset="2"/>
+              <a:buChar char="Ø"/>
+            </a:pPr>
             <a:r>
               <a:rPr lang="en-US" sz="2400" dirty="0"/>
               <a:t>Dynamic objects introduce noise, instability, and artifacts.</a:t>
             </a:r>
           </a:p>
           <a:p>
+            <a:pPr>
+              <a:lnSpc>
+                <a:spcPct val="150000"/>
+              </a:lnSpc>
+              <a:buFont typeface="Wingdings" panose="05000000000000000000" pitchFamily="2" charset="2"/>
+              <a:buChar char="Ø"/>
+            </a:pPr>
             <a:r>
               <a:rPr lang="en-US" sz="2400" dirty="0"/>
               <a:t>The need to produce cleaner, more stable reconstructions that better capture the underlying static geometry, ultimately enhancing the practicality of 3DGS for applications.</a:t>
@@ -10443,7 +10132,7 @@
         </p:nvSpPr>
         <p:spPr>
           <a:xfrm>
-            <a:off x="1184764" y="152682"/>
+            <a:off x="1184764" y="203710"/>
             <a:ext cx="9402274" cy="633132"/>
           </a:xfrm>
         </p:spPr>
@@ -10477,7 +10166,7 @@
         <p:spPr>
           <a:xfrm>
             <a:off x="1457325" y="1685925"/>
-            <a:ext cx="9129713" cy="2862322"/>
+            <a:ext cx="9129713" cy="4154984"/>
           </a:xfrm>
           <a:prstGeom prst="rect">
             <a:avLst/>
@@ -10491,35 +10180,35 @@
           <a:lstStyle/>
           <a:p>
             <a:r>
-              <a:rPr lang="en-US" dirty="0"/>
+              <a:rPr lang="en-US" sz="2400" dirty="0"/>
               <a:t>3D Gaussian </a:t>
             </a:r>
             <a:r>
-              <a:rPr lang="en-US" dirty="0">
+              <a:rPr lang="en-US" sz="2400" dirty="0">
                 <a:latin typeface="Times New Roman" panose="02020603050405020304" pitchFamily="18" charset="0"/>
                 <a:cs typeface="Times New Roman" panose="02020603050405020304" pitchFamily="18" charset="0"/>
               </a:rPr>
               <a:t>Splatting</a:t>
             </a:r>
             <a:r>
-              <a:rPr lang="en-US" dirty="0"/>
+              <a:rPr lang="en-US" sz="2400" dirty="0"/>
               <a:t> (3DGS is a real-time radiance field rendering technique that represents a scene using a set of </a:t>
             </a:r>
             <a:r>
-              <a:rPr lang="en-US" b="1" dirty="0"/>
+              <a:rPr lang="en-US" sz="2400" b="1" dirty="0"/>
               <a:t>anisotropic 3D Gaussians</a:t>
             </a:r>
             <a:r>
-              <a:rPr lang="en-US" dirty="0"/>
+              <a:rPr lang="en-US" sz="2400" dirty="0"/>
               <a:t> instead of dense voxel grids or neural implicit fields.</a:t>
             </a:r>
           </a:p>
           <a:p>
-            <a:endParaRPr lang="en-US" dirty="0"/>
-          </a:p>
-          <a:p>
-            <a:r>
-              <a:rPr lang="en-US" dirty="0"/>
+            <a:endParaRPr lang="en-US" sz="2400" dirty="0"/>
+          </a:p>
+          <a:p>
+            <a:r>
+              <a:rPr lang="en-US" sz="2400" dirty="0"/>
               <a:t>Each Gaussian Stores:</a:t>
             </a:r>
           </a:p>
@@ -10529,7 +10218,7 @@
               <a:buChar char="•"/>
             </a:pPr>
             <a:r>
-              <a:rPr lang="en-US" dirty="0"/>
+              <a:rPr lang="en-US" sz="2400" dirty="0"/>
               <a:t>3D position</a:t>
             </a:r>
           </a:p>
@@ -10539,7 +10228,7 @@
               <a:buChar char="•"/>
             </a:pPr>
             <a:r>
-              <a:rPr lang="en-US" dirty="0"/>
+              <a:rPr lang="en-US" sz="2400" dirty="0"/>
               <a:t>Covariance (size and orientation)</a:t>
             </a:r>
           </a:p>
@@ -10549,7 +10238,7 @@
               <a:buChar char="•"/>
             </a:pPr>
             <a:r>
-              <a:rPr lang="en-US" dirty="0"/>
+              <a:rPr lang="en-US" sz="2400" dirty="0"/>
               <a:t>Color (spherical harmonics)</a:t>
             </a:r>
           </a:p>
@@ -10559,7 +10248,7 @@
               <a:buChar char="•"/>
             </a:pPr>
             <a:r>
-              <a:rPr lang="en-US" dirty="0"/>
+              <a:rPr lang="en-US" sz="2400" dirty="0"/>
               <a:t>Opacity</a:t>
             </a:r>
           </a:p>
@@ -10569,7 +10258,7 @@
               <a:buChar char="•"/>
             </a:pPr>
             <a:r>
-              <a:rPr lang="en-US" dirty="0"/>
+              <a:rPr lang="en-US" sz="2400" dirty="0"/>
               <a:t>View-dependent appearance features</a:t>
             </a:r>
           </a:p>
@@ -13163,7 +12852,7 @@
         <p:spPr>
           <a:xfrm>
             <a:off x="457199" y="1371600"/>
-            <a:ext cx="11244263" cy="1815882"/>
+            <a:ext cx="11244263" cy="1692771"/>
           </a:xfrm>
           <a:prstGeom prst="rect">
             <a:avLst/>
@@ -13180,27 +12869,27 @@
               <a:defRPr sz="2000" b="0"/>
             </a:pPr>
             <a:r>
-              <a:rPr lang="en-US" sz="2400" dirty="0"/>
+              <a:rPr lang="en-US" sz="2000" dirty="0"/>
               <a:t>Since d</a:t>
             </a:r>
             <a:r>
-              <a:rPr sz="2400" dirty="0"/>
+              <a:rPr sz="2000" dirty="0"/>
               <a:t>ynamic objects in scenes cause reconstruction artifacts in 3D Gaussian Splatting</a:t>
             </a:r>
             <a:r>
-              <a:rPr lang="en-US" sz="2400" b="1" dirty="0"/>
+              <a:rPr lang="en-US" sz="2000" b="1" dirty="0"/>
               <a:t> </a:t>
             </a:r>
             <a:r>
-              <a:rPr lang="en-US" sz="2400" dirty="0"/>
+              <a:rPr lang="en-US" sz="2000" dirty="0"/>
               <a:t>the goal of masking is to i</a:t>
             </a:r>
             <a:r>
-              <a:rPr sz="2400" dirty="0"/>
+              <a:rPr sz="2000" dirty="0"/>
               <a:t>mprove reconstruction fidelity using 2D semantic masks</a:t>
             </a:r>
             <a:r>
-              <a:rPr lang="en-US" sz="2400" dirty="0"/>
+              <a:rPr lang="en-US" sz="2000" dirty="0"/>
               <a:t>.</a:t>
             </a:r>
           </a:p>
@@ -13208,14 +12897,20 @@
             <a:pPr>
               <a:defRPr sz="2000" b="0"/>
             </a:pPr>
-            <a:r>
-              <a:rPr lang="en-US" sz="2000" b="1" dirty="0">
+            <a:endParaRPr lang="en-US" sz="2400" dirty="0"/>
+          </a:p>
+          <a:p>
+            <a:pPr>
+              <a:defRPr sz="2000" b="0"/>
+            </a:pPr>
+            <a:r>
+              <a:rPr lang="en-US" sz="2000" dirty="0">
                 <a:latin typeface="Times New Roman" panose="02020603050405020304" pitchFamily="18" charset="0"/>
                 <a:cs typeface="Times New Roman" panose="02020603050405020304" pitchFamily="18" charset="0"/>
               </a:rPr>
               <a:t>Hypothesis: For 2D binary masks (1 = static, 0 = dynamic) integrated during training eliminates static artifact error while maintaining efficiency.</a:t>
             </a:r>
-            <a:endParaRPr sz="2400" b="1" dirty="0">
+            <a:endParaRPr sz="2400" dirty="0">
               <a:latin typeface="Times New Roman" panose="02020603050405020304" pitchFamily="18" charset="0"/>
               <a:cs typeface="Times New Roman" panose="02020603050405020304" pitchFamily="18" charset="0"/>
             </a:endParaRPr>
@@ -13260,57 +12955,86 @@
       </p:sp>
       <p:pic>
         <p:nvPicPr>
-          <p:cNvPr id="1026" name="Picture 2">
+          <p:cNvPr id="7" name="images">
+            <a:hlinkClick r:id="" action="ppaction://media"/>
             <a:extLst>
               <a:ext uri="{FF2B5EF4-FFF2-40B4-BE49-F238E27FC236}">
-                <a16:creationId xmlns:a16="http://schemas.microsoft.com/office/drawing/2014/main" id="{8B751DA8-FCD6-4256-AA67-B534FBF1A483}"/>
+                <a16:creationId xmlns:a16="http://schemas.microsoft.com/office/drawing/2014/main" id="{D3C1D9DD-AAEE-4BCE-975F-30C03329B1C0}"/>
               </a:ext>
             </a:extLst>
           </p:cNvPr>
           <p:cNvPicPr>
-            <a:picLocks noChangeAspect="1" noChangeArrowheads="1"/>
+            <a:picLocks noChangeAspect="1"/>
           </p:cNvPicPr>
-          <p:nvPr/>
+          <p:nvPr>
+            <a:videoFile r:link="rId2"/>
+            <p:extLst>
+              <p:ext uri="{DAA4B4D4-6D71-4841-9C94-3DE7FCFB9230}">
+                <p14:media xmlns:p14="http://schemas.microsoft.com/office/powerpoint/2010/main" r:embed="rId1"/>
+              </p:ext>
+            </p:extLst>
+          </p:nvPr>
         </p:nvPicPr>
         <p:blipFill>
-          <a:blip r:embed="rId2">
-            <a:extLst>
-              <a:ext uri="{28A0092B-C50C-407E-A947-70E740481C1C}">
-                <a14:useLocalDpi xmlns:a14="http://schemas.microsoft.com/office/drawing/2010/main" val="0"/>
-              </a:ext>
-            </a:extLst>
-          </a:blip>
-          <a:srcRect/>
+          <a:blip r:embed="rId6"/>
           <a:stretch>
             <a:fillRect/>
           </a:stretch>
         </p:blipFill>
-        <p:spPr bwMode="auto">
+        <p:spPr>
           <a:xfrm>
-            <a:off x="814388" y="3429000"/>
-            <a:ext cx="9086850" cy="2697062"/>
+            <a:off x="1451229" y="3329797"/>
+            <a:ext cx="3902528" cy="2775353"/>
           </a:xfrm>
           <a:prstGeom prst="rect">
             <a:avLst/>
           </a:prstGeom>
-          <a:noFill/>
-          <a:extLst>
-            <a:ext uri="{909E8E84-426E-40DD-AFC4-6F175D3DCCD1}">
-              <a14:hiddenFill xmlns:a14="http://schemas.microsoft.com/office/drawing/2010/main">
-                <a:solidFill>
-                  <a:srgbClr val="FFFFFF"/>
-                </a:solidFill>
-              </a14:hiddenFill>
-            </a:ext>
-          </a:extLst>
         </p:spPr>
       </p:pic>
-      <p:sp>
-        <p:nvSpPr>
-          <p:cNvPr id="2" name="TextBox 1">
+      <p:pic>
+        <p:nvPicPr>
+          <p:cNvPr id="8" name="mask">
+            <a:hlinkClick r:id="" action="ppaction://media"/>
             <a:extLst>
               <a:ext uri="{FF2B5EF4-FFF2-40B4-BE49-F238E27FC236}">
-                <a16:creationId xmlns:a16="http://schemas.microsoft.com/office/drawing/2014/main" id="{230184D0-2584-4838-A447-C7D770F5808A}"/>
+                <a16:creationId xmlns:a16="http://schemas.microsoft.com/office/drawing/2014/main" id="{3873CAAD-D88A-44DA-95B1-F46FDF00E390}"/>
+              </a:ext>
+            </a:extLst>
+          </p:cNvPr>
+          <p:cNvPicPr>
+            <a:picLocks noChangeAspect="1"/>
+          </p:cNvPicPr>
+          <p:nvPr>
+            <a:videoFile r:link="rId4"/>
+            <p:extLst>
+              <p:ext uri="{DAA4B4D4-6D71-4841-9C94-3DE7FCFB9230}">
+                <p14:media xmlns:p14="http://schemas.microsoft.com/office/powerpoint/2010/main" r:embed="rId3"/>
+              </p:ext>
+            </p:extLst>
+          </p:nvPr>
+        </p:nvPicPr>
+        <p:blipFill>
+          <a:blip r:embed="rId7"/>
+          <a:stretch>
+            <a:fillRect/>
+          </a:stretch>
+        </p:blipFill>
+        <p:spPr>
+          <a:xfrm>
+            <a:off x="5421085" y="3344960"/>
+            <a:ext cx="4039282" cy="2775353"/>
+          </a:xfrm>
+          <a:prstGeom prst="rect">
+            <a:avLst/>
+          </a:prstGeom>
+        </p:spPr>
+      </p:pic>
+      <p:sp>
+        <p:nvSpPr>
+          <p:cNvPr id="9" name="TextBox 8">
+            <a:extLst>
+              <a:ext uri="{FF2B5EF4-FFF2-40B4-BE49-F238E27FC236}">
+                <a16:creationId xmlns:a16="http://schemas.microsoft.com/office/drawing/2014/main" id="{73ADF6B8-7274-4A2E-AA7B-49DE180D65DA}"/>
               </a:ext>
             </a:extLst>
           </p:cNvPr>
@@ -13319,8 +13043,8 @@
         </p:nvSpPr>
         <p:spPr>
           <a:xfrm>
-            <a:off x="2110977" y="6126062"/>
-            <a:ext cx="6804423" cy="369332"/>
+            <a:off x="1043240" y="6370576"/>
+            <a:ext cx="8621033" cy="400110"/>
           </a:xfrm>
           <a:prstGeom prst="rect">
             <a:avLst/>
@@ -13328,18 +13052,19 @@
           <a:noFill/>
         </p:spPr>
         <p:txBody>
-          <a:bodyPr wrap="square" rtlCol="0">
+          <a:bodyPr wrap="square">
             <a:spAutoFit/>
           </a:bodyPr>
           <a:lstStyle/>
           <a:p>
-            <a:r>
-              <a:rPr lang="en-US" b="1" dirty="0">
-                <a:latin typeface="Times New Roman" panose="02020603050405020304" pitchFamily="18" charset="0"/>
-                <a:cs typeface="Times New Roman" panose="02020603050405020304" pitchFamily="18" charset="0"/>
-              </a:rPr>
-              <a:t>Fig 2.1 Demonstration of Masking: Artifacts are removed.</a:t>
-            </a:r>
+            <a:pPr algn="ctr">
+              <a:defRPr sz="2000" b="0"/>
+            </a:pPr>
+            <a:r>
+              <a:rPr lang="en-US" dirty="0"/>
+              <a:t>Fig. 2.1 : Image ground truth  and masked image</a:t>
+            </a:r>
+            <a:endParaRPr dirty="0"/>
           </a:p>
         </p:txBody>
       </p:sp>
@@ -13348,6 +13073,240 @@
   <p:clrMapOvr>
     <a:masterClrMapping/>
   </p:clrMapOvr>
+  <p:timing>
+    <p:tnLst>
+      <p:par>
+        <p:cTn id="1" dur="indefinite" restart="never" nodeType="tmRoot">
+          <p:childTnLst>
+            <p:seq concurrent="1" nextAc="seek">
+              <p:cTn id="2" dur="indefinite" nodeType="mainSeq">
+                <p:childTnLst>
+                  <p:par>
+                    <p:cTn id="3" fill="hold">
+                      <p:stCondLst>
+                        <p:cond delay="indefinite"/>
+                        <p:cond evt="onBegin" delay="0">
+                          <p:tn val="2"/>
+                        </p:cond>
+                      </p:stCondLst>
+                      <p:childTnLst>
+                        <p:par>
+                          <p:cTn id="4" fill="hold">
+                            <p:stCondLst>
+                              <p:cond delay="0"/>
+                            </p:stCondLst>
+                            <p:childTnLst>
+                              <p:par>
+                                <p:cTn id="5" presetID="1" presetClass="mediacall" presetSubtype="0" fill="hold" nodeType="afterEffect">
+                                  <p:stCondLst>
+                                    <p:cond delay="0"/>
+                                  </p:stCondLst>
+                                  <p:childTnLst>
+                                    <p:cmd type="call" cmd="playFrom(0.0)">
+                                      <p:cBhvr>
+                                        <p:cTn id="6" dur="5840" fill="hold"/>
+                                        <p:tgtEl>
+                                          <p:spTgt spid="7"/>
+                                        </p:tgtEl>
+                                      </p:cBhvr>
+                                    </p:cmd>
+                                  </p:childTnLst>
+                                </p:cTn>
+                              </p:par>
+                            </p:childTnLst>
+                          </p:cTn>
+                        </p:par>
+                        <p:par>
+                          <p:cTn id="7" fill="hold">
+                            <p:stCondLst>
+                              <p:cond delay="5840"/>
+                            </p:stCondLst>
+                            <p:childTnLst>
+                              <p:par>
+                                <p:cTn id="8" presetID="1" presetClass="mediacall" presetSubtype="0" fill="hold" nodeType="afterEffect">
+                                  <p:stCondLst>
+                                    <p:cond delay="0"/>
+                                  </p:stCondLst>
+                                  <p:childTnLst>
+                                    <p:cmd type="call" cmd="playFrom(0.0)">
+                                      <p:cBhvr>
+                                        <p:cTn id="9" dur="5840" fill="hold"/>
+                                        <p:tgtEl>
+                                          <p:spTgt spid="8"/>
+                                        </p:tgtEl>
+                                      </p:cBhvr>
+                                    </p:cmd>
+                                  </p:childTnLst>
+                                </p:cTn>
+                              </p:par>
+                            </p:childTnLst>
+                          </p:cTn>
+                        </p:par>
+                      </p:childTnLst>
+                    </p:cTn>
+                  </p:par>
+                </p:childTnLst>
+              </p:cTn>
+              <p:prevCondLst>
+                <p:cond evt="onPrev" delay="0">
+                  <p:tgtEl>
+                    <p:sldTgt/>
+                  </p:tgtEl>
+                </p:cond>
+              </p:prevCondLst>
+              <p:nextCondLst>
+                <p:cond evt="onNext" delay="0">
+                  <p:tgtEl>
+                    <p:sldTgt/>
+                  </p:tgtEl>
+                </p:cond>
+              </p:nextCondLst>
+            </p:seq>
+            <p:seq concurrent="1" nextAc="seek">
+              <p:cTn id="10" restart="whenNotActive" fill="hold" evtFilter="cancelBubble" nodeType="interactiveSeq">
+                <p:stCondLst>
+                  <p:cond evt="onClick" delay="0">
+                    <p:tgtEl>
+                      <p:spTgt spid="7"/>
+                    </p:tgtEl>
+                  </p:cond>
+                </p:stCondLst>
+                <p:endSync evt="end" delay="0">
+                  <p:rtn val="all"/>
+                </p:endSync>
+                <p:childTnLst>
+                  <p:par>
+                    <p:cTn id="11" fill="hold">
+                      <p:stCondLst>
+                        <p:cond delay="0"/>
+                      </p:stCondLst>
+                      <p:childTnLst>
+                        <p:par>
+                          <p:cTn id="12" fill="hold">
+                            <p:stCondLst>
+                              <p:cond delay="0"/>
+                            </p:stCondLst>
+                            <p:childTnLst>
+                              <p:par>
+                                <p:cTn id="13" presetID="2" presetClass="mediacall" presetSubtype="0" fill="hold" nodeType="clickEffect">
+                                  <p:stCondLst>
+                                    <p:cond delay="0"/>
+                                  </p:stCondLst>
+                                  <p:childTnLst>
+                                    <p:cmd type="call" cmd="togglePause">
+                                      <p:cBhvr>
+                                        <p:cTn id="14" dur="1" fill="hold"/>
+                                        <p:tgtEl>
+                                          <p:spTgt spid="7"/>
+                                        </p:tgtEl>
+                                      </p:cBhvr>
+                                    </p:cmd>
+                                  </p:childTnLst>
+                                </p:cTn>
+                              </p:par>
+                            </p:childTnLst>
+                          </p:cTn>
+                        </p:par>
+                      </p:childTnLst>
+                    </p:cTn>
+                  </p:par>
+                </p:childTnLst>
+              </p:cTn>
+              <p:nextCondLst>
+                <p:cond evt="onClick" delay="0">
+                  <p:tgtEl>
+                    <p:spTgt spid="7"/>
+                  </p:tgtEl>
+                </p:cond>
+              </p:nextCondLst>
+            </p:seq>
+            <p:video>
+              <p:cMediaNode vol="80000">
+                <p:cTn id="15" fill="hold" display="0">
+                  <p:stCondLst>
+                    <p:cond delay="indefinite"/>
+                  </p:stCondLst>
+                </p:cTn>
+                <p:tgtEl>
+                  <p:spTgt spid="7"/>
+                </p:tgtEl>
+              </p:cMediaNode>
+            </p:video>
+            <p:seq concurrent="1" nextAc="seek">
+              <p:cTn id="16" restart="whenNotActive" fill="hold" evtFilter="cancelBubble" nodeType="interactiveSeq">
+                <p:stCondLst>
+                  <p:cond evt="onClick" delay="0">
+                    <p:tgtEl>
+                      <p:spTgt spid="8"/>
+                    </p:tgtEl>
+                  </p:cond>
+                </p:stCondLst>
+                <p:endSync evt="end" delay="0">
+                  <p:rtn val="all"/>
+                </p:endSync>
+                <p:childTnLst>
+                  <p:par>
+                    <p:cTn id="17" fill="hold">
+                      <p:stCondLst>
+                        <p:cond delay="0"/>
+                      </p:stCondLst>
+                      <p:childTnLst>
+                        <p:par>
+                          <p:cTn id="18" fill="hold">
+                            <p:stCondLst>
+                              <p:cond delay="0"/>
+                            </p:stCondLst>
+                            <p:childTnLst>
+                              <p:par>
+                                <p:cTn id="19" presetID="2" presetClass="mediacall" presetSubtype="0" fill="hold" nodeType="clickEffect">
+                                  <p:stCondLst>
+                                    <p:cond delay="0"/>
+                                  </p:stCondLst>
+                                  <p:childTnLst>
+                                    <p:cmd type="call" cmd="togglePause">
+                                      <p:cBhvr>
+                                        <p:cTn id="20" dur="1" fill="hold"/>
+                                        <p:tgtEl>
+                                          <p:spTgt spid="8"/>
+                                        </p:tgtEl>
+                                      </p:cBhvr>
+                                    </p:cmd>
+                                  </p:childTnLst>
+                                </p:cTn>
+                              </p:par>
+                            </p:childTnLst>
+                          </p:cTn>
+                        </p:par>
+                      </p:childTnLst>
+                    </p:cTn>
+                  </p:par>
+                </p:childTnLst>
+              </p:cTn>
+              <p:nextCondLst>
+                <p:cond evt="onClick" delay="0">
+                  <p:tgtEl>
+                    <p:spTgt spid="8"/>
+                  </p:tgtEl>
+                </p:cond>
+              </p:nextCondLst>
+            </p:seq>
+            <p:video>
+              <p:cMediaNode vol="80000">
+                <p:cTn id="21" fill="hold" display="0">
+                  <p:stCondLst>
+                    <p:cond delay="indefinite"/>
+                  </p:stCondLst>
+                </p:cTn>
+                <p:tgtEl>
+                  <p:spTgt spid="8"/>
+                </p:tgtEl>
+              </p:cMediaNode>
+            </p:video>
+          </p:childTnLst>
+        </p:cTn>
+      </p:par>
+    </p:tnLst>
+  </p:timing>
 </p:sld>
 </file>
 
@@ -13699,7 +13658,7 @@
         </p:blipFill>
         <p:spPr>
           <a:xfrm>
-            <a:off x="718457" y="1467929"/>
+            <a:off x="380092" y="1467929"/>
             <a:ext cx="11201400" cy="5219489"/>
           </a:xfrm>
           <a:prstGeom prst="rect">
